--- a/plots/Fig2 feature modification flowchart.pptx
+++ b/plots/Fig2 feature modification flowchart.pptx
@@ -197,7 +197,7 @@
           <a:p>
             <a:fld id="{7FBD6D00-5174-A449-9D44-84A3CC40E9AF}" type="datetimeFigureOut">
               <a:rPr lang="en-US" smtClean="0"/>
-              <a:t>4/11/24</a:t>
+              <a:t>6/26/24</a:t>
             </a:fld>
             <a:endParaRPr lang="en-US"/>
           </a:p>
@@ -465,6 +465,90 @@
 </p:notesMaster>
 </file>
 
+<file path=ppt/notesSlides/notesSlide1.xml><?xml version="1.0" encoding="utf-8"?>
+<p:notes xmlns:a="http://schemas.openxmlformats.org/drawingml/2006/main" xmlns:r="http://schemas.openxmlformats.org/officeDocument/2006/relationships" xmlns:p="http://schemas.openxmlformats.org/presentationml/2006/main">
+  <p:cSld>
+    <p:spTree>
+      <p:nvGrpSpPr>
+        <p:cNvPr id="1" name=""/>
+        <p:cNvGrpSpPr/>
+        <p:nvPr/>
+      </p:nvGrpSpPr>
+      <p:grpSpPr>
+        <a:xfrm>
+          <a:off x="0" y="0"/>
+          <a:ext cx="0" cy="0"/>
+          <a:chOff x="0" y="0"/>
+          <a:chExt cx="0" cy="0"/>
+        </a:xfrm>
+      </p:grpSpPr>
+      <p:sp>
+        <p:nvSpPr>
+          <p:cNvPr id="2" name="Slide Image Placeholder 1"/>
+          <p:cNvSpPr>
+            <a:spLocks noGrp="1" noRot="1" noChangeAspect="1"/>
+          </p:cNvSpPr>
+          <p:nvPr>
+            <p:ph type="sldImg"/>
+          </p:nvPr>
+        </p:nvSpPr>
+        <p:spPr/>
+      </p:sp>
+      <p:sp>
+        <p:nvSpPr>
+          <p:cNvPr id="3" name="Notes Placeholder 2"/>
+          <p:cNvSpPr>
+            <a:spLocks noGrp="1"/>
+          </p:cNvSpPr>
+          <p:nvPr>
+            <p:ph type="body" idx="1"/>
+          </p:nvPr>
+        </p:nvSpPr>
+        <p:spPr/>
+        <p:txBody>
+          <a:bodyPr/>
+          <a:lstStyle/>
+          <a:p>
+            <a:endParaRPr lang="en-US" dirty="0"/>
+          </a:p>
+        </p:txBody>
+      </p:sp>
+      <p:sp>
+        <p:nvSpPr>
+          <p:cNvPr id="4" name="Slide Number Placeholder 3"/>
+          <p:cNvSpPr>
+            <a:spLocks noGrp="1"/>
+          </p:cNvSpPr>
+          <p:nvPr>
+            <p:ph type="sldNum" sz="quarter" idx="5"/>
+          </p:nvPr>
+        </p:nvSpPr>
+        <p:spPr/>
+        <p:txBody>
+          <a:bodyPr/>
+          <a:lstStyle/>
+          <a:p>
+            <a:fld id="{25146625-C105-834D-9D3A-BC823CE2CB81}" type="slidenum">
+              <a:rPr lang="en-US" smtClean="0"/>
+              <a:t>1</a:t>
+            </a:fld>
+            <a:endParaRPr lang="en-US"/>
+          </a:p>
+        </p:txBody>
+      </p:sp>
+    </p:spTree>
+    <p:extLst>
+      <p:ext uri="{BB962C8B-B14F-4D97-AF65-F5344CB8AC3E}">
+        <p14:creationId xmlns:p14="http://schemas.microsoft.com/office/powerpoint/2010/main" val="1078498241"/>
+      </p:ext>
+    </p:extLst>
+  </p:cSld>
+  <p:clrMapOvr>
+    <a:masterClrMapping/>
+  </p:clrMapOvr>
+</p:notes>
+</file>
+
 <file path=ppt/slideLayouts/slideLayout1.xml><?xml version="1.0" encoding="utf-8"?>
 <p:sldLayout xmlns:a="http://schemas.openxmlformats.org/drawingml/2006/main" xmlns:r="http://schemas.openxmlformats.org/officeDocument/2006/relationships" xmlns:p="http://schemas.openxmlformats.org/presentationml/2006/main" type="title" preserve="1">
   <p:cSld name="Title Slide">
@@ -596,7 +680,7 @@
           <a:p>
             <a:fld id="{A2BAE022-C88F-2B41-9F90-7F832352A141}" type="datetimeFigureOut">
               <a:rPr lang="en-US" smtClean="0"/>
-              <a:t>4/11/24</a:t>
+              <a:t>6/26/24</a:t>
             </a:fld>
             <a:endParaRPr lang="en-US"/>
           </a:p>
@@ -766,7 +850,7 @@
           <a:p>
             <a:fld id="{A2BAE022-C88F-2B41-9F90-7F832352A141}" type="datetimeFigureOut">
               <a:rPr lang="en-US" smtClean="0"/>
-              <a:t>4/11/24</a:t>
+              <a:t>6/26/24</a:t>
             </a:fld>
             <a:endParaRPr lang="en-US"/>
           </a:p>
@@ -946,7 +1030,7 @@
           <a:p>
             <a:fld id="{A2BAE022-C88F-2B41-9F90-7F832352A141}" type="datetimeFigureOut">
               <a:rPr lang="en-US" smtClean="0"/>
-              <a:t>4/11/24</a:t>
+              <a:t>6/26/24</a:t>
             </a:fld>
             <a:endParaRPr lang="en-US"/>
           </a:p>
@@ -1116,7 +1200,7 @@
           <a:p>
             <a:fld id="{A2BAE022-C88F-2B41-9F90-7F832352A141}" type="datetimeFigureOut">
               <a:rPr lang="en-US" smtClean="0"/>
-              <a:t>4/11/24</a:t>
+              <a:t>6/26/24</a:t>
             </a:fld>
             <a:endParaRPr lang="en-US"/>
           </a:p>
@@ -1360,7 +1444,7 @@
           <a:p>
             <a:fld id="{A2BAE022-C88F-2B41-9F90-7F832352A141}" type="datetimeFigureOut">
               <a:rPr lang="en-US" smtClean="0"/>
-              <a:t>4/11/24</a:t>
+              <a:t>6/26/24</a:t>
             </a:fld>
             <a:endParaRPr lang="en-US"/>
           </a:p>
@@ -1592,7 +1676,7 @@
           <a:p>
             <a:fld id="{A2BAE022-C88F-2B41-9F90-7F832352A141}" type="datetimeFigureOut">
               <a:rPr lang="en-US" smtClean="0"/>
-              <a:t>4/11/24</a:t>
+              <a:t>6/26/24</a:t>
             </a:fld>
             <a:endParaRPr lang="en-US"/>
           </a:p>
@@ -1959,7 +2043,7 @@
           <a:p>
             <a:fld id="{A2BAE022-C88F-2B41-9F90-7F832352A141}" type="datetimeFigureOut">
               <a:rPr lang="en-US" smtClean="0"/>
-              <a:t>4/11/24</a:t>
+              <a:t>6/26/24</a:t>
             </a:fld>
             <a:endParaRPr lang="en-US"/>
           </a:p>
@@ -2077,7 +2161,7 @@
           <a:p>
             <a:fld id="{A2BAE022-C88F-2B41-9F90-7F832352A141}" type="datetimeFigureOut">
               <a:rPr lang="en-US" smtClean="0"/>
-              <a:t>4/11/24</a:t>
+              <a:t>6/26/24</a:t>
             </a:fld>
             <a:endParaRPr lang="en-US"/>
           </a:p>
@@ -2172,7 +2256,7 @@
           <a:p>
             <a:fld id="{A2BAE022-C88F-2B41-9F90-7F832352A141}" type="datetimeFigureOut">
               <a:rPr lang="en-US" smtClean="0"/>
-              <a:t>4/11/24</a:t>
+              <a:t>6/26/24</a:t>
             </a:fld>
             <a:endParaRPr lang="en-US"/>
           </a:p>
@@ -2449,7 +2533,7 @@
           <a:p>
             <a:fld id="{A2BAE022-C88F-2B41-9F90-7F832352A141}" type="datetimeFigureOut">
               <a:rPr lang="en-US" smtClean="0"/>
-              <a:t>4/11/24</a:t>
+              <a:t>6/26/24</a:t>
             </a:fld>
             <a:endParaRPr lang="en-US"/>
           </a:p>
@@ -2706,7 +2790,7 @@
           <a:p>
             <a:fld id="{A2BAE022-C88F-2B41-9F90-7F832352A141}" type="datetimeFigureOut">
               <a:rPr lang="en-US" smtClean="0"/>
-              <a:t>4/11/24</a:t>
+              <a:t>6/26/24</a:t>
             </a:fld>
             <a:endParaRPr lang="en-US"/>
           </a:p>
@@ -2919,7 +3003,7 @@
           <a:p>
             <a:fld id="{A2BAE022-C88F-2B41-9F90-7F832352A141}" type="datetimeFigureOut">
               <a:rPr lang="en-US" smtClean="0"/>
-              <a:t>4/11/24</a:t>
+              <a:t>6/26/24</a:t>
             </a:fld>
             <a:endParaRPr lang="en-US"/>
           </a:p>
@@ -3340,10 +3424,10 @@
         </p:nvGrpSpPr>
         <p:grpSpPr>
           <a:xfrm>
-            <a:off x="1137749" y="624990"/>
-            <a:ext cx="13204213" cy="11710370"/>
-            <a:chOff x="-66486" y="185894"/>
-            <a:chExt cx="13204213" cy="11710370"/>
+            <a:off x="742331" y="833153"/>
+            <a:ext cx="13611015" cy="11502207"/>
+            <a:chOff x="-461904" y="394057"/>
+            <a:chExt cx="13611015" cy="11502207"/>
           </a:xfrm>
         </p:grpSpPr>
         <p:grpSp>
@@ -3362,10 +3446,10 @@
           </p:nvGrpSpPr>
           <p:grpSpPr>
             <a:xfrm>
-              <a:off x="-66486" y="185894"/>
-              <a:ext cx="7952800" cy="11710370"/>
-              <a:chOff x="-66486" y="185894"/>
-              <a:chExt cx="7952800" cy="11710370"/>
+              <a:off x="-461904" y="415484"/>
+              <a:ext cx="8348218" cy="11480780"/>
+              <a:chOff x="-461904" y="415484"/>
+              <a:chExt cx="8348218" cy="11480780"/>
             </a:xfrm>
           </p:grpSpPr>
           <p:sp>
@@ -3604,10 +3688,10 @@
             </p:nvGrpSpPr>
             <p:grpSpPr>
               <a:xfrm>
-                <a:off x="-66486" y="185894"/>
-                <a:ext cx="7669172" cy="11704305"/>
-                <a:chOff x="-66486" y="185894"/>
-                <a:chExt cx="7669172" cy="11704305"/>
+                <a:off x="-461904" y="415484"/>
+                <a:ext cx="8183333" cy="11474715"/>
+                <a:chOff x="-461904" y="415484"/>
+                <a:chExt cx="8183333" cy="11474715"/>
               </a:xfrm>
             </p:grpSpPr>
             <p:grpSp>
@@ -3626,10 +3710,10 @@
               </p:nvGrpSpPr>
               <p:grpSpPr>
                 <a:xfrm>
-                  <a:off x="-66486" y="185894"/>
-                  <a:ext cx="7669172" cy="11704305"/>
-                  <a:chOff x="-66486" y="185894"/>
-                  <a:chExt cx="7669172" cy="11704305"/>
+                  <a:off x="-461904" y="415484"/>
+                  <a:ext cx="8183333" cy="11474715"/>
+                  <a:chOff x="-461904" y="415484"/>
+                  <a:chExt cx="8183333" cy="11474715"/>
                 </a:xfrm>
               </p:grpSpPr>
               <p:grpSp>
@@ -3648,10 +3732,10 @@
                 </p:nvGrpSpPr>
                 <p:grpSpPr>
                   <a:xfrm>
-                    <a:off x="-66486" y="185894"/>
-                    <a:ext cx="7669172" cy="11704305"/>
-                    <a:chOff x="-66486" y="185894"/>
-                    <a:chExt cx="7669172" cy="11704305"/>
+                    <a:off x="-461904" y="415484"/>
+                    <a:ext cx="8183333" cy="11474715"/>
+                    <a:chOff x="-461904" y="415484"/>
+                    <a:chExt cx="8183333" cy="11474715"/>
                   </a:xfrm>
                 </p:grpSpPr>
                 <p:grpSp>
@@ -3670,10 +3754,10 @@
                   </p:nvGrpSpPr>
                   <p:grpSpPr>
                     <a:xfrm>
-                      <a:off x="-66486" y="185894"/>
-                      <a:ext cx="7669172" cy="11704305"/>
-                      <a:chOff x="-66486" y="185894"/>
-                      <a:chExt cx="7669172" cy="11704305"/>
+                      <a:off x="-461904" y="415484"/>
+                      <a:ext cx="8183333" cy="11474715"/>
+                      <a:chOff x="-461904" y="415484"/>
+                      <a:chExt cx="8183333" cy="11474715"/>
                     </a:xfrm>
                   </p:grpSpPr>
                   <p:grpSp>
@@ -3692,10 +3776,10 @@
                     </p:nvGrpSpPr>
                     <p:grpSpPr>
                       <a:xfrm>
-                        <a:off x="-66486" y="185894"/>
-                        <a:ext cx="7669172" cy="11704305"/>
-                        <a:chOff x="-66486" y="185894"/>
-                        <a:chExt cx="7669172" cy="11704305"/>
+                        <a:off x="-461904" y="415484"/>
+                        <a:ext cx="8183333" cy="11474715"/>
+                        <a:chOff x="-461904" y="415484"/>
+                        <a:chExt cx="8183333" cy="11474715"/>
                       </a:xfrm>
                     </p:grpSpPr>
                     <p:sp>
@@ -3714,8 +3798,8 @@
                       </p:nvSpPr>
                       <p:spPr>
                         <a:xfrm>
-                          <a:off x="2167079" y="10690833"/>
-                          <a:ext cx="3341912" cy="1199366"/>
+                          <a:off x="1755042" y="10690833"/>
+                          <a:ext cx="3753949" cy="1199366"/>
                         </a:xfrm>
                         <a:prstGeom prst="rect">
                           <a:avLst/>
@@ -3772,8 +3856,8 @@
                       </p:nvSpPr>
                       <p:spPr>
                         <a:xfrm>
-                          <a:off x="2203197" y="10783782"/>
-                          <a:ext cx="1644470" cy="507831"/>
+                          <a:off x="1910002" y="10772606"/>
+                          <a:ext cx="1867107" cy="507831"/>
                         </a:xfrm>
                         <a:prstGeom prst="rect">
                           <a:avLst/>
@@ -3812,7 +3896,7 @@
                               <a:latin typeface="Helvetica" pitchFamily="2" charset="0"/>
                               <a:cs typeface="Times New Roman" panose="02020603050405020304" pitchFamily="18" charset="0"/>
                             </a:rPr>
-                            <a:t>./create-full-</a:t>
+                            <a:t>scripts/GBI/create-full-</a:t>
                           </a:r>
                           <a:r>
                             <a:rPr lang="en-US" sz="900" dirty="0" err="1">
@@ -3851,10 +3935,10 @@
                       </p:nvGrpSpPr>
                       <p:grpSpPr>
                         <a:xfrm>
-                          <a:off x="-66486" y="185894"/>
-                          <a:ext cx="7669172" cy="11697130"/>
-                          <a:chOff x="-232741" y="61203"/>
-                          <a:chExt cx="7669172" cy="11697130"/>
+                          <a:off x="-461904" y="415484"/>
+                          <a:ext cx="8183333" cy="11467540"/>
+                          <a:chOff x="-628159" y="290793"/>
+                          <a:chExt cx="8183333" cy="11467540"/>
                         </a:xfrm>
                       </p:grpSpPr>
                       <p:sp>
@@ -3873,7 +3957,7 @@
                         </p:nvSpPr>
                         <p:spPr>
                           <a:xfrm>
-                            <a:off x="-2655" y="6674631"/>
+                            <a:off x="-398073" y="6674631"/>
                             <a:ext cx="1668829" cy="323165"/>
                           </a:xfrm>
                           <a:prstGeom prst="rect">
@@ -3914,7 +3998,7 @@
                         </p:nvSpPr>
                         <p:spPr>
                           <a:xfrm>
-                            <a:off x="258405" y="1602056"/>
+                            <a:off x="-169240" y="1524766"/>
                             <a:ext cx="1211161" cy="553998"/>
                           </a:xfrm>
                           <a:prstGeom prst="rect">
@@ -3955,7 +4039,7 @@
                         </p:nvSpPr>
                         <p:spPr>
                           <a:xfrm>
-                            <a:off x="-78261" y="4399647"/>
+                            <a:off x="-473679" y="4399647"/>
                             <a:ext cx="1884494" cy="553998"/>
                           </a:xfrm>
                           <a:prstGeom prst="rect">
@@ -3996,10 +4080,10 @@
                         </p:nvGrpSpPr>
                         <p:grpSpPr>
                           <a:xfrm>
-                            <a:off x="2000824" y="61203"/>
-                            <a:ext cx="3359202" cy="6160183"/>
-                            <a:chOff x="2904295" y="726802"/>
-                            <a:chExt cx="3359202" cy="6160183"/>
+                            <a:off x="1588787" y="290793"/>
+                            <a:ext cx="3737723" cy="5936322"/>
+                            <a:chOff x="2492258" y="956392"/>
+                            <a:chExt cx="3737723" cy="5936322"/>
                           </a:xfrm>
                         </p:grpSpPr>
                         <p:grpSp>
@@ -4018,10 +4102,10 @@
                           </p:nvGrpSpPr>
                           <p:grpSpPr>
                             <a:xfrm>
-                              <a:off x="2904295" y="726802"/>
-                              <a:ext cx="3325686" cy="3231223"/>
-                              <a:chOff x="22237" y="698659"/>
-                              <a:chExt cx="3325685" cy="3231223"/>
+                              <a:off x="2492258" y="956392"/>
+                              <a:ext cx="3737723" cy="3017021"/>
+                              <a:chOff x="-389800" y="928249"/>
+                              <a:chExt cx="3737722" cy="3017021"/>
                             </a:xfrm>
                           </p:grpSpPr>
                           <p:grpSp>
@@ -4040,10 +4124,10 @@
                             </p:nvGrpSpPr>
                             <p:grpSpPr>
                               <a:xfrm>
-                                <a:off x="329661" y="698659"/>
-                                <a:ext cx="2733440" cy="3231223"/>
-                                <a:chOff x="264806" y="565556"/>
-                                <a:chExt cx="2733440" cy="3231223"/>
+                                <a:off x="275480" y="928249"/>
+                                <a:ext cx="1507975" cy="3017021"/>
+                                <a:chOff x="210625" y="795146"/>
+                                <a:chExt cx="1507975" cy="3017021"/>
                               </a:xfrm>
                             </p:grpSpPr>
                             <p:sp>
@@ -4062,8 +4146,8 @@
                               </p:nvSpPr>
                               <p:spPr>
                                 <a:xfrm>
-                                  <a:off x="515057" y="3581335"/>
-                                  <a:ext cx="782586" cy="215444"/>
+                                  <a:off x="210625" y="3581335"/>
+                                  <a:ext cx="851516" cy="230832"/>
                                 </a:xfrm>
                                 <a:prstGeom prst="rect">
                                   <a:avLst/>
@@ -4078,7 +4162,7 @@
                                 <a:p>
                                   <a:pPr algn="ctr"/>
                                   <a:r>
-                                    <a:rPr lang="en-US" sz="800" dirty="0">
+                                    <a:rPr lang="en-US" sz="900" dirty="0">
                                       <a:latin typeface="Helvetica" pitchFamily="2" charset="0"/>
                                       <a:cs typeface="Times New Roman" panose="02020603050405020304" pitchFamily="18" charset="0"/>
                                     </a:rPr>
@@ -4103,8 +4187,8 @@
                               </p:nvSpPr>
                               <p:spPr>
                                 <a:xfrm>
-                                  <a:off x="264806" y="565556"/>
-                                  <a:ext cx="2733440" cy="554126"/>
+                                  <a:off x="751669" y="795146"/>
+                                  <a:ext cx="966931" cy="400110"/>
                                 </a:xfrm>
                                 <a:prstGeom prst="rect">
                                   <a:avLst/>
@@ -4118,11 +4202,11 @@
                                 <a:lstStyle/>
                                 <a:p>
                                   <a:r>
-                                    <a:rPr lang="en-US" sz="3001" b="1" dirty="0">
+                                    <a:rPr lang="en-US" sz="2000" b="1" dirty="0">
                                       <a:latin typeface="Helvetica" pitchFamily="2" charset="0"/>
                                       <a:cs typeface="Times New Roman" panose="02020603050405020304" pitchFamily="18" charset="0"/>
                                     </a:rPr>
-                                    <a:t>A. data/GBInd</a:t>
+                                    <a:t>A. GBI</a:t>
                                   </a:r>
                                 </a:p>
                               </p:txBody>
@@ -4144,10 +4228,10 @@
                             </p:nvGrpSpPr>
                             <p:grpSpPr>
                               <a:xfrm>
-                                <a:off x="22237" y="1365787"/>
-                                <a:ext cx="3325685" cy="2146868"/>
-                                <a:chOff x="22237" y="1365787"/>
-                                <a:chExt cx="3325685" cy="2146868"/>
+                                <a:off x="-389800" y="1365787"/>
+                                <a:ext cx="3737722" cy="2146868"/>
+                                <a:chOff x="-389800" y="1365787"/>
+                                <a:chExt cx="3737722" cy="2146868"/>
                               </a:xfrm>
                             </p:grpSpPr>
                             <p:sp>
@@ -4166,8 +4250,8 @@
                               </p:nvSpPr>
                               <p:spPr>
                                 <a:xfrm>
-                                  <a:off x="22237" y="1365787"/>
-                                  <a:ext cx="3325685" cy="2146868"/>
+                                  <a:off x="-389800" y="1365787"/>
+                                  <a:ext cx="3737722" cy="2146868"/>
                                 </a:xfrm>
                                 <a:prstGeom prst="rect">
                                   <a:avLst/>
@@ -4226,7 +4310,7 @@
                               </p:nvSpPr>
                               <p:spPr>
                                 <a:xfrm>
-                                  <a:off x="1134057" y="2702825"/>
+                                  <a:off x="894156" y="2656226"/>
                                   <a:ext cx="1037463" cy="276999"/>
                                 </a:xfrm>
                                 <a:prstGeom prst="rect">
@@ -4266,14 +4350,14 @@
                                 <p:nvPr/>
                               </p:nvPicPr>
                               <p:blipFill>
-                                <a:blip r:embed="rId2"/>
+                                <a:blip r:embed="rId3"/>
                                 <a:stretch>
                                   <a:fillRect/>
                                 </a:stretch>
                               </p:blipFill>
                               <p:spPr>
                                 <a:xfrm>
-                                  <a:off x="1228553" y="1890012"/>
+                                  <a:off x="988652" y="1843413"/>
                                   <a:ext cx="787241" cy="787240"/>
                                 </a:xfrm>
                                 <a:prstGeom prst="rect">
@@ -4299,7 +4383,7 @@
                           </p:nvCxnSpPr>
                           <p:spPr>
                             <a:xfrm flipV="1">
-                              <a:off x="3723506" y="3532191"/>
+                              <a:off x="3453539" y="3532191"/>
                               <a:ext cx="562778" cy="3354794"/>
                             </a:xfrm>
                             <a:prstGeom prst="straightConnector1">
@@ -4345,8 +4429,8 @@
                           </p:nvSpPr>
                           <p:spPr>
                             <a:xfrm>
-                              <a:off x="4510467" y="3701096"/>
-                              <a:ext cx="941283" cy="215444"/>
+                              <a:off x="4240500" y="3701096"/>
+                              <a:ext cx="941283" cy="230832"/>
                             </a:xfrm>
                             <a:prstGeom prst="rect">
                               <a:avLst/>
@@ -4361,7 +4445,7 @@
                             <a:p>
                               <a:pPr algn="ctr"/>
                               <a:r>
-                                <a:rPr lang="en-US" sz="800" dirty="0">
+                                <a:rPr lang="en-US" sz="900" dirty="0">
                                   <a:latin typeface="Helvetica" pitchFamily="2" charset="0"/>
                                   <a:cs typeface="Times New Roman" panose="02020603050405020304" pitchFamily="18" charset="0"/>
                                 </a:rPr>
@@ -4386,7 +4470,7 @@
                           </p:nvCxnSpPr>
                           <p:spPr>
                             <a:xfrm flipH="1">
-                              <a:off x="4745042" y="4058245"/>
+                              <a:off x="4475075" y="4058245"/>
                               <a:ext cx="478806" cy="0"/>
                             </a:xfrm>
                             <a:prstGeom prst="straightConnector1">
@@ -4432,8 +4516,8 @@
                           </p:nvSpPr>
                           <p:spPr>
                             <a:xfrm>
-                              <a:off x="5107591" y="3900933"/>
-                              <a:ext cx="941283" cy="338554"/>
+                              <a:off x="4844993" y="3900933"/>
+                              <a:ext cx="1031052" cy="369332"/>
                             </a:xfrm>
                             <a:prstGeom prst="rect">
                               <a:avLst/>
@@ -4448,7 +4532,7 @@
                             <a:p>
                               <a:pPr algn="ctr"/>
                               <a:r>
-                                <a:rPr lang="en-US" sz="800" dirty="0">
+                                <a:rPr lang="en-US" sz="900" dirty="0">
                                   <a:latin typeface="Helvetica" pitchFamily="2" charset="0"/>
                                   <a:cs typeface="Times New Roman" panose="02020603050405020304" pitchFamily="18" charset="0"/>
                                 </a:rPr>
@@ -4458,7 +4542,7 @@
                             <a:p>
                               <a:pPr algn="ctr"/>
                               <a:r>
-                                <a:rPr lang="en-US" sz="800" dirty="0">
+                                <a:rPr lang="en-US" sz="900" dirty="0">
                                   <a:latin typeface="Helvetica" pitchFamily="2" charset="0"/>
                                   <a:cs typeface="Times New Roman" panose="02020603050405020304" pitchFamily="18" charset="0"/>
                                 </a:rPr>
@@ -4483,7 +4567,7 @@
                           </p:nvCxnSpPr>
                           <p:spPr>
                             <a:xfrm flipH="1" flipV="1">
-                              <a:off x="4286284" y="3540797"/>
+                              <a:off x="4016317" y="3540797"/>
                               <a:ext cx="828573" cy="944583"/>
                             </a:xfrm>
                             <a:prstGeom prst="straightConnector1">
@@ -4529,8 +4613,8 @@
                           </p:nvSpPr>
                           <p:spPr>
                             <a:xfrm>
-                              <a:off x="4018799" y="5496428"/>
-                              <a:ext cx="862736" cy="461665"/>
+                              <a:off x="3690095" y="5252314"/>
+                              <a:ext cx="941283" cy="507831"/>
                             </a:xfrm>
                             <a:prstGeom prst="rect">
                               <a:avLst/>
@@ -4545,33 +4629,33 @@
                             <a:p>
                               <a:pPr algn="ctr"/>
                               <a:r>
-                                <a:rPr lang="en-US" sz="800" dirty="0">
+                                <a:rPr lang="en-US" sz="900" dirty="0">
                                   <a:latin typeface="Helvetica" pitchFamily="2" charset="0"/>
                                   <a:cs typeface="Times New Roman" panose="02020603050405020304" pitchFamily="18" charset="0"/>
                                 </a:rPr>
                                 <a:t>6 new features</a:t>
                               </a:r>
                               <a:br>
-                                <a:rPr lang="en-US" sz="800" dirty="0">
+                                <a:rPr lang="en-US" sz="900" dirty="0">
                                   <a:latin typeface="Helvetica" pitchFamily="2" charset="0"/>
                                   <a:cs typeface="Times New Roman" panose="02020603050405020304" pitchFamily="18" charset="0"/>
                                 </a:rPr>
                               </a:br>
                               <a:r>
-                                <a:rPr lang="en-US" sz="800" dirty="0">
+                                <a:rPr lang="en-US" sz="900" dirty="0">
                                   <a:latin typeface="Helvetica" pitchFamily="2" charset="0"/>
                                   <a:cs typeface="Times New Roman" panose="02020603050405020304" pitchFamily="18" charset="0"/>
                                 </a:rPr>
                                 <a:t>derived from 1</a:t>
                               </a:r>
                               <a:br>
-                                <a:rPr lang="en-US" sz="800" dirty="0">
+                                <a:rPr lang="en-US" sz="900" dirty="0">
                                   <a:latin typeface="Helvetica" pitchFamily="2" charset="0"/>
                                   <a:cs typeface="Times New Roman" panose="02020603050405020304" pitchFamily="18" charset="0"/>
                                 </a:rPr>
                               </a:br>
                               <a:r>
-                                <a:rPr lang="en-US" sz="800" dirty="0">
+                                <a:rPr lang="en-US" sz="900" dirty="0">
                                   <a:latin typeface="Helvetica" pitchFamily="2" charset="0"/>
                                   <a:cs typeface="Times New Roman" panose="02020603050405020304" pitchFamily="18" charset="0"/>
                                 </a:rPr>
@@ -4596,8 +4680,8 @@
                           </p:nvSpPr>
                           <p:spPr>
                             <a:xfrm>
-                              <a:off x="4772529" y="4495533"/>
-                              <a:ext cx="963725" cy="338554"/>
+                              <a:off x="4456075" y="4495533"/>
+                              <a:ext cx="1056700" cy="369332"/>
                             </a:xfrm>
                             <a:prstGeom prst="rect">
                               <a:avLst/>
@@ -4612,7 +4696,7 @@
                             <a:p>
                               <a:pPr algn="ctr"/>
                               <a:r>
-                                <a:rPr lang="en-US" sz="800" dirty="0">
+                                <a:rPr lang="en-US" sz="900" dirty="0">
                                   <a:latin typeface="Helvetica" pitchFamily="2" charset="0"/>
                                   <a:cs typeface="Times New Roman" panose="02020603050405020304" pitchFamily="18" charset="0"/>
                                 </a:rPr>
@@ -4622,7 +4706,7 @@
                             <a:p>
                               <a:pPr algn="ctr"/>
                               <a:r>
-                                <a:rPr lang="en-US" sz="800" dirty="0">
+                                <a:rPr lang="en-US" sz="900" dirty="0">
                                   <a:latin typeface="Helvetica" pitchFamily="2" charset="0"/>
                                   <a:cs typeface="Times New Roman" panose="02020603050405020304" pitchFamily="18" charset="0"/>
                                 </a:rPr>
@@ -4648,8 +4732,8 @@
                           </p:nvCxnSpPr>
                           <p:spPr>
                             <a:xfrm flipV="1">
-                              <a:off x="4330316" y="4834087"/>
-                              <a:ext cx="924076" cy="2052898"/>
+                              <a:off x="3912081" y="4864865"/>
+                              <a:ext cx="1072344" cy="2027849"/>
                             </a:xfrm>
                             <a:prstGeom prst="straightConnector1">
                               <a:avLst/>
@@ -4697,8 +4781,8 @@
                           </p:nvCxnSpPr>
                           <p:spPr>
                             <a:xfrm flipH="1" flipV="1">
-                              <a:off x="5254393" y="4834087"/>
-                              <a:ext cx="282256" cy="250114"/>
+                              <a:off x="4984425" y="4864865"/>
+                              <a:ext cx="360638" cy="219336"/>
                             </a:xfrm>
                             <a:prstGeom prst="straightConnector1">
                               <a:avLst/>
@@ -4744,8 +4828,8 @@
                           </p:nvSpPr>
                           <p:spPr>
                             <a:xfrm>
-                              <a:off x="5047572" y="5084201"/>
-                              <a:ext cx="978153" cy="461665"/>
+                              <a:off x="4810301" y="5084201"/>
+                              <a:ext cx="1069524" cy="507831"/>
                             </a:xfrm>
                             <a:prstGeom prst="rect">
                               <a:avLst/>
@@ -4760,7 +4844,7 @@
                             <a:p>
                               <a:pPr algn="ctr"/>
                               <a:r>
-                                <a:rPr lang="en-US" sz="800" dirty="0">
+                                <a:rPr lang="en-US" sz="900" dirty="0">
                                   <a:latin typeface="Helvetica" pitchFamily="2" charset="0"/>
                                   <a:cs typeface="Times New Roman" panose="02020603050405020304" pitchFamily="18" charset="0"/>
                                 </a:rPr>
@@ -4770,20 +4854,20 @@
                             <a:p>
                               <a:pPr algn="ctr"/>
                               <a:r>
-                                <a:rPr lang="en-US" sz="800" dirty="0">
+                                <a:rPr lang="en-US" sz="900" dirty="0">
                                   <a:latin typeface="Helvetica" pitchFamily="2" charset="0"/>
                                   <a:cs typeface="Times New Roman" panose="02020603050405020304" pitchFamily="18" charset="0"/>
                                 </a:rPr>
                                 <a:t>derived from &gt;1</a:t>
                               </a:r>
                               <a:br>
-                                <a:rPr lang="en-US" sz="800" dirty="0">
+                                <a:rPr lang="en-US" sz="900" dirty="0">
                                   <a:latin typeface="Helvetica" pitchFamily="2" charset="0"/>
                                   <a:cs typeface="Times New Roman" panose="02020603050405020304" pitchFamily="18" charset="0"/>
                                 </a:rPr>
                               </a:br>
                               <a:r>
-                                <a:rPr lang="en-US" sz="800" dirty="0">
+                                <a:rPr lang="en-US" sz="900" dirty="0">
                                   <a:latin typeface="Helvetica" pitchFamily="2" charset="0"/>
                                   <a:cs typeface="Times New Roman" panose="02020603050405020304" pitchFamily="18" charset="0"/>
                                 </a:rPr>
@@ -4803,13 +4887,14 @@
                             </p:cNvPr>
                             <p:cNvCxnSpPr>
                               <a:cxnSpLocks/>
+                              <a:endCxn id="364" idx="2"/>
                             </p:cNvCxnSpPr>
                             <p:nvPr/>
                           </p:nvCxnSpPr>
                           <p:spPr>
                             <a:xfrm flipV="1">
-                              <a:off x="4914782" y="5515659"/>
-                              <a:ext cx="614235" cy="1371326"/>
+                              <a:off x="4644815" y="5592032"/>
+                              <a:ext cx="700248" cy="1294953"/>
                             </a:xfrm>
                             <a:prstGeom prst="straightConnector1">
                               <a:avLst/>
@@ -4855,8 +4940,8 @@
                           </p:nvSpPr>
                           <p:spPr>
                             <a:xfrm>
-                              <a:off x="4599662" y="6049944"/>
-                              <a:ext cx="643832" cy="338554"/>
+                              <a:off x="4338404" y="6041235"/>
+                              <a:ext cx="643832" cy="369332"/>
                             </a:xfrm>
                             <a:prstGeom prst="rect">
                               <a:avLst/>
@@ -4871,11 +4956,11 @@
                             <a:p>
                               <a:pPr algn="ctr"/>
                               <a:r>
-                                <a:rPr lang="en-US" sz="800" dirty="0">
+                                <a:rPr lang="en-US" sz="900" dirty="0">
                                   <a:latin typeface="Helvetica" pitchFamily="2" charset="0"/>
                                   <a:cs typeface="Times New Roman" panose="02020603050405020304" pitchFamily="18" charset="0"/>
                                 </a:rPr>
-                                <a:t>54 meta-variables</a:t>
+                                <a:t>54 meta-features</a:t>
                               </a:r>
                             </a:p>
                           </p:txBody>
@@ -4891,13 +4976,14 @@
                             </p:cNvPr>
                             <p:cNvCxnSpPr>
                               <a:cxnSpLocks/>
+                              <a:endCxn id="364" idx="2"/>
                             </p:cNvCxnSpPr>
                             <p:nvPr/>
                           </p:nvCxnSpPr>
                           <p:spPr>
-                            <a:xfrm flipH="1" flipV="1">
-                              <a:off x="5529018" y="5478275"/>
-                              <a:ext cx="7631" cy="1406739"/>
+                            <a:xfrm flipV="1">
+                              <a:off x="5345063" y="5592032"/>
+                              <a:ext cx="0" cy="1300379"/>
                             </a:xfrm>
                             <a:prstGeom prst="straightConnector1">
                               <a:avLst/>
@@ -4943,8 +5029,8 @@
                           </p:nvSpPr>
                           <p:spPr>
                             <a:xfrm>
-                              <a:off x="5522318" y="5972556"/>
-                              <a:ext cx="741179" cy="461665"/>
+                              <a:off x="5287187" y="5972556"/>
+                              <a:ext cx="807118" cy="507831"/>
                             </a:xfrm>
                             <a:prstGeom prst="rect">
                               <a:avLst/>
@@ -4959,7 +5045,7 @@
                             <a:p>
                               <a:pPr algn="ctr"/>
                               <a:r>
-                                <a:rPr lang="en-US" sz="800" dirty="0">
+                                <a:rPr lang="en-US" sz="900" dirty="0">
                                   <a:latin typeface="Helvetica" pitchFamily="2" charset="0"/>
                                   <a:cs typeface="Times New Roman" panose="02020603050405020304" pitchFamily="18" charset="0"/>
                                 </a:rPr>
@@ -4985,8 +5071,8 @@
                         </p:nvSpPr>
                         <p:spPr>
                           <a:xfrm>
-                            <a:off x="4071687" y="11179567"/>
-                            <a:ext cx="1189749" cy="338554"/>
+                            <a:off x="3818437" y="11179567"/>
+                            <a:ext cx="1442999" cy="338554"/>
                           </a:xfrm>
                           <a:prstGeom prst="rect">
                             <a:avLst/>
@@ -5001,12 +5087,21 @@
                           </a:ln>
                         </p:spPr>
                         <p:txBody>
-                          <a:bodyPr wrap="none" rtlCol="0">
+                          <a:bodyPr wrap="square" rtlCol="0">
                             <a:spAutoFit/>
                           </a:bodyPr>
                           <a:lstStyle/>
                           <a:p>
                             <a:pPr algn="ctr"/>
+                            <a:r>
+                              <a:rPr lang="en-US" sz="800" dirty="0" err="1">
+                                <a:solidFill>
+                                  <a:schemeClr val="bg1"/>
+                                </a:solidFill>
+                                <a:latin typeface="Helvetica" pitchFamily="2" charset="0"/>
+                              </a:rPr>
+                              <a:t>curated_data</a:t>
+                            </a:r>
                             <a:r>
                               <a:rPr lang="en-US" sz="800" dirty="0">
                                 <a:solidFill>
@@ -5014,7 +5109,7 @@
                                 </a:solidFill>
                                 <a:latin typeface="Helvetica" pitchFamily="2" charset="0"/>
                               </a:rPr>
-                              <a:t>./output/</a:t>
+                              <a:t>/GBI/</a:t>
                             </a:r>
                             <a:r>
                               <a:rPr lang="en-US" sz="800" dirty="0" err="1">
@@ -5034,18 +5129,21 @@
                               </a:rPr>
                               <a:t>/</a:t>
                             </a:r>
-                          </a:p>
-                          <a:p>
-                            <a:pPr algn="ctr"/>
                             <a:r>
-                              <a:rPr lang="en-US" sz="800" b="1" dirty="0">
+                              <a:rPr lang="en-US" sz="800" b="1" dirty="0" err="1">
                                 <a:solidFill>
                                   <a:schemeClr val="bg1"/>
                                 </a:solidFill>
                                 <a:latin typeface="Helvetica" pitchFamily="2" charset="0"/>
                               </a:rPr>
-                              <a:t>CLDF</a:t>
+                              <a:t>cldf</a:t>
                             </a:r>
+                            <a:endParaRPr lang="en-US" sz="800" b="1" dirty="0">
+                              <a:solidFill>
+                                <a:schemeClr val="bg1"/>
+                              </a:solidFill>
+                              <a:latin typeface="Helvetica" pitchFamily="2" charset="0"/>
+                            </a:endParaRPr>
                           </a:p>
                         </p:txBody>
                       </p:sp>
@@ -5065,8 +5163,8 @@
                         </p:nvSpPr>
                         <p:spPr>
                           <a:xfrm>
-                            <a:off x="5608867" y="6635253"/>
-                            <a:ext cx="1823966" cy="338554"/>
+                            <a:off x="5511381" y="6561111"/>
+                            <a:ext cx="2043793" cy="507831"/>
                           </a:xfrm>
                           <a:prstGeom prst="rect">
                             <a:avLst/>
@@ -5085,38 +5183,61 @@
                           <a:p>
                             <a:pPr algn="ctr"/>
                             <a:r>
-                              <a:rPr lang="en-US" sz="800" dirty="0">
+                              <a:rPr lang="en-US" sz="900" dirty="0">
                                 <a:latin typeface="Helvetica" pitchFamily="2" charset="0"/>
                                 <a:cs typeface="Times New Roman" panose="02020603050405020304" pitchFamily="18" charset="0"/>
                               </a:rPr>
-                              <a:t>./input/variable-recode-</a:t>
+                              <a:t>scripts</a:t>
                             </a:r>
                             <a:r>
-                              <a:rPr lang="en-US" sz="800" dirty="0" err="1">
+                              <a:rPr lang="en-US" sz="900" i="1" dirty="0">
+                                <a:latin typeface="Helvetica" pitchFamily="2" charset="0"/>
+                                <a:cs typeface="Times New Roman" panose="02020603050405020304" pitchFamily="18" charset="0"/>
+                              </a:rPr>
+                              <a:t>/dataset/</a:t>
+                            </a:r>
+                            <a:br>
+                              <a:rPr lang="en-US" sz="900" i="1" dirty="0">
+                                <a:latin typeface="Helvetica" pitchFamily="2" charset="0"/>
+                                <a:cs typeface="Times New Roman" panose="02020603050405020304" pitchFamily="18" charset="0"/>
+                              </a:rPr>
+                            </a:br>
+                            <a:r>
+                              <a:rPr lang="en-US" sz="900" dirty="0">
+                                <a:latin typeface="Helvetica" pitchFamily="2" charset="0"/>
+                                <a:cs typeface="Times New Roman" panose="02020603050405020304" pitchFamily="18" charset="0"/>
+                              </a:rPr>
+                              <a:t>feature-recode-</a:t>
+                            </a:r>
+                            <a:r>
+                              <a:rPr lang="en-US" sz="900" dirty="0" err="1">
                                 <a:latin typeface="Helvetica" pitchFamily="2" charset="0"/>
                                 <a:cs typeface="Times New Roman" panose="02020603050405020304" pitchFamily="18" charset="0"/>
                               </a:rPr>
                               <a:t>patterns.csv</a:t>
                             </a:r>
                             <a:r>
-                              <a:rPr lang="en-US" sz="800" dirty="0">
+                              <a:rPr lang="en-US" sz="900" dirty="0">
                                 <a:latin typeface="Helvetica" pitchFamily="2" charset="0"/>
                                 <a:cs typeface="Times New Roman" panose="02020603050405020304" pitchFamily="18" charset="0"/>
                               </a:rPr>
                               <a:t>, </a:t>
                             </a:r>
-                          </a:p>
-                          <a:p>
-                            <a:pPr algn="ctr"/>
+                            <a:br>
+                              <a:rPr lang="en-US" sz="900" dirty="0">
+                                <a:latin typeface="Helvetica" pitchFamily="2" charset="0"/>
+                                <a:cs typeface="Times New Roman" panose="02020603050405020304" pitchFamily="18" charset="0"/>
+                              </a:rPr>
+                            </a:br>
                             <a:r>
-                              <a:rPr lang="en-US" sz="800" dirty="0" err="1">
+                              <a:rPr lang="en-US" sz="900" dirty="0" err="1">
                                 <a:latin typeface="Helvetica" pitchFamily="2" charset="0"/>
                                 <a:cs typeface="Times New Roman" panose="02020603050405020304" pitchFamily="18" charset="0"/>
                               </a:rPr>
                               <a:t>design.logical</a:t>
                             </a:r>
                             <a:r>
-                              <a:rPr lang="en-US" sz="800" dirty="0">
+                              <a:rPr lang="en-US" sz="900" dirty="0">
                                 <a:latin typeface="Helvetica" pitchFamily="2" charset="0"/>
                                 <a:cs typeface="Times New Roman" panose="02020603050405020304" pitchFamily="18" charset="0"/>
                               </a:rPr>
@@ -5125,8 +5246,8 @@
                           </a:p>
                         </p:txBody>
                       </p:sp>
-                      <mc:AlternateContent xmlns:mc="http://schemas.openxmlformats.org/markup-compatibility/2006" xmlns:a14="http://schemas.microsoft.com/office/drawing/2010/main">
-                        <mc:Choice Requires="a14">
+                      <mc:AlternateContent xmlns:mc="http://schemas.openxmlformats.org/markup-compatibility/2006">
+                        <mc:Choice xmlns:a14="http://schemas.microsoft.com/office/drawing/2010/main" Requires="a14">
                           <p:sp>
                             <p:nvSpPr>
                               <p:cNvPr id="331" name="TextBox 330">
@@ -5143,8 +5264,8 @@
                             </p:nvSpPr>
                             <p:spPr>
                               <a:xfrm>
-                                <a:off x="5612465" y="4374712"/>
-                                <a:ext cx="1823966" cy="461665"/>
+                                <a:off x="5531185" y="4374712"/>
+                                <a:ext cx="2023989" cy="507831"/>
                               </a:xfrm>
                               <a:prstGeom prst="rect">
                                 <a:avLst/>
@@ -5163,21 +5284,35 @@
                               <a:p>
                                 <a:pPr algn="ctr"/>
                                 <a:r>
-                                  <a:rPr lang="en-US" sz="800" dirty="0">
+                                  <a:rPr lang="en-US" sz="900" dirty="0">
                                     <a:latin typeface="Helvetica" pitchFamily="2" charset="0"/>
                                     <a:cs typeface="Times New Roman" panose="02020603050405020304" pitchFamily="18" charset="0"/>
                                   </a:rPr>
-                                  <a:t>./input/decisions-</a:t>
+                                  <a:t>scripts/</a:t>
                                 </a:r>
                                 <a:r>
-                                  <a:rPr lang="en-US" sz="800" dirty="0" err="1">
+                                  <a:rPr lang="en-US" sz="900" i="1" dirty="0">
+                                    <a:latin typeface="Helvetica" pitchFamily="2" charset="0"/>
+                                    <a:cs typeface="Times New Roman" panose="02020603050405020304" pitchFamily="18" charset="0"/>
+                                  </a:rPr>
+                                  <a:t>dataset</a:t>
+                                </a:r>
+                                <a:r>
+                                  <a:rPr lang="en-US" sz="900" dirty="0">
+                                    <a:latin typeface="Helvetica" pitchFamily="2" charset="0"/>
+                                    <a:cs typeface="Times New Roman" panose="02020603050405020304" pitchFamily="18" charset="0"/>
+                                  </a:rPr>
+                                  <a:t>/decisions-</a:t>
+                                </a:r>
+                                <a:r>
+                                  <a:rPr lang="en-US" sz="900" dirty="0" err="1">
                                     <a:latin typeface="Helvetica" pitchFamily="2" charset="0"/>
                                     <a:cs typeface="Times New Roman" panose="02020603050405020304" pitchFamily="18" charset="0"/>
                                   </a:rPr>
                                   <a:t>log.csv</a:t>
                                 </a:r>
                                 <a:r>
-                                  <a:rPr lang="en-US" sz="800" dirty="0">
+                                  <a:rPr lang="en-US" sz="900" dirty="0">
                                     <a:latin typeface="Helvetica" pitchFamily="2" charset="0"/>
                                     <a:cs typeface="Times New Roman" panose="02020603050405020304" pitchFamily="18" charset="0"/>
                                   </a:rPr>
@@ -5187,14 +5322,14 @@
                               <a:p>
                                 <a:pPr algn="ctr"/>
                                 <a:r>
-                                  <a:rPr lang="en-US" sz="800" dirty="0" err="1">
+                                  <a:rPr lang="en-US" sz="900" dirty="0" err="1">
                                     <a:latin typeface="Helvetica" pitchFamily="2" charset="0"/>
                                     <a:cs typeface="Times New Roman" panose="02020603050405020304" pitchFamily="18" charset="0"/>
                                   </a:rPr>
                                   <a:t>modification.type</a:t>
                                 </a:r>
                                 <a:r>
-                                  <a:rPr lang="en-US" sz="800" dirty="0">
+                                  <a:rPr lang="en-US" sz="900" dirty="0">
                                     <a:latin typeface="Helvetica" pitchFamily="2" charset="0"/>
                                     <a:cs typeface="Times New Roman" panose="02020603050405020304" pitchFamily="18" charset="0"/>
                                   </a:rPr>
@@ -5203,7 +5338,7 @@
                                 <a14:m>
                                   <m:oMath xmlns:m="http://schemas.openxmlformats.org/officeDocument/2006/math">
                                     <m:r>
-                                      <a:rPr lang="en-US" sz="800" i="1">
+                                      <a:rPr lang="en-US" sz="900" i="1">
                                         <a:latin typeface="Cambria Math" panose="02040503050406030204" pitchFamily="18" charset="0"/>
                                         <a:ea typeface="Cambria Math" panose="02040503050406030204" pitchFamily="18" charset="0"/>
                                         <a:cs typeface="Times New Roman" panose="02020603050405020304" pitchFamily="18" charset="0"/>
@@ -5214,7 +5349,7 @@
                                       <m:rPr>
                                         <m:nor/>
                                       </m:rPr>
-                                      <a:rPr lang="en-US" sz="800" dirty="0">
+                                      <a:rPr lang="en-US" sz="900" dirty="0">
                                         <a:latin typeface="Helvetica" pitchFamily="2" charset="0"/>
                                         <a:cs typeface="Times New Roman" panose="02020603050405020304" pitchFamily="18" charset="0"/>
                                       </a:rPr>
@@ -5224,7 +5359,7 @@
                                       <m:rPr>
                                         <m:nor/>
                                       </m:rPr>
-                                      <a:rPr lang="en-US" sz="800" dirty="0">
+                                      <a:rPr lang="en-US" sz="900" dirty="0">
                                         <a:latin typeface="Helvetica" pitchFamily="2" charset="0"/>
                                         <a:cs typeface="Times New Roman" panose="02020603050405020304" pitchFamily="18" charset="0"/>
                                       </a:rPr>
@@ -5234,7 +5369,7 @@
                                       <m:rPr>
                                         <m:nor/>
                                       </m:rPr>
-                                      <a:rPr lang="en-US" sz="800" dirty="0">
+                                      <a:rPr lang="en-US" sz="900" dirty="0">
                                         <a:latin typeface="Helvetica" pitchFamily="2" charset="0"/>
                                         <a:cs typeface="Times New Roman" panose="02020603050405020304" pitchFamily="18" charset="0"/>
                                       </a:rPr>
@@ -5244,7 +5379,7 @@
                                       <m:rPr>
                                         <m:nor/>
                                       </m:rPr>
-                                      <a:rPr lang="en-US" sz="800" dirty="0">
+                                      <a:rPr lang="en-US" sz="900" dirty="0">
                                         <a:latin typeface="Helvetica" pitchFamily="2" charset="0"/>
                                         <a:cs typeface="Times New Roman" panose="02020603050405020304" pitchFamily="18" charset="0"/>
                                       </a:rPr>
@@ -5254,7 +5389,7 @@
                                       <m:rPr>
                                         <m:nor/>
                                       </m:rPr>
-                                      <a:rPr lang="de-CH" sz="800" dirty="0">
+                                      <a:rPr lang="de-CH" sz="900" dirty="0">
                                         <a:latin typeface="Helvetica" pitchFamily="2" charset="0"/>
                                         <a:cs typeface="Times New Roman" panose="02020603050405020304" pitchFamily="18" charset="0"/>
                                       </a:rPr>
@@ -5264,7 +5399,7 @@
                                       <m:rPr>
                                         <m:nor/>
                                       </m:rPr>
-                                      <a:rPr lang="de-CH" sz="800" dirty="0">
+                                      <a:rPr lang="de-CH" sz="900" dirty="0">
                                         <a:latin typeface="Helvetica" pitchFamily="2" charset="0"/>
                                         <a:cs typeface="Times New Roman" panose="02020603050405020304" pitchFamily="18" charset="0"/>
                                       </a:rPr>
@@ -5274,7 +5409,7 @@
                                       <m:rPr>
                                         <m:nor/>
                                       </m:rPr>
-                                      <a:rPr lang="de-CH" sz="800" dirty="0">
+                                      <a:rPr lang="de-CH" sz="900" dirty="0">
                                         <a:latin typeface="Helvetica" pitchFamily="2" charset="0"/>
                                         <a:cs typeface="Times New Roman" panose="02020603050405020304" pitchFamily="18" charset="0"/>
                                       </a:rPr>
@@ -5284,7 +5419,7 @@
                                       <m:rPr>
                                         <m:nor/>
                                       </m:rPr>
-                                      <a:rPr lang="de-CH" sz="800" dirty="0">
+                                      <a:rPr lang="de-CH" sz="900" dirty="0">
                                         <a:latin typeface="Helvetica" pitchFamily="2" charset="0"/>
                                         <a:cs typeface="Times New Roman" panose="02020603050405020304" pitchFamily="18" charset="0"/>
                                       </a:rPr>
@@ -5294,7 +5429,7 @@
                                       <m:rPr>
                                         <m:nor/>
                                       </m:rPr>
-                                      <a:rPr lang="de-CH" sz="800" dirty="0">
+                                      <a:rPr lang="de-CH" sz="900" dirty="0">
                                         <a:latin typeface="Helvetica" pitchFamily="2" charset="0"/>
                                         <a:cs typeface="Times New Roman" panose="02020603050405020304" pitchFamily="18" charset="0"/>
                                       </a:rPr>
@@ -5304,7 +5439,7 @@
                                       <m:rPr>
                                         <m:nor/>
                                       </m:rPr>
-                                      <a:rPr lang="de-CH" sz="800" dirty="0">
+                                      <a:rPr lang="de-CH" sz="900" dirty="0">
                                         <a:latin typeface="Helvetica" pitchFamily="2" charset="0"/>
                                         <a:cs typeface="Times New Roman" panose="02020603050405020304" pitchFamily="18" charset="0"/>
                                       </a:rPr>
@@ -5314,7 +5449,7 @@
                                       <m:rPr>
                                         <m:nor/>
                                       </m:rPr>
-                                      <a:rPr lang="de-CH" sz="800" dirty="0">
+                                      <a:rPr lang="de-CH" sz="900" dirty="0">
                                         <a:latin typeface="Helvetica" pitchFamily="2" charset="0"/>
                                         <a:cs typeface="Times New Roman" panose="02020603050405020304" pitchFamily="18" charset="0"/>
                                       </a:rPr>
@@ -5324,7 +5459,7 @@
                                       <m:rPr>
                                         <m:nor/>
                                       </m:rPr>
-                                      <a:rPr lang="de-CH" sz="800" dirty="0">
+                                      <a:rPr lang="de-CH" sz="900" dirty="0">
                                         <a:latin typeface="Helvetica" pitchFamily="2" charset="0"/>
                                         <a:cs typeface="Times New Roman" panose="02020603050405020304" pitchFamily="18" charset="0"/>
                                       </a:rPr>
@@ -5334,7 +5469,7 @@
                                       <m:rPr>
                                         <m:nor/>
                                       </m:rPr>
-                                      <a:rPr lang="de-CH" sz="800" dirty="0">
+                                      <a:rPr lang="de-CH" sz="900" dirty="0">
                                         <a:latin typeface="Helvetica" pitchFamily="2" charset="0"/>
                                         <a:cs typeface="Times New Roman" panose="02020603050405020304" pitchFamily="18" charset="0"/>
                                       </a:rPr>
@@ -5344,7 +5479,7 @@
                                       <m:rPr>
                                         <m:nor/>
                                       </m:rPr>
-                                      <a:rPr lang="en-US" sz="800" dirty="0">
+                                      <a:rPr lang="en-US" sz="900" dirty="0">
                                         <a:latin typeface="Helvetica" pitchFamily="2" charset="0"/>
                                         <a:cs typeface="Times New Roman" panose="02020603050405020304" pitchFamily="18" charset="0"/>
                                       </a:rPr>
@@ -5352,7 +5487,7 @@
                                     </m:r>
                                   </m:oMath>
                                 </a14:m>
-                                <a:endParaRPr lang="en-US" sz="800" dirty="0">
+                                <a:endParaRPr lang="en-US" sz="900" dirty="0">
                                   <a:latin typeface="Helvetica" pitchFamily="2" charset="0"/>
                                   <a:cs typeface="Times New Roman" panose="02020603050405020304" pitchFamily="18" charset="0"/>
                                 </a:endParaRPr>
@@ -5360,13 +5495,13 @@
                             </p:txBody>
                           </p:sp>
                         </mc:Choice>
-                        <mc:Fallback xmlns="">
+                        <mc:Fallback>
                           <p:sp>
                             <p:nvSpPr>
-                              <p:cNvPr id="114" name="TextBox 113">
+                              <p:cNvPr id="331" name="TextBox 330">
                                 <a:extLst>
                                   <a:ext uri="{FF2B5EF4-FFF2-40B4-BE49-F238E27FC236}">
-                                    <a16:creationId xmlns:a16="http://schemas.microsoft.com/office/drawing/2014/main" id="{16761B85-6F99-21A0-6A3A-86D154FF8661}"/>
+                                    <a16:creationId xmlns:a16="http://schemas.microsoft.com/office/drawing/2014/main" id="{900154BD-1E8D-2C80-7926-5F064D7920B2}"/>
                                   </a:ext>
                                 </a:extLst>
                               </p:cNvPr>
@@ -5377,16 +5512,16 @@
                             </p:nvSpPr>
                             <p:spPr>
                               <a:xfrm>
-                                <a:off x="5612465" y="4374712"/>
-                                <a:ext cx="1823966" cy="461665"/>
+                                <a:off x="5531185" y="4374712"/>
+                                <a:ext cx="2023989" cy="507831"/>
                               </a:xfrm>
                               <a:prstGeom prst="rect">
                                 <a:avLst/>
                               </a:prstGeom>
                               <a:blipFill>
-                                <a:blip r:embed="rId3"/>
+                                <a:blip r:embed="rId4"/>
                                 <a:stretch>
-                                  <a:fillRect/>
+                                  <a:fillRect b="-2439"/>
                                 </a:stretch>
                               </a:blipFill>
                             </p:spPr>
@@ -5476,7 +5611,7 @@
                         </p:nvSpPr>
                         <p:spPr>
                           <a:xfrm>
-                            <a:off x="2122027" y="11181081"/>
+                            <a:off x="1932658" y="11130982"/>
                             <a:ext cx="1489283" cy="461665"/>
                           </a:xfrm>
                           <a:prstGeom prst="rect">
@@ -5504,7 +5639,7 @@
                                 <a:latin typeface="Helvetica" pitchFamily="2" charset="0"/>
                                 <a:cs typeface="Times New Roman" panose="02020603050405020304" pitchFamily="18" charset="0"/>
                               </a:rPr>
-                              <a:t>GBInd statistical:</a:t>
+                              <a:t>GBI statistical:</a:t>
                             </a:r>
                           </a:p>
                           <a:p>
@@ -5538,8 +5673,8 @@
                         </p:nvSpPr>
                         <p:spPr>
                           <a:xfrm>
-                            <a:off x="2668891" y="7648982"/>
-                            <a:ext cx="840295" cy="215444"/>
+                            <a:off x="2448340" y="7648982"/>
+                            <a:ext cx="915636" cy="230832"/>
                           </a:xfrm>
                           <a:prstGeom prst="rect">
                             <a:avLst/>
@@ -5554,11 +5689,11 @@
                           <a:p>
                             <a:pPr algn="ctr"/>
                             <a:r>
-                              <a:rPr lang="en-US" sz="800" dirty="0">
+                              <a:rPr lang="en-US" sz="900" dirty="0">
                                 <a:latin typeface="Helvetica" pitchFamily="2" charset="0"/>
                                 <a:cs typeface="Times New Roman" panose="02020603050405020304" pitchFamily="18" charset="0"/>
                               </a:rPr>
-                              <a:t>158 retentions</a:t>
+                              <a:t>157 retentions</a:t>
                             </a:r>
                           </a:p>
                         </p:txBody>
@@ -5579,7 +5714,7 @@
                         </p:nvCxnSpPr>
                         <p:spPr>
                           <a:xfrm flipV="1">
-                            <a:off x="2932534" y="7419542"/>
+                            <a:off x="2749653" y="7419542"/>
                             <a:ext cx="589525" cy="3127550"/>
                           </a:xfrm>
                           <a:prstGeom prst="straightConnector1">
@@ -5625,8 +5760,8 @@
                         </p:nvSpPr>
                         <p:spPr>
                           <a:xfrm>
-                            <a:off x="3746242" y="7607497"/>
-                            <a:ext cx="803425" cy="215444"/>
+                            <a:off x="3563361" y="7607497"/>
+                            <a:ext cx="930263" cy="230832"/>
                           </a:xfrm>
                           <a:prstGeom prst="rect">
                             <a:avLst/>
@@ -5641,11 +5776,11 @@
                           <a:p>
                             <a:pPr algn="ctr"/>
                             <a:r>
-                              <a:rPr lang="en-US" sz="800" dirty="0">
+                              <a:rPr lang="en-US" sz="900" dirty="0">
                                 <a:latin typeface="Helvetica" pitchFamily="2" charset="0"/>
                                 <a:cs typeface="Times New Roman" panose="02020603050405020304" pitchFamily="18" charset="0"/>
                               </a:rPr>
-                              <a:t>45 exclusions</a:t>
+                              <a:t>46 exclusions</a:t>
                             </a:r>
                           </a:p>
                         </p:txBody>
@@ -5666,7 +5801,7 @@
                         </p:nvCxnSpPr>
                         <p:spPr>
                           <a:xfrm flipH="1">
-                            <a:off x="3994381" y="7964646"/>
+                            <a:off x="3811500" y="7964646"/>
                             <a:ext cx="465242" cy="0"/>
                           </a:xfrm>
                           <a:prstGeom prst="straightConnector1">
@@ -5712,8 +5847,8 @@
                         </p:nvSpPr>
                         <p:spPr>
                           <a:xfrm>
-                            <a:off x="4365138" y="7818220"/>
-                            <a:ext cx="941283" cy="338554"/>
+                            <a:off x="4137373" y="7818220"/>
+                            <a:ext cx="1031052" cy="369332"/>
                           </a:xfrm>
                           <a:prstGeom prst="rect">
                             <a:avLst/>
@@ -5728,7 +5863,7 @@
                           <a:p>
                             <a:pPr algn="ctr"/>
                             <a:r>
-                              <a:rPr lang="en-US" sz="800" dirty="0">
+                              <a:rPr lang="en-US" sz="900" dirty="0">
                                 <a:latin typeface="Helvetica" pitchFamily="2" charset="0"/>
                                 <a:cs typeface="Times New Roman" panose="02020603050405020304" pitchFamily="18" charset="0"/>
                               </a:rPr>
@@ -5738,7 +5873,7 @@
                           <a:p>
                             <a:pPr algn="ctr"/>
                             <a:r>
-                              <a:rPr lang="en-US" sz="800" dirty="0">
+                              <a:rPr lang="en-US" sz="900" dirty="0">
                                 <a:latin typeface="Helvetica" pitchFamily="2" charset="0"/>
                                 <a:cs typeface="Times New Roman" panose="02020603050405020304" pitchFamily="18" charset="0"/>
                               </a:rPr>
@@ -5763,7 +5898,7 @@
                         </p:nvCxnSpPr>
                         <p:spPr>
                           <a:xfrm flipH="1" flipV="1">
-                            <a:off x="3522059" y="7428148"/>
+                            <a:off x="3339178" y="7428148"/>
                             <a:ext cx="828573" cy="944583"/>
                           </a:xfrm>
                           <a:prstGeom prst="straightConnector1">
@@ -5809,8 +5944,8 @@
                         </p:nvSpPr>
                         <p:spPr>
                           <a:xfrm>
-                            <a:off x="3865804" y="8401934"/>
-                            <a:ext cx="963725" cy="338554"/>
+                            <a:off x="3636436" y="8401934"/>
+                            <a:ext cx="1056700" cy="369332"/>
                           </a:xfrm>
                           <a:prstGeom prst="rect">
                             <a:avLst/>
@@ -5825,17 +5960,17 @@
                           <a:p>
                             <a:pPr algn="ctr"/>
                             <a:r>
-                              <a:rPr lang="en-US" sz="800" dirty="0">
+                              <a:rPr lang="en-US" sz="900" dirty="0">
                                 <a:latin typeface="Helvetica" pitchFamily="2" charset="0"/>
                                 <a:cs typeface="Times New Roman" panose="02020603050405020304" pitchFamily="18" charset="0"/>
                               </a:rPr>
-                              <a:t>42 exclusions </a:t>
+                              <a:t>43 exclusions </a:t>
                             </a:r>
                           </a:p>
                           <a:p>
                             <a:pPr algn="ctr"/>
                             <a:r>
-                              <a:rPr lang="en-US" sz="800" dirty="0">
+                              <a:rPr lang="en-US" sz="900" dirty="0">
                                 <a:latin typeface="Helvetica" pitchFamily="2" charset="0"/>
                                 <a:cs typeface="Times New Roman" panose="02020603050405020304" pitchFamily="18" charset="0"/>
                               </a:rPr>
@@ -5861,8 +5996,8 @@
                         </p:nvCxnSpPr>
                         <p:spPr>
                           <a:xfrm flipV="1">
-                            <a:off x="4340023" y="8740488"/>
-                            <a:ext cx="7644" cy="287454"/>
+                            <a:off x="4157142" y="8771266"/>
+                            <a:ext cx="7644" cy="256676"/>
                           </a:xfrm>
                           <a:prstGeom prst="straightConnector1">
                             <a:avLst/>
@@ -5908,8 +6043,8 @@
                         </p:nvSpPr>
                         <p:spPr>
                           <a:xfrm>
-                            <a:off x="3893562" y="9030057"/>
-                            <a:ext cx="920445" cy="461665"/>
+                            <a:off x="3668202" y="9030057"/>
+                            <a:ext cx="1005403" cy="507831"/>
                           </a:xfrm>
                           <a:prstGeom prst="rect">
                             <a:avLst/>
@@ -5924,30 +6059,30 @@
                           <a:p>
                             <a:pPr algn="ctr"/>
                             <a:r>
-                              <a:rPr lang="en-US" sz="800" dirty="0">
+                              <a:rPr lang="en-US" sz="900" dirty="0">
                                 <a:latin typeface="Helvetica" pitchFamily="2" charset="0"/>
                                 <a:cs typeface="Times New Roman" panose="02020603050405020304" pitchFamily="18" charset="0"/>
                               </a:rPr>
-                              <a:t>38 new features</a:t>
+                              <a:t>39 new features</a:t>
                             </a:r>
                           </a:p>
                           <a:p>
                             <a:pPr algn="ctr"/>
                             <a:r>
-                              <a:rPr lang="en-US" sz="800" dirty="0">
+                              <a:rPr lang="en-US" sz="900" dirty="0">
                                 <a:latin typeface="Helvetica" pitchFamily="2" charset="0"/>
                                 <a:cs typeface="Times New Roman" panose="02020603050405020304" pitchFamily="18" charset="0"/>
                               </a:rPr>
                               <a:t>derived from &gt;1</a:t>
                             </a:r>
                             <a:br>
-                              <a:rPr lang="en-US" sz="800" dirty="0">
+                              <a:rPr lang="en-US" sz="900" dirty="0">
                                 <a:latin typeface="Helvetica" pitchFamily="2" charset="0"/>
                                 <a:cs typeface="Times New Roman" panose="02020603050405020304" pitchFamily="18" charset="0"/>
                               </a:rPr>
                             </a:br>
                             <a:r>
-                              <a:rPr lang="en-US" sz="800" dirty="0">
+                              <a:rPr lang="en-US" sz="900" dirty="0">
                                 <a:latin typeface="Helvetica" pitchFamily="2" charset="0"/>
                                 <a:cs typeface="Times New Roman" panose="02020603050405020304" pitchFamily="18" charset="0"/>
                               </a:rPr>
@@ -5972,7 +6107,7 @@
                         </p:nvCxnSpPr>
                         <p:spPr>
                           <a:xfrm flipV="1">
-                            <a:off x="3887246" y="9451444"/>
+                            <a:off x="3704365" y="9451444"/>
                             <a:ext cx="489090" cy="1114698"/>
                           </a:xfrm>
                           <a:prstGeom prst="straightConnector1">
@@ -6019,8 +6154,8 @@
                         </p:nvSpPr>
                         <p:spPr>
                           <a:xfrm>
-                            <a:off x="3288412" y="9789280"/>
-                            <a:ext cx="741178" cy="338554"/>
+                            <a:off x="2975785" y="9789280"/>
+                            <a:ext cx="870924" cy="369332"/>
                           </a:xfrm>
                           <a:prstGeom prst="rect">
                             <a:avLst/>
@@ -6035,7 +6170,7 @@
                           <a:p>
                             <a:pPr algn="ctr"/>
                             <a:r>
-                              <a:rPr lang="en-US" sz="800" dirty="0">
+                              <a:rPr lang="en-US" sz="900" dirty="0">
                                 <a:latin typeface="Helvetica" pitchFamily="2" charset="0"/>
                                 <a:cs typeface="Times New Roman" panose="02020603050405020304" pitchFamily="18" charset="0"/>
                               </a:rPr>
@@ -6060,7 +6195,7 @@
                         </p:nvCxnSpPr>
                         <p:spPr>
                           <a:xfrm flipH="1" flipV="1">
-                            <a:off x="4376337" y="9414060"/>
+                            <a:off x="4193456" y="9414060"/>
                             <a:ext cx="7631" cy="1152082"/>
                           </a:xfrm>
                           <a:prstGeom prst="straightConnector1">
@@ -6107,8 +6242,8 @@
                         </p:nvSpPr>
                         <p:spPr>
                           <a:xfrm>
-                            <a:off x="4348067" y="9736141"/>
-                            <a:ext cx="741179" cy="461665"/>
+                            <a:off x="4165186" y="9736141"/>
+                            <a:ext cx="768920" cy="507831"/>
                           </a:xfrm>
                           <a:prstGeom prst="rect">
                             <a:avLst/>
@@ -6123,11 +6258,11 @@
                           <a:p>
                             <a:pPr algn="ctr"/>
                             <a:r>
-                              <a:rPr lang="en-US" sz="800" dirty="0">
+                              <a:rPr lang="en-US" sz="900" dirty="0">
                                 <a:latin typeface="Helvetica" pitchFamily="2" charset="0"/>
                                 <a:cs typeface="Times New Roman" panose="02020603050405020304" pitchFamily="18" charset="0"/>
                               </a:rPr>
-                              <a:t>33 input features, conditioned</a:t>
+                              <a:t>34 input features, conditioned</a:t>
                             </a:r>
                           </a:p>
                         </p:txBody>
@@ -6203,8 +6338,8 @@
                         </p:nvSpPr>
                         <p:spPr>
                           <a:xfrm>
-                            <a:off x="5608867" y="8813401"/>
-                            <a:ext cx="1823966" cy="338554"/>
+                            <a:off x="5524131" y="8813401"/>
+                            <a:ext cx="2031043" cy="369332"/>
                           </a:xfrm>
                           <a:prstGeom prst="rect">
                             <a:avLst/>
@@ -6223,20 +6358,34 @@
                           <a:p>
                             <a:pPr algn="ctr"/>
                             <a:r>
-                              <a:rPr lang="en-US" sz="800" dirty="0">
+                              <a:rPr lang="en-US" sz="900" dirty="0">
                                 <a:latin typeface="Helvetica" pitchFamily="2" charset="0"/>
                                 <a:cs typeface="Times New Roman" panose="02020603050405020304" pitchFamily="18" charset="0"/>
                               </a:rPr>
-                              <a:t>./input//decisions-</a:t>
+                              <a:t>scripts/</a:t>
                             </a:r>
                             <a:r>
-                              <a:rPr lang="en-US" sz="800" dirty="0" err="1">
+                              <a:rPr lang="en-US" sz="900" i="1" dirty="0">
+                                <a:latin typeface="Helvetica" pitchFamily="2" charset="0"/>
+                                <a:cs typeface="Times New Roman" panose="02020603050405020304" pitchFamily="18" charset="0"/>
+                              </a:rPr>
+                              <a:t>dataset/</a:t>
+                            </a:r>
+                            <a:r>
+                              <a:rPr lang="en-US" sz="900" dirty="0">
+                                <a:latin typeface="Helvetica" pitchFamily="2" charset="0"/>
+                                <a:cs typeface="Times New Roman" panose="02020603050405020304" pitchFamily="18" charset="0"/>
+                              </a:rPr>
+                              <a:t>decisions-</a:t>
+                            </a:r>
+                            <a:r>
+                              <a:rPr lang="en-US" sz="900" dirty="0" err="1">
                                 <a:latin typeface="Helvetica" pitchFamily="2" charset="0"/>
                                 <a:cs typeface="Times New Roman" panose="02020603050405020304" pitchFamily="18" charset="0"/>
                               </a:rPr>
                               <a:t>log.csv</a:t>
                             </a:r>
-                            <a:endParaRPr lang="en-US" sz="800" dirty="0">
+                            <a:endParaRPr lang="en-US" sz="900" dirty="0">
                               <a:latin typeface="Helvetica" pitchFamily="2" charset="0"/>
                               <a:cs typeface="Times New Roman" panose="02020603050405020304" pitchFamily="18" charset="0"/>
                             </a:endParaRPr>
@@ -6244,14 +6393,14 @@
                           <a:p>
                             <a:pPr algn="ctr"/>
                             <a:r>
-                              <a:rPr lang="en-US" sz="800" dirty="0" err="1">
+                              <a:rPr lang="en-US" sz="900" dirty="0" err="1">
                                 <a:latin typeface="Helvetica" pitchFamily="2" charset="0"/>
                                 <a:cs typeface="Times New Roman" panose="02020603050405020304" pitchFamily="18" charset="0"/>
                               </a:rPr>
                               <a:t>modification.type</a:t>
                             </a:r>
                             <a:r>
-                              <a:rPr lang="en-US" sz="800" dirty="0">
+                              <a:rPr lang="en-US" sz="900" dirty="0">
                                 <a:latin typeface="Helvetica" pitchFamily="2" charset="0"/>
                                 <a:cs typeface="Times New Roman" panose="02020603050405020304" pitchFamily="18" charset="0"/>
                               </a:rPr>
@@ -6386,8 +6535,8 @@
                         </p:nvSpPr>
                         <p:spPr>
                           <a:xfrm>
-                            <a:off x="5589936" y="10989373"/>
-                            <a:ext cx="1823966" cy="338554"/>
+                            <a:off x="5507998" y="10927588"/>
+                            <a:ext cx="2030676" cy="507831"/>
                           </a:xfrm>
                           <a:prstGeom prst="rect">
                             <a:avLst/>
@@ -6406,42 +6555,59 @@
                           <a:p>
                             <a:pPr algn="ctr"/>
                             <a:r>
-                              <a:rPr lang="en-US" sz="800" dirty="0">
+                              <a:rPr lang="en-US" sz="900" dirty="0">
                                 <a:latin typeface="Helvetica" pitchFamily="2" charset="0"/>
                                 <a:cs typeface="Times New Roman" panose="02020603050405020304" pitchFamily="18" charset="0"/>
                               </a:rPr>
-                              <a:t>./input/variable-recode-</a:t>
+                              <a:t>scripts/</a:t>
                             </a:r>
                             <a:r>
-                              <a:rPr lang="en-US" sz="800" dirty="0" err="1">
+                              <a:rPr lang="en-US" sz="900" i="1" dirty="0">
+                                <a:latin typeface="Helvetica" pitchFamily="2" charset="0"/>
+                                <a:cs typeface="Times New Roman" panose="02020603050405020304" pitchFamily="18" charset="0"/>
+                              </a:rPr>
+                              <a:t>dataset/</a:t>
+                            </a:r>
+                            <a:br>
+                              <a:rPr lang="en-US" sz="900" i="1" dirty="0">
+                                <a:latin typeface="Helvetica" pitchFamily="2" charset="0"/>
+                                <a:cs typeface="Times New Roman" panose="02020603050405020304" pitchFamily="18" charset="0"/>
+                              </a:rPr>
+                            </a:br>
+                            <a:r>
+                              <a:rPr lang="en-US" sz="900" dirty="0">
+                                <a:latin typeface="Helvetica" pitchFamily="2" charset="0"/>
+                                <a:cs typeface="Times New Roman" panose="02020603050405020304" pitchFamily="18" charset="0"/>
+                              </a:rPr>
+                              <a:t>feature-recode-</a:t>
+                            </a:r>
+                            <a:r>
+                              <a:rPr lang="en-US" sz="900" dirty="0" err="1">
                                 <a:latin typeface="Helvetica" pitchFamily="2" charset="0"/>
                                 <a:cs typeface="Times New Roman" panose="02020603050405020304" pitchFamily="18" charset="0"/>
                               </a:rPr>
                               <a:t>patterns.csv</a:t>
                             </a:r>
                             <a:r>
-                              <a:rPr lang="en-US" sz="800" dirty="0">
+                              <a:rPr lang="en-US" sz="900" dirty="0">
                                 <a:latin typeface="Helvetica" pitchFamily="2" charset="0"/>
                                 <a:cs typeface="Times New Roman" panose="02020603050405020304" pitchFamily="18" charset="0"/>
                               </a:rPr>
                               <a:t>, </a:t>
                             </a:r>
-                          </a:p>
-                          <a:p>
-                            <a:pPr algn="ctr"/>
                             <a:r>
-                              <a:rPr lang="en-US" sz="800" dirty="0" err="1">
+                              <a:rPr lang="en-US" sz="900" dirty="0" err="1">
                                 <a:latin typeface="Helvetica" pitchFamily="2" charset="0"/>
                                 <a:cs typeface="Times New Roman" panose="02020603050405020304" pitchFamily="18" charset="0"/>
                               </a:rPr>
                               <a:t>design.logical.statistical</a:t>
                             </a:r>
                             <a:r>
-                              <a:rPr lang="en-US" sz="800" dirty="0">
+                              <a:rPr lang="en-US" sz="900" dirty="0">
                                 <a:latin typeface="Helvetica" pitchFamily="2" charset="0"/>
                                 <a:cs typeface="Times New Roman" panose="02020603050405020304" pitchFamily="18" charset="0"/>
                               </a:rPr>
-                              <a:t> = TRUE</a:t>
+                              <a:t> = T</a:t>
                             </a:r>
                           </a:p>
                         </p:txBody>
@@ -6462,7 +6628,7 @@
                         </p:nvSpPr>
                         <p:spPr>
                           <a:xfrm>
-                            <a:off x="-232741" y="8821095"/>
+                            <a:off x="-628159" y="8821095"/>
                             <a:ext cx="2129000" cy="323165"/>
                           </a:xfrm>
                           <a:prstGeom prst="rect">
@@ -6503,7 +6669,7 @@
                         </p:nvSpPr>
                         <p:spPr>
                           <a:xfrm>
-                            <a:off x="-226484" y="10997067"/>
+                            <a:off x="-621902" y="10997067"/>
                             <a:ext cx="2129000" cy="323165"/>
                           </a:xfrm>
                           <a:prstGeom prst="rect">
@@ -6546,7 +6712,7 @@
                     </p:nvCxnSpPr>
                     <p:spPr>
                       <a:xfrm flipH="1">
-                        <a:off x="3841224" y="11112220"/>
+                        <a:off x="3593346" y="11093914"/>
                         <a:ext cx="365313" cy="191267"/>
                       </a:xfrm>
                       <a:prstGeom prst="straightConnector1">
@@ -6594,8 +6760,8 @@
                   </p:nvSpPr>
                   <p:spPr>
                     <a:xfrm>
-                      <a:off x="4237942" y="10935252"/>
-                      <a:ext cx="1180858" cy="338554"/>
+                      <a:off x="3984692" y="10935252"/>
+                      <a:ext cx="1434108" cy="338554"/>
                     </a:xfrm>
                     <a:prstGeom prst="rect">
                       <a:avLst/>
@@ -6617,13 +6783,22 @@
                     <a:p>
                       <a:pPr algn="ctr"/>
                       <a:r>
+                        <a:rPr lang="en-US" sz="800" dirty="0" err="1">
+                          <a:solidFill>
+                            <a:schemeClr val="bg1"/>
+                          </a:solidFill>
+                          <a:latin typeface="Helvetica" pitchFamily="2" charset="0"/>
+                        </a:rPr>
+                        <a:t>curated_data</a:t>
+                      </a:r>
+                      <a:r>
                         <a:rPr lang="en-US" sz="800" dirty="0">
                           <a:solidFill>
                             <a:schemeClr val="bg1"/>
                           </a:solidFill>
                           <a:latin typeface="Helvetica" pitchFamily="2" charset="0"/>
                         </a:rPr>
-                        <a:t>./output/</a:t>
+                        <a:t>/GBI/</a:t>
                       </a:r>
                       <a:r>
                         <a:rPr lang="en-US" sz="800" dirty="0" err="1">
@@ -6643,9 +6818,6 @@
                         </a:rPr>
                         <a:t>/</a:t>
                       </a:r>
-                    </a:p>
-                    <a:p>
-                      <a:pPr algn="ctr"/>
                       <a:r>
                         <a:rPr lang="en-US" sz="800" b="1" dirty="0" err="1">
                           <a:solidFill>
@@ -6681,7 +6853,7 @@
                 </p:nvCxnSpPr>
                 <p:spPr>
                   <a:xfrm flipH="1" flipV="1">
-                    <a:off x="3842417" y="11303436"/>
+                    <a:off x="3594539" y="11285130"/>
                     <a:ext cx="365313" cy="191267"/>
                   </a:xfrm>
                   <a:prstGeom prst="straightConnector1">
@@ -6729,10 +6901,10 @@
               </p:nvGrpSpPr>
               <p:grpSpPr>
                 <a:xfrm>
-                  <a:off x="2171603" y="6348302"/>
-                  <a:ext cx="3341912" cy="1199366"/>
-                  <a:chOff x="93141" y="7586541"/>
-                  <a:chExt cx="3341912" cy="1199366"/>
+                  <a:off x="1759566" y="6348302"/>
+                  <a:ext cx="3753949" cy="1199366"/>
+                  <a:chOff x="-318896" y="7586541"/>
+                  <a:chExt cx="3753949" cy="1199366"/>
                 </a:xfrm>
               </p:grpSpPr>
               <p:sp>
@@ -6751,8 +6923,8 @@
                 </p:nvSpPr>
                 <p:spPr>
                   <a:xfrm>
-                    <a:off x="93141" y="7586541"/>
-                    <a:ext cx="3341912" cy="1199366"/>
+                    <a:off x="-318896" y="7586541"/>
+                    <a:ext cx="3753949" cy="1199366"/>
                   </a:xfrm>
                   <a:prstGeom prst="rect">
                     <a:avLst/>
@@ -6809,8 +6981,8 @@
                 </p:nvSpPr>
                 <p:spPr>
                   <a:xfrm>
-                    <a:off x="129259" y="7679490"/>
-                    <a:ext cx="1644470" cy="507831"/>
+                    <a:off x="-168522" y="7626097"/>
+                    <a:ext cx="1906010" cy="507831"/>
                   </a:xfrm>
                   <a:prstGeom prst="rect">
                     <a:avLst/>
@@ -6849,7 +7021,7 @@
                         <a:latin typeface="Helvetica" pitchFamily="2" charset="0"/>
                         <a:cs typeface="Times New Roman" panose="02020603050405020304" pitchFamily="18" charset="0"/>
                       </a:rPr>
-                      <a:t>./create-full-</a:t>
+                      <a:t>scripts/GBI/create-full-</a:t>
                     </a:r>
                     <a:r>
                       <a:rPr lang="en-US" sz="900" dirty="0" err="1">
@@ -6888,8 +7060,8 @@
                 </p:nvSpPr>
                 <p:spPr>
                   <a:xfrm>
-                    <a:off x="2164004" y="8199966"/>
-                    <a:ext cx="1177650" cy="338554"/>
+                    <a:off x="1906230" y="8199966"/>
+                    <a:ext cx="1435424" cy="338554"/>
                   </a:xfrm>
                   <a:prstGeom prst="rect">
                     <a:avLst/>
@@ -6911,22 +7083,13 @@
                   <a:p>
                     <a:pPr algn="ctr"/>
                     <a:r>
-                      <a:rPr lang="en-US" sz="800" dirty="0">
-                        <a:solidFill>
-                          <a:schemeClr val="bg1"/>
-                        </a:solidFill>
-                        <a:latin typeface="Helvetica" pitchFamily="2" charset="0"/>
-                      </a:rPr>
-                      <a:t>./output/</a:t>
-                    </a:r>
-                    <a:r>
                       <a:rPr lang="en-US" sz="800" dirty="0" err="1">
                         <a:solidFill>
                           <a:schemeClr val="bg1"/>
                         </a:solidFill>
                         <a:latin typeface="Helvetica" pitchFamily="2" charset="0"/>
                       </a:rPr>
-                      <a:t>logicalGBI</a:t>
+                      <a:t>curated_data</a:t>
                     </a:r>
                     <a:r>
                       <a:rPr lang="en-US" sz="800" dirty="0">
@@ -6935,20 +7098,40 @@
                         </a:solidFill>
                         <a:latin typeface="Helvetica" pitchFamily="2" charset="0"/>
                       </a:rPr>
-                      <a:t>/</a:t>
+                      <a:t>/GBI/logical</a:t>
                     </a:r>
-                  </a:p>
-                  <a:p>
-                    <a:pPr algn="ctr"/>
-                    <a:r>
-                      <a:rPr lang="en-US" sz="800" b="1" dirty="0">
+                    <a:br>
+                      <a:rPr lang="en-US" sz="800" dirty="0">
                         <a:solidFill>
                           <a:schemeClr val="bg1"/>
                         </a:solidFill>
                         <a:latin typeface="Helvetica" pitchFamily="2" charset="0"/>
                       </a:rPr>
-                      <a:t>CLDF</a:t>
+                    </a:br>
+                    <a:r>
+                      <a:rPr lang="en-US" sz="800" dirty="0">
+                        <a:solidFill>
+                          <a:schemeClr val="bg1"/>
+                        </a:solidFill>
+                        <a:latin typeface="Helvetica" pitchFamily="2" charset="0"/>
+                      </a:rPr>
+                      <a:t>GBI/</a:t>
                     </a:r>
+                    <a:r>
+                      <a:rPr lang="en-US" sz="800" b="1" dirty="0" err="1">
+                        <a:solidFill>
+                          <a:schemeClr val="bg1"/>
+                        </a:solidFill>
+                        <a:latin typeface="Helvetica" pitchFamily="2" charset="0"/>
+                      </a:rPr>
+                      <a:t>cldf</a:t>
+                    </a:r>
+                    <a:endParaRPr lang="en-US" sz="800" b="1" dirty="0">
+                      <a:solidFill>
+                        <a:schemeClr val="bg1"/>
+                      </a:solidFill>
+                      <a:latin typeface="Helvetica" pitchFamily="2" charset="0"/>
+                    </a:endParaRPr>
                   </a:p>
                 </p:txBody>
               </p:sp>
@@ -6968,7 +7151,7 @@
                 </p:nvSpPr>
                 <p:spPr>
                   <a:xfrm>
-                    <a:off x="214344" y="8201480"/>
+                    <a:off x="17720" y="8167935"/>
                     <a:ext cx="1489283" cy="461665"/>
                   </a:xfrm>
                   <a:prstGeom prst="rect">
@@ -6996,7 +7179,7 @@
                         <a:latin typeface="Helvetica" pitchFamily="2" charset="0"/>
                         <a:cs typeface="Times New Roman" panose="02020603050405020304" pitchFamily="18" charset="0"/>
                       </a:rPr>
-                      <a:t>GBInd logical:</a:t>
+                      <a:t>GBI logical:</a:t>
                     </a:r>
                   </a:p>
                   <a:p>
@@ -7030,7 +7213,7 @@
                 </p:nvCxnSpPr>
                 <p:spPr>
                   <a:xfrm flipH="1">
-                    <a:off x="1767286" y="8007928"/>
+                    <a:off x="1511378" y="8031676"/>
                     <a:ext cx="365313" cy="191267"/>
                   </a:xfrm>
                   <a:prstGeom prst="straightConnector1">
@@ -7077,8 +7260,8 @@
                 </p:nvSpPr>
                 <p:spPr>
                   <a:xfrm>
-                    <a:off x="2164004" y="7830960"/>
-                    <a:ext cx="1180858" cy="338554"/>
+                    <a:off x="1906231" y="7830960"/>
+                    <a:ext cx="1438632" cy="338554"/>
                   </a:xfrm>
                   <a:prstGeom prst="rect">
                     <a:avLst/>
@@ -7100,22 +7283,13 @@
                   <a:p>
                     <a:pPr algn="ctr"/>
                     <a:r>
-                      <a:rPr lang="en-US" sz="800" dirty="0">
-                        <a:solidFill>
-                          <a:schemeClr val="bg1"/>
-                        </a:solidFill>
-                        <a:latin typeface="Helvetica" pitchFamily="2" charset="0"/>
-                      </a:rPr>
-                      <a:t>./output/</a:t>
-                    </a:r>
-                    <a:r>
                       <a:rPr lang="en-US" sz="800" dirty="0" err="1">
                         <a:solidFill>
                           <a:schemeClr val="bg1"/>
                         </a:solidFill>
                         <a:latin typeface="Helvetica" pitchFamily="2" charset="0"/>
                       </a:rPr>
-                      <a:t>logicalGBI</a:t>
+                      <a:t>curated_data</a:t>
                     </a:r>
                     <a:r>
                       <a:rPr lang="en-US" sz="800" dirty="0">
@@ -7124,11 +7298,25 @@
                         </a:solidFill>
                         <a:latin typeface="Helvetica" pitchFamily="2" charset="0"/>
                       </a:rPr>
-                      <a:t>/</a:t>
+                      <a:t>/GBI/logical</a:t>
                     </a:r>
-                  </a:p>
-                  <a:p>
-                    <a:pPr algn="ctr"/>
+                    <a:br>
+                      <a:rPr lang="en-US" sz="800" dirty="0">
+                        <a:solidFill>
+                          <a:schemeClr val="bg1"/>
+                        </a:solidFill>
+                        <a:latin typeface="Helvetica" pitchFamily="2" charset="0"/>
+                      </a:rPr>
+                    </a:br>
+                    <a:r>
+                      <a:rPr lang="en-US" sz="800" dirty="0">
+                        <a:solidFill>
+                          <a:schemeClr val="bg1"/>
+                        </a:solidFill>
+                        <a:latin typeface="Helvetica" pitchFamily="2" charset="0"/>
+                      </a:rPr>
+                      <a:t>GBI/</a:t>
+                    </a:r>
                     <a:r>
                       <a:rPr lang="en-US" sz="800" b="1" dirty="0" err="1">
                         <a:solidFill>
@@ -7163,7 +7351,7 @@
                 </p:nvCxnSpPr>
                 <p:spPr>
                   <a:xfrm flipH="1" flipV="1">
-                    <a:off x="1768479" y="8199144"/>
+                    <a:off x="1512571" y="8222892"/>
                     <a:ext cx="365313" cy="191267"/>
                   </a:xfrm>
                   <a:prstGeom prst="straightConnector1">
@@ -7213,10 +7401,10 @@
           </p:nvGrpSpPr>
           <p:grpSpPr>
             <a:xfrm>
-              <a:off x="7831110" y="188338"/>
-              <a:ext cx="5306617" cy="11699573"/>
-              <a:chOff x="7831110" y="188338"/>
-              <a:chExt cx="5306617" cy="11699573"/>
+              <a:off x="7779012" y="394057"/>
+              <a:ext cx="5294062" cy="11493854"/>
+              <a:chOff x="7779012" y="394057"/>
+              <a:chExt cx="5294062" cy="11493854"/>
             </a:xfrm>
           </p:grpSpPr>
           <p:grpSp>
@@ -7235,10 +7423,10 @@
             </p:nvGrpSpPr>
             <p:grpSpPr>
               <a:xfrm>
-                <a:off x="7831110" y="188338"/>
-                <a:ext cx="5306617" cy="7364501"/>
-                <a:chOff x="7831110" y="188338"/>
-                <a:chExt cx="5306617" cy="7364501"/>
+                <a:off x="7779012" y="394057"/>
+                <a:ext cx="5294062" cy="7158782"/>
+                <a:chOff x="7779012" y="394057"/>
+                <a:chExt cx="5294062" cy="7158782"/>
               </a:xfrm>
             </p:grpSpPr>
             <p:grpSp>
@@ -7257,10 +7445,10 @@
               </p:nvGrpSpPr>
               <p:grpSpPr>
                 <a:xfrm>
-                  <a:off x="7831110" y="188338"/>
-                  <a:ext cx="5306617" cy="7364501"/>
-                  <a:chOff x="7831110" y="188338"/>
-                  <a:chExt cx="5306617" cy="7364501"/>
+                  <a:off x="7779012" y="394057"/>
+                  <a:ext cx="5294062" cy="7158782"/>
+                  <a:chOff x="7779012" y="394057"/>
+                  <a:chExt cx="5294062" cy="7158782"/>
                 </a:xfrm>
               </p:grpSpPr>
               <p:grpSp>
@@ -7279,10 +7467,10 @@
                 </p:nvGrpSpPr>
                 <p:grpSpPr>
                   <a:xfrm>
-                    <a:off x="7831110" y="188338"/>
-                    <a:ext cx="5306617" cy="7364501"/>
-                    <a:chOff x="8593572" y="276208"/>
-                    <a:chExt cx="5306617" cy="7364501"/>
+                    <a:off x="7779012" y="394057"/>
+                    <a:ext cx="5294062" cy="7158782"/>
+                    <a:chOff x="8541474" y="481927"/>
+                    <a:chExt cx="5294062" cy="7158782"/>
                   </a:xfrm>
                 </p:grpSpPr>
                 <p:grpSp>
@@ -7301,10 +7489,10 @@
                   </p:nvGrpSpPr>
                   <p:grpSpPr>
                     <a:xfrm>
-                      <a:off x="8593572" y="276208"/>
-                      <a:ext cx="5306617" cy="7364501"/>
-                      <a:chOff x="5168661" y="1289245"/>
-                      <a:chExt cx="5306615" cy="7364502"/>
+                      <a:off x="8541474" y="481927"/>
+                      <a:ext cx="5294062" cy="7158782"/>
+                      <a:chOff x="5116563" y="1494964"/>
+                      <a:chExt cx="5294060" cy="7158783"/>
                     </a:xfrm>
                   </p:grpSpPr>
                   <p:grpSp>
@@ -7323,10 +7511,10 @@
                     </p:nvGrpSpPr>
                     <p:grpSpPr>
                       <a:xfrm>
-                        <a:off x="5168661" y="1289245"/>
-                        <a:ext cx="5306615" cy="7364502"/>
-                        <a:chOff x="5356209" y="1284835"/>
-                        <a:chExt cx="5306615" cy="7364502"/>
+                        <a:off x="5116563" y="1494964"/>
+                        <a:ext cx="5294060" cy="7158783"/>
+                        <a:chOff x="5304111" y="1490554"/>
+                        <a:chExt cx="5294060" cy="7158783"/>
                       </a:xfrm>
                     </p:grpSpPr>
                     <p:grpSp>
@@ -7345,10 +7533,10 @@
                       </p:nvGrpSpPr>
                       <p:grpSpPr>
                         <a:xfrm>
-                          <a:off x="5356209" y="1284835"/>
-                          <a:ext cx="5271348" cy="7364502"/>
-                          <a:chOff x="629300" y="783265"/>
-                          <a:chExt cx="5271348" cy="7364502"/>
+                          <a:off x="5304111" y="1490554"/>
+                          <a:ext cx="5287582" cy="7158783"/>
+                          <a:chOff x="577202" y="988984"/>
+                          <a:chExt cx="5287582" cy="7158783"/>
                         </a:xfrm>
                       </p:grpSpPr>
                       <p:grpSp>
@@ -7367,10 +7555,10 @@
                         </p:nvGrpSpPr>
                         <p:grpSpPr>
                           <a:xfrm>
-                            <a:off x="629300" y="783265"/>
-                            <a:ext cx="5175803" cy="7364502"/>
-                            <a:chOff x="-2317612" y="622019"/>
-                            <a:chExt cx="5175803" cy="7364502"/>
+                            <a:off x="577202" y="988984"/>
+                            <a:ext cx="5227901" cy="7158783"/>
+                            <a:chOff x="-2369710" y="827738"/>
+                            <a:chExt cx="5227901" cy="7158783"/>
                           </a:xfrm>
                         </p:grpSpPr>
                         <p:grpSp>
@@ -7389,10 +7577,10 @@
                           </p:nvGrpSpPr>
                           <p:grpSpPr>
                             <a:xfrm>
-                              <a:off x="-2317612" y="3475383"/>
-                              <a:ext cx="5175803" cy="4511138"/>
-                              <a:chOff x="-1712528" y="5792822"/>
-                              <a:chExt cx="5175803" cy="4511138"/>
+                              <a:off x="-2369710" y="3475383"/>
+                              <a:ext cx="5227901" cy="4511138"/>
+                              <a:chOff x="-1764626" y="5792822"/>
+                              <a:chExt cx="5227901" cy="4511138"/>
                             </a:xfrm>
                           </p:grpSpPr>
                           <p:sp>
@@ -7469,10 +7657,10 @@
                             </p:nvGrpSpPr>
                             <p:grpSpPr>
                               <a:xfrm>
-                                <a:off x="-1712528" y="5792822"/>
-                                <a:ext cx="2678606" cy="4380527"/>
-                                <a:chOff x="-2416162" y="3316316"/>
-                                <a:chExt cx="2678606" cy="4380527"/>
+                                <a:off x="-1764626" y="5792822"/>
+                                <a:ext cx="2730704" cy="4380527"/>
+                                <a:chOff x="-2468260" y="3316316"/>
+                                <a:chExt cx="2730704" cy="4380527"/>
                               </a:xfrm>
                             </p:grpSpPr>
                             <p:sp>
@@ -7519,7 +7707,7 @@
                                       <a:latin typeface="Helvetica" pitchFamily="2" charset="0"/>
                                       <a:cs typeface="Times New Roman" panose="02020603050405020304" pitchFamily="18" charset="0"/>
                                     </a:rPr>
-                                    <a:t>TypLinkInd logical:</a:t>
+                                    <a:t>TLI logical:</a:t>
                                   </a:r>
                                 </a:p>
                                 <a:p>
@@ -7553,8 +7741,8 @@
                               </p:nvSpPr>
                               <p:spPr>
                                 <a:xfrm>
-                                  <a:off x="-2416162" y="3316316"/>
-                                  <a:ext cx="1064714" cy="338554"/>
+                                  <a:off x="-2468260" y="3316316"/>
+                                  <a:ext cx="1168911" cy="369332"/>
                                 </a:xfrm>
                                 <a:prstGeom prst="rect">
                                   <a:avLst/>
@@ -7569,7 +7757,7 @@
                                 <a:p>
                                   <a:pPr algn="ctr"/>
                                   <a:r>
-                                    <a:rPr lang="en-US" sz="800" dirty="0">
+                                    <a:rPr lang="en-US" sz="900" dirty="0">
                                       <a:latin typeface="Helvetica" pitchFamily="2" charset="0"/>
                                       <a:cs typeface="Times New Roman" panose="02020603050405020304" pitchFamily="18" charset="0"/>
                                     </a:rPr>
@@ -7579,7 +7767,7 @@
                                 <a:p>
                                   <a:pPr algn="ctr"/>
                                   <a:r>
-                                    <a:rPr lang="en-US" sz="800" dirty="0">
+                                    <a:rPr lang="en-US" sz="900" dirty="0">
                                       <a:solidFill>
                                         <a:schemeClr val="bg2">
                                           <a:lumMod val="50000"/>
@@ -7611,8 +7799,8 @@
                           </p:nvSpPr>
                           <p:spPr>
                             <a:xfrm>
-                              <a:off x="-1435100" y="622019"/>
-                              <a:ext cx="3607525" cy="554126"/>
+                              <a:off x="-150312" y="827738"/>
+                              <a:ext cx="896399" cy="400110"/>
                             </a:xfrm>
                             <a:prstGeom prst="rect">
                               <a:avLst/>
@@ -7626,11 +7814,11 @@
                             <a:lstStyle/>
                             <a:p>
                               <a:r>
-                                <a:rPr lang="en-US" sz="3001" b="1" dirty="0">
+                                <a:rPr lang="en-US" sz="2000" b="1" dirty="0">
                                   <a:latin typeface="Helvetica" pitchFamily="2" charset="0"/>
                                   <a:cs typeface="Times New Roman" panose="02020603050405020304" pitchFamily="18" charset="0"/>
                                 </a:rPr>
-                                <a:t>B. data/TypLinkInd</a:t>
+                                <a:t>B. TLI</a:t>
                               </a:r>
                             </a:p>
                           </p:txBody>
@@ -7745,7 +7933,7 @@
                         <p:spPr>
                           <a:xfrm>
                             <a:off x="2125228" y="3630266"/>
-                            <a:ext cx="1190346" cy="338554"/>
+                            <a:ext cx="1311584" cy="369332"/>
                           </a:xfrm>
                           <a:prstGeom prst="rect">
                             <a:avLst/>
@@ -7760,14 +7948,14 @@
                           <a:p>
                             <a:pPr algn="ctr"/>
                             <a:r>
-                              <a:rPr lang="en-US" sz="800" dirty="0">
+                              <a:rPr lang="en-US" sz="900" dirty="0">
                                 <a:latin typeface="Helvetica" pitchFamily="2" charset="0"/>
                                 <a:cs typeface="Times New Roman" panose="02020603050405020304" pitchFamily="18" charset="0"/>
                               </a:rPr>
                               <a:t>736 exclusions</a:t>
                             </a:r>
                             <a:br>
-                              <a:rPr lang="en-US" sz="800" dirty="0">
+                              <a:rPr lang="en-US" sz="900" dirty="0">
                                 <a:solidFill>
                                   <a:schemeClr val="bg2">
                                     <a:lumMod val="50000"/>
@@ -7778,7 +7966,7 @@
                               </a:rPr>
                             </a:br>
                             <a:r>
-                              <a:rPr lang="en-US" sz="800" dirty="0">
+                              <a:rPr lang="en-US" sz="900" dirty="0">
                                 <a:solidFill>
                                   <a:schemeClr val="bg2">
                                     <a:lumMod val="50000"/>
@@ -7809,8 +7997,8 @@
                         </p:nvCxnSpPr>
                         <p:spPr>
                           <a:xfrm flipH="1">
-                            <a:off x="4667299" y="3896749"/>
-                            <a:ext cx="144827" cy="155268"/>
+                            <a:off x="4559031" y="3910485"/>
+                            <a:ext cx="132192" cy="164727"/>
                           </a:xfrm>
                           <a:prstGeom prst="straightConnector1">
                             <a:avLst/>
@@ -7855,8 +8043,8 @@
                         </p:nvSpPr>
                         <p:spPr>
                           <a:xfrm>
-                            <a:off x="4835934" y="4399996"/>
-                            <a:ext cx="1064714" cy="461665"/>
+                            <a:off x="4678309" y="4438919"/>
+                            <a:ext cx="1168911" cy="507831"/>
                           </a:xfrm>
                           <a:prstGeom prst="rect">
                             <a:avLst/>
@@ -7871,7 +8059,7 @@
                           <a:p>
                             <a:pPr algn="ctr"/>
                             <a:r>
-                              <a:rPr lang="en-US" sz="800" dirty="0">
+                              <a:rPr lang="en-US" sz="900" dirty="0">
                                 <a:latin typeface="Helvetica" pitchFamily="2" charset="0"/>
                                 <a:cs typeface="Times New Roman" panose="02020603050405020304" pitchFamily="18" charset="0"/>
                               </a:rPr>
@@ -7881,7 +8069,7 @@
                           <a:p>
                             <a:pPr algn="ctr"/>
                             <a:r>
-                              <a:rPr lang="en-US" sz="800" dirty="0">
+                              <a:rPr lang="en-US" sz="900" dirty="0">
                                 <a:latin typeface="Helvetica" pitchFamily="2" charset="0"/>
                                 <a:cs typeface="Times New Roman" panose="02020603050405020304" pitchFamily="18" charset="0"/>
                               </a:rPr>
@@ -7891,7 +8079,7 @@
                           <a:p>
                             <a:pPr algn="ctr"/>
                             <a:r>
-                              <a:rPr lang="en-US" sz="800" dirty="0">
+                              <a:rPr lang="en-US" sz="900" dirty="0">
                                 <a:solidFill>
                                   <a:schemeClr val="bg2">
                                     <a:lumMod val="50000"/>
@@ -7967,8 +8155,8 @@
                         </p:nvSpPr>
                         <p:spPr>
                           <a:xfrm>
-                            <a:off x="1437397" y="5923950"/>
-                            <a:ext cx="920445" cy="584775"/>
+                            <a:off x="1394918" y="5923950"/>
+                            <a:ext cx="1005403" cy="646331"/>
                           </a:xfrm>
                           <a:prstGeom prst="rect">
                             <a:avLst/>
@@ -7983,33 +8171,33 @@
                           <a:p>
                             <a:pPr algn="ctr"/>
                             <a:r>
-                              <a:rPr lang="en-US" sz="800" dirty="0">
+                              <a:rPr lang="en-US" sz="900" dirty="0">
                                 <a:latin typeface="Helvetica" pitchFamily="2" charset="0"/>
                                 <a:cs typeface="Times New Roman" panose="02020603050405020304" pitchFamily="18" charset="0"/>
                               </a:rPr>
                               <a:t>73 new features</a:t>
                             </a:r>
                             <a:br>
-                              <a:rPr lang="en-US" sz="800" dirty="0">
+                              <a:rPr lang="en-US" sz="900" dirty="0">
                                 <a:latin typeface="Helvetica" pitchFamily="2" charset="0"/>
                                 <a:cs typeface="Times New Roman" panose="02020603050405020304" pitchFamily="18" charset="0"/>
                               </a:rPr>
                             </a:br>
                             <a:r>
-                              <a:rPr lang="en-US" sz="800" dirty="0">
+                              <a:rPr lang="en-US" sz="900" dirty="0">
                                 <a:latin typeface="Helvetica" pitchFamily="2" charset="0"/>
                                 <a:cs typeface="Times New Roman" panose="02020603050405020304" pitchFamily="18" charset="0"/>
                               </a:rPr>
                               <a:t>derived from 1</a:t>
                             </a:r>
                             <a:br>
-                              <a:rPr lang="en-US" sz="800" dirty="0">
+                              <a:rPr lang="en-US" sz="900" dirty="0">
                                 <a:latin typeface="Helvetica" pitchFamily="2" charset="0"/>
                                 <a:cs typeface="Times New Roman" panose="02020603050405020304" pitchFamily="18" charset="0"/>
                               </a:rPr>
                             </a:br>
                             <a:r>
-                              <a:rPr lang="en-US" sz="800" dirty="0">
+                              <a:rPr lang="en-US" sz="900" dirty="0">
                                 <a:latin typeface="Helvetica" pitchFamily="2" charset="0"/>
                                 <a:cs typeface="Times New Roman" panose="02020603050405020304" pitchFamily="18" charset="0"/>
                               </a:rPr>
@@ -8019,7 +8207,7 @@
                           <a:p>
                             <a:pPr algn="ctr"/>
                             <a:r>
-                              <a:rPr lang="en-US" sz="800" dirty="0">
+                              <a:rPr lang="en-US" sz="900" dirty="0">
                                 <a:solidFill>
                                   <a:schemeClr val="bg2">
                                     <a:lumMod val="50000"/>
@@ -8049,8 +8237,8 @@
                         </p:nvSpPr>
                         <p:spPr>
                           <a:xfrm>
-                            <a:off x="1800958" y="4812181"/>
-                            <a:ext cx="1122423" cy="461665"/>
+                            <a:off x="1745654" y="4812181"/>
+                            <a:ext cx="1233031" cy="507831"/>
                           </a:xfrm>
                           <a:prstGeom prst="rect">
                             <a:avLst/>
@@ -8065,7 +8253,7 @@
                           <a:p>
                             <a:pPr algn="ctr"/>
                             <a:r>
-                              <a:rPr lang="en-US" sz="800" dirty="0">
+                              <a:rPr lang="en-US" sz="900" dirty="0">
                                 <a:latin typeface="Helvetica" pitchFamily="2" charset="0"/>
                                 <a:cs typeface="Times New Roman" panose="02020603050405020304" pitchFamily="18" charset="0"/>
                               </a:rPr>
@@ -8075,7 +8263,7 @@
                           <a:p>
                             <a:pPr algn="ctr"/>
                             <a:r>
-                              <a:rPr lang="en-US" sz="800" dirty="0">
+                              <a:rPr lang="en-US" sz="900" dirty="0">
                                 <a:latin typeface="Helvetica" pitchFamily="2" charset="0"/>
                                 <a:cs typeface="Times New Roman" panose="02020603050405020304" pitchFamily="18" charset="0"/>
                               </a:rPr>
@@ -8085,7 +8273,7 @@
                           <a:p>
                             <a:pPr algn="ctr"/>
                             <a:r>
-                              <a:rPr lang="en-US" sz="800" dirty="0">
+                              <a:rPr lang="en-US" sz="900" dirty="0">
                                 <a:solidFill>
                                   <a:schemeClr val="bg2">
                                     <a:lumMod val="50000"/>
@@ -8117,8 +8305,8 @@
                         </p:nvCxnSpPr>
                         <p:spPr>
                           <a:xfrm flipH="1">
-                            <a:off x="2362169" y="5273755"/>
-                            <a:ext cx="1446861" cy="91"/>
+                            <a:off x="2362169" y="5296838"/>
+                            <a:ext cx="1401175" cy="23174"/>
                           </a:xfrm>
                           <a:prstGeom prst="straightConnector1">
                             <a:avLst/>
@@ -8165,8 +8353,8 @@
                         </p:nvCxnSpPr>
                         <p:spPr>
                           <a:xfrm flipV="1">
-                            <a:off x="2362169" y="5273846"/>
-                            <a:ext cx="0" cy="1663328"/>
+                            <a:off x="2362169" y="5320012"/>
+                            <a:ext cx="0" cy="1617162"/>
                           </a:xfrm>
                           <a:prstGeom prst="straightConnector1">
                             <a:avLst/>
@@ -8212,8 +8400,8 @@
                         </p:nvSpPr>
                         <p:spPr>
                           <a:xfrm>
-                            <a:off x="3809030" y="5042922"/>
-                            <a:ext cx="978153" cy="461665"/>
+                            <a:off x="3763345" y="5042922"/>
+                            <a:ext cx="1069524" cy="507831"/>
                           </a:xfrm>
                           <a:prstGeom prst="rect">
                             <a:avLst/>
@@ -8228,7 +8416,7 @@
                           <a:p>
                             <a:pPr algn="ctr"/>
                             <a:r>
-                              <a:rPr lang="en-US" sz="800" dirty="0">
+                              <a:rPr lang="en-US" sz="900" dirty="0">
                                 <a:latin typeface="Helvetica" pitchFamily="2" charset="0"/>
                                 <a:cs typeface="Times New Roman" panose="02020603050405020304" pitchFamily="18" charset="0"/>
                               </a:rPr>
@@ -8238,20 +8426,20 @@
                           <a:p>
                             <a:pPr algn="ctr"/>
                             <a:r>
-                              <a:rPr lang="en-US" sz="800" dirty="0">
+                              <a:rPr lang="en-US" sz="900" dirty="0">
                                 <a:latin typeface="Helvetica" pitchFamily="2" charset="0"/>
                                 <a:cs typeface="Times New Roman" panose="02020603050405020304" pitchFamily="18" charset="0"/>
                               </a:rPr>
                               <a:t>derived from &gt;1</a:t>
                             </a:r>
                             <a:br>
-                              <a:rPr lang="en-US" sz="800" dirty="0">
+                              <a:rPr lang="en-US" sz="900" dirty="0">
                                 <a:latin typeface="Helvetica" pitchFamily="2" charset="0"/>
                                 <a:cs typeface="Times New Roman" panose="02020603050405020304" pitchFamily="18" charset="0"/>
                               </a:rPr>
                             </a:br>
                             <a:r>
-                              <a:rPr lang="en-US" sz="800" dirty="0">
+                              <a:rPr lang="en-US" sz="900" dirty="0">
                                 <a:latin typeface="Helvetica" pitchFamily="2" charset="0"/>
                                 <a:cs typeface="Times New Roman" panose="02020603050405020304" pitchFamily="18" charset="0"/>
                               </a:rPr>
@@ -8277,8 +8465,8 @@
                         </p:nvCxnSpPr>
                         <p:spPr>
                           <a:xfrm flipV="1">
-                            <a:off x="3570113" y="5504587"/>
-                            <a:ext cx="727994" cy="1441844"/>
+                            <a:off x="3570113" y="5550753"/>
+                            <a:ext cx="727994" cy="1395678"/>
                           </a:xfrm>
                           <a:prstGeom prst="straightConnector1">
                             <a:avLst/>
@@ -8324,8 +8512,8 @@
                         </p:nvSpPr>
                         <p:spPr>
                           <a:xfrm>
-                            <a:off x="2522446" y="5909682"/>
-                            <a:ext cx="1430030" cy="461665"/>
+                            <a:off x="2396105" y="5916186"/>
+                            <a:ext cx="1579428" cy="507831"/>
                           </a:xfrm>
                           <a:prstGeom prst="rect">
                             <a:avLst/>
@@ -8340,20 +8528,20 @@
                           <a:p>
                             <a:pPr algn="ctr"/>
                             <a:r>
-                              <a:rPr lang="en-US" sz="800" dirty="0">
+                              <a:rPr lang="en-US" sz="900" dirty="0">
                                 <a:latin typeface="Helvetica" pitchFamily="2" charset="0"/>
                                 <a:cs typeface="Times New Roman" panose="02020603050405020304" pitchFamily="18" charset="0"/>
                               </a:rPr>
                               <a:t>52 combined features</a:t>
                             </a:r>
                             <a:br>
-                              <a:rPr lang="en-US" sz="800" dirty="0">
+                              <a:rPr lang="en-US" sz="900" dirty="0">
                                 <a:latin typeface="Helvetica" pitchFamily="2" charset="0"/>
                                 <a:cs typeface="Times New Roman" panose="02020603050405020304" pitchFamily="18" charset="0"/>
                               </a:rPr>
                             </a:br>
                             <a:r>
-                              <a:rPr lang="en-US" sz="800" dirty="0">
+                              <a:rPr lang="en-US" sz="900" dirty="0">
                                 <a:solidFill>
                                   <a:schemeClr val="bg2">
                                     <a:lumMod val="50000"/>
@@ -8365,7 +8553,7 @@
                               <a:t>(6 [W] + 6 [A] + 15 [W, A] +</a:t>
                             </a:r>
                             <a:br>
-                              <a:rPr lang="en-US" sz="800" dirty="0">
+                              <a:rPr lang="en-US" sz="900" dirty="0">
                                 <a:solidFill>
                                   <a:schemeClr val="bg2">
                                     <a:lumMod val="50000"/>
@@ -8376,7 +8564,7 @@
                               </a:rPr>
                             </a:br>
                             <a:r>
-                              <a:rPr lang="en-US" sz="800" dirty="0">
+                              <a:rPr lang="en-US" sz="900" dirty="0">
                                 <a:solidFill>
                                   <a:schemeClr val="bg2">
                                     <a:lumMod val="50000"/>
@@ -8407,8 +8595,8 @@
                         </p:nvCxnSpPr>
                         <p:spPr>
                           <a:xfrm flipH="1" flipV="1">
-                            <a:off x="4298107" y="5504587"/>
-                            <a:ext cx="879265" cy="1441844"/>
+                            <a:off x="4298107" y="5550753"/>
+                            <a:ext cx="879265" cy="1395678"/>
                           </a:xfrm>
                           <a:prstGeom prst="straightConnector1">
                             <a:avLst/>
@@ -8454,8 +8642,8 @@
                         </p:nvSpPr>
                         <p:spPr>
                           <a:xfrm>
-                            <a:off x="4729455" y="5868670"/>
-                            <a:ext cx="1075649" cy="461665"/>
+                            <a:off x="4789135" y="5851450"/>
+                            <a:ext cx="1075649" cy="646331"/>
                           </a:xfrm>
                           <a:prstGeom prst="rect">
                             <a:avLst/>
@@ -8470,7 +8658,7 @@
                           <a:p>
                             <a:pPr algn="ctr"/>
                             <a:r>
-                              <a:rPr lang="en-US" sz="800" dirty="0">
+                              <a:rPr lang="en-US" sz="900" dirty="0">
                                 <a:latin typeface="Helvetica" pitchFamily="2" charset="0"/>
                                 <a:cs typeface="Times New Roman" panose="02020603050405020304" pitchFamily="18" charset="0"/>
                               </a:rPr>
@@ -8480,7 +8668,7 @@
                           <a:p>
                             <a:pPr algn="ctr"/>
                             <a:r>
-                              <a:rPr lang="en-US" sz="800" dirty="0">
+                              <a:rPr lang="en-US" sz="900" dirty="0">
                                 <a:solidFill>
                                   <a:schemeClr val="bg2">
                                     <a:lumMod val="50000"/>
@@ -8512,9 +8700,9 @@
                       <p:grpSpPr>
                         <a:xfrm>
                           <a:off x="5402056" y="1949518"/>
-                          <a:ext cx="5260768" cy="3144116"/>
+                          <a:ext cx="5196115" cy="3144116"/>
                           <a:chOff x="5402056" y="1949518"/>
-                          <a:chExt cx="5260768" cy="3144116"/>
+                          <a:chExt cx="5196115" cy="3144116"/>
                         </a:xfrm>
                       </p:grpSpPr>
                       <p:grpSp>
@@ -8702,7 +8890,7 @@
                                     <p:nvPr/>
                                   </p:nvPicPr>
                                   <p:blipFill rotWithShape="1">
-                                    <a:blip r:embed="rId4"/>
+                                    <a:blip r:embed="rId5"/>
                                     <a:srcRect l="23387" t="26842" r="19999" b="14062"/>
                                     <a:stretch/>
                                   </p:blipFill>
@@ -8732,7 +8920,7 @@
                                   <p:nvPr/>
                                 </p:nvPicPr>
                                 <p:blipFill>
-                                  <a:blip r:embed="rId5"/>
+                                  <a:blip r:embed="rId6"/>
                                   <a:stretch>
                                     <a:fillRect/>
                                   </a:stretch>
@@ -8805,8 +8993,8 @@
                             </p:nvSpPr>
                             <p:spPr>
                               <a:xfrm>
-                                <a:off x="6596240" y="3323397"/>
-                                <a:ext cx="2621229" cy="677108"/>
+                                <a:off x="6508876" y="3323397"/>
+                                <a:ext cx="2795957" cy="661720"/>
                               </a:xfrm>
                               <a:prstGeom prst="rect">
                                 <a:avLst/>
@@ -8845,7 +9033,21 @@
                                     <a:latin typeface="Helvetica" pitchFamily="2" charset="0"/>
                                     <a:cs typeface="Times New Roman" panose="02020603050405020304" pitchFamily="18" charset="0"/>
                                   </a:rPr>
-                                  <a:t>(output/</a:t>
+                                  <a:t>(</a:t>
+                                </a:r>
+                                <a:r>
+                                  <a:rPr lang="en-US" sz="800" dirty="0" err="1">
+                                    <a:latin typeface="Helvetica" pitchFamily="2" charset="0"/>
+                                    <a:cs typeface="Times New Roman" panose="02020603050405020304" pitchFamily="18" charset="0"/>
+                                  </a:rPr>
+                                  <a:t>curated_data</a:t>
+                                </a:r>
+                                <a:r>
+                                  <a:rPr lang="en-US" sz="800" dirty="0">
+                                    <a:latin typeface="Helvetica" pitchFamily="2" charset="0"/>
+                                    <a:cs typeface="Times New Roman" panose="02020603050405020304" pitchFamily="18" charset="0"/>
+                                  </a:rPr>
+                                  <a:t>/TLI/</a:t>
                                 </a:r>
                                 <a:r>
                                   <a:rPr lang="en-US" sz="800" dirty="0" err="1">
@@ -8904,7 +9106,7 @@
                             <p:nvPr/>
                           </p:nvPicPr>
                           <p:blipFill rotWithShape="1">
-                            <a:blip r:embed="rId6">
+                            <a:blip r:embed="rId7">
                               <a:clrChange>
                                 <a:clrFrom>
                                   <a:srgbClr val="FFFFFF"/>
@@ -8946,12 +9148,81 @@
                         </p:nvGrpSpPr>
                         <p:grpSpPr>
                           <a:xfrm>
-                            <a:off x="7037982" y="4083119"/>
-                            <a:ext cx="3624842" cy="1010515"/>
-                            <a:chOff x="7037982" y="4083119"/>
-                            <a:chExt cx="3624842" cy="1010515"/>
+                            <a:off x="7037982" y="4102267"/>
+                            <a:ext cx="3560189" cy="991367"/>
+                            <a:chOff x="7037982" y="4102267"/>
+                            <a:chExt cx="3560189" cy="991367"/>
                           </a:xfrm>
                         </p:grpSpPr>
+                        <p:sp>
+                          <p:nvSpPr>
+                            <p:cNvPr id="49" name="TextBox 48">
+                              <a:extLst>
+                                <a:ext uri="{FF2B5EF4-FFF2-40B4-BE49-F238E27FC236}">
+                                  <a16:creationId xmlns:a16="http://schemas.microsoft.com/office/drawing/2014/main" id="{AAF362FE-5AAA-A94B-6BFC-B959AAC472BF}"/>
+                                </a:ext>
+                              </a:extLst>
+                            </p:cNvPr>
+                            <p:cNvSpPr txBox="1">
+                              <a:spLocks/>
+                            </p:cNvSpPr>
+                            <p:nvPr/>
+                          </p:nvSpPr>
+                          <p:spPr>
+                            <a:xfrm>
+                              <a:off x="9383629" y="4102267"/>
+                              <a:ext cx="1072730" cy="507831"/>
+                            </a:xfrm>
+                            <a:prstGeom prst="rect">
+                              <a:avLst/>
+                            </a:prstGeom>
+                            <a:noFill/>
+                          </p:spPr>
+                          <p:txBody>
+                            <a:bodyPr wrap="none" rtlCol="0">
+                              <a:spAutoFit/>
+                            </a:bodyPr>
+                            <a:lstStyle/>
+                            <a:p>
+                              <a:pPr algn="ctr"/>
+                              <a:r>
+                                <a:rPr lang="en-US" sz="900" dirty="0">
+                                  <a:latin typeface="Helvetica" pitchFamily="2" charset="0"/>
+                                  <a:cs typeface="Times New Roman" panose="02020603050405020304" pitchFamily="18" charset="0"/>
+                                </a:rPr>
+                                <a:t>79 features with</a:t>
+                              </a:r>
+                            </a:p>
+                            <a:p>
+                              <a:pPr algn="ctr"/>
+                              <a:r>
+                                <a:rPr lang="en-US" sz="900" dirty="0">
+                                  <a:latin typeface="Helvetica" pitchFamily="2" charset="0"/>
+                                  <a:cs typeface="Times New Roman" panose="02020603050405020304" pitchFamily="18" charset="0"/>
+                                </a:rPr>
+                                <a:t> &lt; 100 languages</a:t>
+                              </a:r>
+                              <a:br>
+                                <a:rPr lang="en-US" sz="900" dirty="0">
+                                  <a:latin typeface="Helvetica" pitchFamily="2" charset="0"/>
+                                  <a:cs typeface="Times New Roman" panose="02020603050405020304" pitchFamily="18" charset="0"/>
+                                </a:rPr>
+                              </a:br>
+                              <a:r>
+                                <a:rPr lang="en-US" sz="900" dirty="0">
+                                  <a:solidFill>
+                                    <a:schemeClr val="bg2">
+                                      <a:lumMod val="50000"/>
+                                    </a:schemeClr>
+                                  </a:solidFill>
+                                  <a:latin typeface="Helvetica" pitchFamily="2" charset="0"/>
+                                  <a:cs typeface="Times New Roman" panose="02020603050405020304" pitchFamily="18" charset="0"/>
+                                </a:rPr>
+                                <a:t>(17 + 62 + 0 + 0)</a:t>
+                              </a:r>
+                            </a:p>
+                          </p:txBody>
+                        </p:sp>
                         <p:cxnSp>
                           <p:nvCxnSpPr>
                             <p:cNvPr id="46" name="Straight Arrow Connector 45">
@@ -8969,7 +9240,7 @@
                           <p:spPr>
                             <a:xfrm flipH="1">
                               <a:off x="7073340" y="4533230"/>
-                              <a:ext cx="1462599" cy="0"/>
+                              <a:ext cx="1223682" cy="0"/>
                             </a:xfrm>
                             <a:prstGeom prst="straightConnector1">
                               <a:avLst/>
@@ -9014,8 +9285,8 @@
                           </p:nvSpPr>
                           <p:spPr>
                             <a:xfrm>
-                              <a:off x="8387202" y="4322754"/>
-                              <a:ext cx="1007007" cy="461665"/>
+                              <a:off x="8181149" y="4322866"/>
+                              <a:ext cx="1104791" cy="507831"/>
                             </a:xfrm>
                             <a:prstGeom prst="rect">
                               <a:avLst/>
@@ -9030,7 +9301,7 @@
                             <a:p>
                               <a:pPr algn="ctr"/>
                               <a:r>
-                                <a:rPr lang="en-US" sz="800" dirty="0">
+                                <a:rPr lang="en-US" sz="900" dirty="0">
                                   <a:latin typeface="Helvetica" pitchFamily="2" charset="0"/>
                                   <a:cs typeface="Times New Roman" panose="02020603050405020304" pitchFamily="18" charset="0"/>
                                 </a:rPr>
@@ -9040,20 +9311,20 @@
                             <a:p>
                               <a:pPr algn="ctr"/>
                               <a:r>
-                                <a:rPr lang="en-US" sz="800" dirty="0">
+                                <a:rPr lang="en-US" sz="900" dirty="0">
                                   <a:latin typeface="Helvetica" pitchFamily="2" charset="0"/>
                                   <a:cs typeface="Times New Roman" panose="02020603050405020304" pitchFamily="18" charset="0"/>
                                 </a:rPr>
                                 <a:t>exclusions</a:t>
                               </a:r>
                               <a:br>
-                                <a:rPr lang="en-US" sz="800" dirty="0">
+                                <a:rPr lang="en-US" sz="900" dirty="0">
                                   <a:latin typeface="Helvetica" pitchFamily="2" charset="0"/>
                                   <a:cs typeface="Times New Roman" panose="02020603050405020304" pitchFamily="18" charset="0"/>
                                 </a:rPr>
                               </a:br>
                               <a:r>
-                                <a:rPr lang="en-US" sz="800" dirty="0">
+                                <a:rPr lang="en-US" sz="900" dirty="0">
                                   <a:solidFill>
                                     <a:schemeClr val="bg2">
                                       <a:lumMod val="50000"/>
@@ -9084,8 +9355,8 @@
                           </p:nvCxnSpPr>
                           <p:spPr>
                             <a:xfrm flipH="1" flipV="1">
-                              <a:off x="9394210" y="4553587"/>
-                              <a:ext cx="144825" cy="147460"/>
+                              <a:off x="9285939" y="4576782"/>
+                              <a:ext cx="119303" cy="135776"/>
                             </a:xfrm>
                             <a:prstGeom prst="straightConnector1">
                               <a:avLst/>
@@ -9116,10 +9387,10 @@
                         </p:cxnSp>
                         <p:sp>
                           <p:nvSpPr>
-                            <p:cNvPr id="49" name="TextBox 48">
+                            <p:cNvPr id="50" name="TextBox 49">
                               <a:extLst>
                                 <a:ext uri="{FF2B5EF4-FFF2-40B4-BE49-F238E27FC236}">
-                                  <a16:creationId xmlns:a16="http://schemas.microsoft.com/office/drawing/2014/main" id="{AAF362FE-5AAA-A94B-6BFC-B959AAC472BF}"/>
+                                  <a16:creationId xmlns:a16="http://schemas.microsoft.com/office/drawing/2014/main" id="{D9179B16-3C8E-5CDF-FD80-ADC7290C9662}"/>
                                 </a:ext>
                               </a:extLst>
                             </p:cNvPr>
@@ -9130,8 +9401,8 @@
                           </p:nvSpPr>
                           <p:spPr>
                             <a:xfrm>
-                              <a:off x="9610250" y="4083119"/>
-                              <a:ext cx="981359" cy="461665"/>
+                              <a:off x="9349111" y="4515394"/>
+                              <a:ext cx="1249060" cy="507831"/>
                             </a:xfrm>
                             <a:prstGeom prst="rect">
                               <a:avLst/>
@@ -9146,76 +9417,7 @@
                             <a:p>
                               <a:pPr algn="ctr"/>
                               <a:r>
-                                <a:rPr lang="en-US" sz="800" dirty="0">
-                                  <a:latin typeface="Helvetica" pitchFamily="2" charset="0"/>
-                                  <a:cs typeface="Times New Roman" panose="02020603050405020304" pitchFamily="18" charset="0"/>
-                                </a:rPr>
-                                <a:t>79 features with</a:t>
-                              </a:r>
-                            </a:p>
-                            <a:p>
-                              <a:pPr algn="ctr"/>
-                              <a:r>
-                                <a:rPr lang="en-US" sz="800" dirty="0">
-                                  <a:latin typeface="Helvetica" pitchFamily="2" charset="0"/>
-                                  <a:cs typeface="Times New Roman" panose="02020603050405020304" pitchFamily="18" charset="0"/>
-                                </a:rPr>
-                                <a:t> &lt; 100 languages</a:t>
-                              </a:r>
-                              <a:br>
-                                <a:rPr lang="en-US" sz="800" dirty="0">
-                                  <a:latin typeface="Helvetica" pitchFamily="2" charset="0"/>
-                                  <a:cs typeface="Times New Roman" panose="02020603050405020304" pitchFamily="18" charset="0"/>
-                                </a:rPr>
-                              </a:br>
-                              <a:r>
-                                <a:rPr lang="en-US" sz="800" dirty="0">
-                                  <a:solidFill>
-                                    <a:schemeClr val="bg2">
-                                      <a:lumMod val="50000"/>
-                                    </a:schemeClr>
-                                  </a:solidFill>
-                                  <a:latin typeface="Helvetica" pitchFamily="2" charset="0"/>
-                                  <a:cs typeface="Times New Roman" panose="02020603050405020304" pitchFamily="18" charset="0"/>
-                                </a:rPr>
-                                <a:t>(17 + 62 + 0 + 0)</a:t>
-                              </a:r>
-                            </a:p>
-                          </p:txBody>
-                        </p:sp>
-                        <p:sp>
-                          <p:nvSpPr>
-                            <p:cNvPr id="50" name="TextBox 49">
-                              <a:extLst>
-                                <a:ext uri="{FF2B5EF4-FFF2-40B4-BE49-F238E27FC236}">
-                                  <a16:creationId xmlns:a16="http://schemas.microsoft.com/office/drawing/2014/main" id="{D9179B16-3C8E-5CDF-FD80-ADC7290C9662}"/>
-                                </a:ext>
-                              </a:extLst>
-                            </p:cNvPr>
-                            <p:cNvSpPr txBox="1">
-                              <a:spLocks/>
-                            </p:cNvSpPr>
-                            <p:nvPr/>
-                          </p:nvSpPr>
-                          <p:spPr>
-                            <a:xfrm>
-                              <a:off x="9527577" y="4489428"/>
-                              <a:ext cx="1135247" cy="461665"/>
-                            </a:xfrm>
-                            <a:prstGeom prst="rect">
-                              <a:avLst/>
-                            </a:prstGeom>
-                            <a:noFill/>
-                          </p:spPr>
-                          <p:txBody>
-                            <a:bodyPr wrap="none" rtlCol="0">
-                              <a:spAutoFit/>
-                            </a:bodyPr>
-                            <a:lstStyle/>
-                            <a:p>
-                              <a:pPr algn="ctr"/>
-                              <a:r>
-                                <a:rPr lang="en-US" sz="800" dirty="0">
+                                <a:rPr lang="en-US" sz="900" dirty="0">
                                   <a:latin typeface="Helvetica" pitchFamily="2" charset="0"/>
                                   <a:cs typeface="Times New Roman" panose="02020603050405020304" pitchFamily="18" charset="0"/>
                                 </a:rPr>
@@ -9225,20 +9427,20 @@
                             <a:p>
                               <a:pPr algn="ctr"/>
                               <a:r>
-                                <a:rPr lang="en-US" sz="800" dirty="0">
+                                <a:rPr lang="en-US" sz="900" dirty="0">
                                   <a:latin typeface="Helvetica" pitchFamily="2" charset="0"/>
                                   <a:cs typeface="Times New Roman" panose="02020603050405020304" pitchFamily="18" charset="0"/>
                                 </a:rPr>
                                 <a:t>insufficiently variable</a:t>
                               </a:r>
                               <a:br>
-                                <a:rPr lang="en-US" sz="800" dirty="0">
+                                <a:rPr lang="en-US" sz="900" dirty="0">
                                   <a:latin typeface="Helvetica" pitchFamily="2" charset="0"/>
                                   <a:cs typeface="Times New Roman" panose="02020603050405020304" pitchFamily="18" charset="0"/>
                                 </a:rPr>
                               </a:br>
                               <a:r>
-                                <a:rPr lang="en-US" sz="800" dirty="0">
+                                <a:rPr lang="en-US" sz="900" dirty="0">
                                   <a:solidFill>
                                     <a:schemeClr val="bg2">
                                       <a:lumMod val="50000"/>
@@ -9314,8 +9516,8 @@
                           </p:nvSpPr>
                           <p:spPr>
                             <a:xfrm>
-                              <a:off x="7037982" y="4635450"/>
-                              <a:ext cx="1314737" cy="338554"/>
+                              <a:off x="7037982" y="4526962"/>
+                              <a:ext cx="1314737" cy="507831"/>
                             </a:xfrm>
                             <a:prstGeom prst="rect">
                               <a:avLst/>
@@ -9330,7 +9532,7 @@
                             <a:p>
                               <a:pPr algn="ctr"/>
                               <a:r>
-                                <a:rPr lang="en-US" sz="800" dirty="0">
+                                <a:rPr lang="en-US" sz="900" dirty="0">
                                   <a:latin typeface="Helvetica" pitchFamily="2" charset="0"/>
                                   <a:cs typeface="Times New Roman" panose="02020603050405020304" pitchFamily="18" charset="0"/>
                                 </a:rPr>
@@ -9340,7 +9542,7 @@
                             <a:p>
                               <a:pPr algn="ctr"/>
                               <a:r>
-                                <a:rPr lang="en-US" sz="800" dirty="0">
+                                <a:rPr lang="en-US" sz="900" dirty="0">
                                   <a:solidFill>
                                     <a:schemeClr val="bg2">
                                       <a:lumMod val="50000"/>
@@ -9373,7 +9575,7 @@
                     </p:nvCxnSpPr>
                     <p:spPr>
                       <a:xfrm flipH="1">
-                        <a:off x="6889453" y="5098044"/>
+                        <a:off x="6889453" y="5171460"/>
                         <a:ext cx="2460182" cy="0"/>
                       </a:xfrm>
                       <a:prstGeom prst="straightConnector1">
@@ -9421,7 +9623,7 @@
                   <p:spPr>
                     <a:xfrm>
                       <a:off x="10436577" y="1699757"/>
-                      <a:ext cx="1534133" cy="507831"/>
+                      <a:ext cx="1534133" cy="646331"/>
                     </a:xfrm>
                     <a:prstGeom prst="rect">
                       <a:avLst/>
@@ -9460,7 +9662,7 @@
                           <a:latin typeface="Helvetica" pitchFamily="2" charset="0"/>
                           <a:cs typeface="Times New Roman" panose="02020603050405020304" pitchFamily="18" charset="0"/>
                         </a:rPr>
-                        <a:t>./compile-external-</a:t>
+                        <a:t>scripts/TLI/compile-external-</a:t>
                       </a:r>
                       <a:r>
                         <a:rPr lang="en-US" sz="900" dirty="0" err="1">
@@ -9598,8 +9800,8 @@
                 </p:nvSpPr>
                 <p:spPr>
                   <a:xfrm>
-                    <a:off x="8784486" y="6474081"/>
-                    <a:ext cx="1644470" cy="507831"/>
+                    <a:off x="8690607" y="6408603"/>
+                    <a:ext cx="1832228" cy="507831"/>
                   </a:xfrm>
                   <a:prstGeom prst="rect">
                     <a:avLst/>
@@ -9638,7 +9840,7 @@
                         <a:latin typeface="Helvetica" pitchFamily="2" charset="0"/>
                         <a:cs typeface="Times New Roman" panose="02020603050405020304" pitchFamily="18" charset="0"/>
                       </a:rPr>
-                      <a:t>./create-full-</a:t>
+                      <a:t>scripts/TLI/create-full-</a:t>
                     </a:r>
                     <a:r>
                       <a:rPr lang="en-US" sz="900" dirty="0" err="1">
@@ -9678,8 +9880,8 @@
               </p:nvSpPr>
               <p:spPr>
                 <a:xfrm>
-                  <a:off x="10977438" y="6945366"/>
-                  <a:ext cx="1343708" cy="338554"/>
+                  <a:off x="10977437" y="6945366"/>
+                  <a:ext cx="1737446" cy="338554"/>
                 </a:xfrm>
                 <a:prstGeom prst="rect">
                   <a:avLst/>
@@ -9701,13 +9903,22 @@
                 <a:p>
                   <a:pPr algn="ctr"/>
                   <a:r>
+                    <a:rPr lang="en-US" sz="800" dirty="0" err="1">
+                      <a:solidFill>
+                        <a:schemeClr val="bg1"/>
+                      </a:solidFill>
+                      <a:latin typeface="Helvetica" pitchFamily="2" charset="0"/>
+                    </a:rPr>
+                    <a:t>curated_data</a:t>
+                  </a:r>
+                  <a:r>
                     <a:rPr lang="en-US" sz="800" dirty="0">
                       <a:solidFill>
                         <a:schemeClr val="bg1"/>
                       </a:solidFill>
                       <a:latin typeface="Helvetica" pitchFamily="2" charset="0"/>
                     </a:rPr>
-                    <a:t>./output/</a:t>
+                    <a:t>/TLI/</a:t>
                   </a:r>
                   <a:r>
                     <a:rPr lang="en-US" sz="800" dirty="0" err="1">
@@ -9731,14 +9942,20 @@
                 <a:p>
                   <a:pPr algn="ctr"/>
                   <a:r>
-                    <a:rPr lang="en-US" sz="800" b="1" dirty="0">
+                    <a:rPr lang="en-US" sz="800" b="1" dirty="0" err="1">
                       <a:solidFill>
                         <a:schemeClr val="bg1"/>
                       </a:solidFill>
                       <a:latin typeface="Helvetica" pitchFamily="2" charset="0"/>
                     </a:rPr>
-                    <a:t>CLDF</a:t>
+                    <a:t>cldf</a:t>
                   </a:r>
+                  <a:endParaRPr lang="en-US" sz="800" b="1" dirty="0">
+                    <a:solidFill>
+                      <a:schemeClr val="bg1"/>
+                    </a:solidFill>
+                    <a:latin typeface="Helvetica" pitchFamily="2" charset="0"/>
+                  </a:endParaRPr>
                 </a:p>
               </p:txBody>
             </p:sp>
@@ -9805,8 +10022,8 @@
               </p:nvSpPr>
               <p:spPr>
                 <a:xfrm>
-                  <a:off x="10977437" y="6576360"/>
-                  <a:ext cx="1343709" cy="338554"/>
+                  <a:off x="10977436" y="6576360"/>
+                  <a:ext cx="1737445" cy="338554"/>
                 </a:xfrm>
                 <a:prstGeom prst="rect">
                   <a:avLst/>
@@ -9828,13 +10045,22 @@
                 <a:p>
                   <a:pPr algn="ctr"/>
                   <a:r>
+                    <a:rPr lang="en-US" sz="800" dirty="0" err="1">
+                      <a:solidFill>
+                        <a:schemeClr val="bg1"/>
+                      </a:solidFill>
+                      <a:latin typeface="Helvetica" pitchFamily="2" charset="0"/>
+                    </a:rPr>
+                    <a:t>curated_data</a:t>
+                  </a:r>
+                  <a:r>
                     <a:rPr lang="en-US" sz="800" dirty="0">
                       <a:solidFill>
                         <a:schemeClr val="bg1"/>
                       </a:solidFill>
                       <a:latin typeface="Helvetica" pitchFamily="2" charset="0"/>
                     </a:rPr>
-                    <a:t>./output/</a:t>
+                    <a:t>/TLI/</a:t>
                   </a:r>
                   <a:r>
                     <a:rPr lang="en-US" sz="800" dirty="0" err="1">
@@ -10025,7 +10251,7 @@
                     <a:latin typeface="Helvetica" pitchFamily="2" charset="0"/>
                     <a:cs typeface="Times New Roman" panose="02020603050405020304" pitchFamily="18" charset="0"/>
                   </a:rPr>
-                  <a:t>TypLinkInd statistical:</a:t>
+                  <a:t>TLI statistical:</a:t>
                 </a:r>
               </a:p>
               <a:p>
@@ -10059,8 +10285,8 @@
             </p:nvSpPr>
             <p:spPr>
               <a:xfrm>
-                <a:off x="8743161" y="10797941"/>
-                <a:ext cx="1644470" cy="507831"/>
+                <a:off x="8670966" y="10772607"/>
+                <a:ext cx="1881408" cy="507831"/>
               </a:xfrm>
               <a:prstGeom prst="rect">
                 <a:avLst/>
@@ -10099,7 +10325,7 @@
                     <a:latin typeface="Helvetica" pitchFamily="2" charset="0"/>
                     <a:cs typeface="Times New Roman" panose="02020603050405020304" pitchFamily="18" charset="0"/>
                   </a:rPr>
-                  <a:t>./create-full-</a:t>
+                  <a:t>scripts/TLI/create-full-</a:t>
                 </a:r>
                 <a:r>
                   <a:rPr lang="en-US" sz="900" dirty="0" err="1">
@@ -10138,8 +10364,8 @@
             </p:nvSpPr>
             <p:spPr>
               <a:xfrm>
-                <a:off x="10967541" y="11280438"/>
-                <a:ext cx="1353606" cy="338554"/>
+                <a:off x="10967540" y="11280438"/>
+                <a:ext cx="1747343" cy="338554"/>
               </a:xfrm>
               <a:prstGeom prst="rect">
                 <a:avLst/>
@@ -10161,13 +10387,22 @@
               <a:p>
                 <a:pPr algn="ctr"/>
                 <a:r>
+                  <a:rPr lang="en-US" sz="800" dirty="0" err="1">
+                    <a:solidFill>
+                      <a:schemeClr val="bg1"/>
+                    </a:solidFill>
+                    <a:latin typeface="Helvetica" pitchFamily="2" charset="0"/>
+                  </a:rPr>
+                  <a:t>curated_data</a:t>
+                </a:r>
+                <a:r>
                   <a:rPr lang="en-US" sz="800" dirty="0">
                     <a:solidFill>
                       <a:schemeClr val="bg1"/>
                     </a:solidFill>
                     <a:latin typeface="Helvetica" pitchFamily="2" charset="0"/>
                   </a:rPr>
-                  <a:t>./output/</a:t>
+                  <a:t>/TLI/</a:t>
                 </a:r>
                 <a:r>
                   <a:rPr lang="en-US" sz="800" dirty="0" err="1">
@@ -10176,7 +10411,7 @@
                     </a:solidFill>
                     <a:latin typeface="Helvetica" pitchFamily="2" charset="0"/>
                   </a:rPr>
-                  <a:t>statisticallTLI</a:t>
+                  <a:t>statisticalTLI</a:t>
                 </a:r>
                 <a:r>
                   <a:rPr lang="en-US" sz="800" dirty="0">
@@ -10191,14 +10426,20 @@
               <a:p>
                 <a:pPr algn="ctr"/>
                 <a:r>
-                  <a:rPr lang="en-US" sz="800" b="1" dirty="0">
+                  <a:rPr lang="en-US" sz="800" b="1" dirty="0" err="1">
                     <a:solidFill>
                       <a:schemeClr val="bg1"/>
                     </a:solidFill>
                     <a:latin typeface="Helvetica" pitchFamily="2" charset="0"/>
                   </a:rPr>
-                  <a:t>CLDF</a:t>
+                  <a:t>cldf</a:t>
                 </a:r>
+                <a:endParaRPr lang="en-US" sz="800" b="1" dirty="0">
+                  <a:solidFill>
+                    <a:schemeClr val="bg1"/>
+                  </a:solidFill>
+                  <a:latin typeface="Helvetica" pitchFamily="2" charset="0"/>
+                </a:endParaRPr>
               </a:p>
             </p:txBody>
           </p:sp>
@@ -10266,7 +10507,7 @@
             <p:spPr>
               <a:xfrm>
                 <a:off x="10967540" y="10911432"/>
-                <a:ext cx="1353607" cy="338554"/>
+                <a:ext cx="1747343" cy="338554"/>
               </a:xfrm>
               <a:prstGeom prst="rect">
                 <a:avLst/>
@@ -10288,13 +10529,22 @@
               <a:p>
                 <a:pPr algn="ctr"/>
                 <a:r>
+                  <a:rPr lang="en-US" sz="800" dirty="0" err="1">
+                    <a:solidFill>
+                      <a:schemeClr val="bg1"/>
+                    </a:solidFill>
+                    <a:latin typeface="Helvetica" pitchFamily="2" charset="0"/>
+                  </a:rPr>
+                  <a:t>curated_data</a:t>
+                </a:r>
+                <a:r>
                   <a:rPr lang="en-US" sz="800" dirty="0">
                     <a:solidFill>
                       <a:schemeClr val="bg1"/>
                     </a:solidFill>
                     <a:latin typeface="Helvetica" pitchFamily="2" charset="0"/>
                   </a:rPr>
-                  <a:t>./output/</a:t>
+                  <a:t>/TLI/</a:t>
                 </a:r>
                 <a:r>
                   <a:rPr lang="en-US" sz="800" dirty="0" err="1">
@@ -10400,9 +10650,9 @@
           <p:grpSpPr>
             <a:xfrm>
               <a:off x="7740348" y="7560602"/>
-              <a:ext cx="5289228" cy="3130231"/>
+              <a:ext cx="5408763" cy="3130231"/>
               <a:chOff x="7740348" y="7560602"/>
-              <a:chExt cx="5289228" cy="3130231"/>
+              <a:chExt cx="5408763" cy="3130231"/>
             </a:xfrm>
           </p:grpSpPr>
           <p:sp>
@@ -10422,7 +10672,7 @@
             <p:spPr>
               <a:xfrm>
                 <a:off x="7740348" y="7581787"/>
-                <a:ext cx="1172893" cy="707886"/>
+                <a:ext cx="1172893" cy="784830"/>
               </a:xfrm>
               <a:prstGeom prst="rect">
                 <a:avLst/>
@@ -10437,7 +10687,7 @@
               <a:p>
                 <a:pPr algn="ctr"/>
                 <a:r>
-                  <a:rPr lang="en-US" sz="800" dirty="0">
+                  <a:rPr lang="en-US" sz="900" dirty="0">
                     <a:latin typeface="Helvetica" pitchFamily="2" charset="0"/>
                     <a:cs typeface="Times New Roman" panose="02020603050405020304" pitchFamily="18" charset="0"/>
                   </a:rPr>
@@ -10447,7 +10697,7 @@
               <a:p>
                 <a:pPr algn="ctr"/>
                 <a:r>
-                  <a:rPr lang="en-US" sz="800" dirty="0">
+                  <a:rPr lang="en-US" sz="900" dirty="0">
                     <a:solidFill>
                       <a:schemeClr val="bg2">
                         <a:lumMod val="50000"/>
@@ -10459,7 +10709,7 @@
                   <a:t>(147 [W] + 79 [A] + 17 [L] + 18 [P] +</a:t>
                 </a:r>
                 <a:br>
-                  <a:rPr lang="en-US" sz="800" dirty="0">
+                  <a:rPr lang="en-US" sz="900" dirty="0">
                     <a:solidFill>
                       <a:schemeClr val="bg2">
                         <a:lumMod val="50000"/>
@@ -10470,7 +10720,7 @@
                   </a:rPr>
                 </a:br>
                 <a:r>
-                  <a:rPr lang="en-US" sz="800" dirty="0">
+                  <a:rPr lang="en-US" sz="900" dirty="0">
                     <a:solidFill>
                       <a:schemeClr val="bg2">
                         <a:lumMod val="50000"/>
@@ -10593,7 +10843,7 @@
             <p:spPr>
               <a:xfrm>
                 <a:off x="9691965" y="7569034"/>
-                <a:ext cx="1311576" cy="584775"/>
+                <a:ext cx="1891878" cy="646331"/>
               </a:xfrm>
               <a:prstGeom prst="rect">
                 <a:avLst/>
@@ -10608,14 +10858,14 @@
               <a:p>
                 <a:pPr algn="ctr"/>
                 <a:r>
-                  <a:rPr lang="en-US" sz="800" dirty="0">
+                  <a:rPr lang="en-US" sz="900" dirty="0">
                     <a:latin typeface="Helvetica" pitchFamily="2" charset="0"/>
                     <a:cs typeface="Times New Roman" panose="02020603050405020304" pitchFamily="18" charset="0"/>
                   </a:rPr>
                   <a:t>49 exclusions</a:t>
                 </a:r>
                 <a:br>
-                  <a:rPr lang="en-US" sz="800" dirty="0">
+                  <a:rPr lang="en-US" sz="900" dirty="0">
                     <a:solidFill>
                       <a:schemeClr val="bg2">
                         <a:lumMod val="50000"/>
@@ -10626,7 +10876,7 @@
                   </a:rPr>
                 </a:br>
                 <a:r>
-                  <a:rPr lang="en-US" sz="800" dirty="0">
+                  <a:rPr lang="en-US" sz="900" dirty="0">
                     <a:solidFill>
                       <a:schemeClr val="bg2">
                         <a:lumMod val="50000"/>
@@ -10641,7 +10891,7 @@
               <a:p>
                 <a:pPr algn="ctr"/>
                 <a:r>
-                  <a:rPr lang="en-US" sz="800" dirty="0">
+                  <a:rPr lang="en-US" sz="900" dirty="0">
                     <a:solidFill>
                       <a:schemeClr val="bg2">
                         <a:lumMod val="50000"/>
@@ -10655,7 +10905,7 @@
               </a:p>
               <a:p>
                 <a:pPr algn="ctr"/>
-                <a:endParaRPr lang="en-US" sz="800" dirty="0">
+                <a:endParaRPr lang="en-US" sz="900" dirty="0">
                   <a:solidFill>
                     <a:schemeClr val="bg2">
                       <a:lumMod val="50000"/>
@@ -10683,8 +10933,8 @@
             </p:nvSpPr>
             <p:spPr>
               <a:xfrm>
-                <a:off x="12080278" y="7879345"/>
-                <a:ext cx="949298" cy="461665"/>
+                <a:off x="12118059" y="7879345"/>
+                <a:ext cx="1031052" cy="507831"/>
               </a:xfrm>
               <a:prstGeom prst="rect">
                 <a:avLst/>
@@ -10699,7 +10949,7 @@
               <a:p>
                 <a:pPr algn="ctr"/>
                 <a:r>
-                  <a:rPr lang="en-US" sz="800" dirty="0">
+                  <a:rPr lang="en-US" sz="900" dirty="0">
                     <a:latin typeface="Helvetica" pitchFamily="2" charset="0"/>
                     <a:cs typeface="Times New Roman" panose="02020603050405020304" pitchFamily="18" charset="0"/>
                   </a:rPr>
@@ -10709,7 +10959,7 @@
               <a:p>
                 <a:pPr algn="ctr"/>
                 <a:r>
-                  <a:rPr lang="en-US" sz="800" dirty="0">
+                  <a:rPr lang="en-US" sz="900" dirty="0">
                     <a:latin typeface="Helvetica" pitchFamily="2" charset="0"/>
                     <a:cs typeface="Times New Roman" panose="02020603050405020304" pitchFamily="18" charset="0"/>
                   </a:rPr>
@@ -10719,7 +10969,7 @@
               <a:p>
                 <a:pPr algn="ctr"/>
                 <a:r>
-                  <a:rPr lang="en-US" sz="800" dirty="0">
+                  <a:rPr lang="en-US" sz="900" dirty="0">
                     <a:solidFill>
                       <a:schemeClr val="bg2">
                         <a:lumMod val="50000"/>
@@ -10750,7 +11000,7 @@
             <p:spPr>
               <a:xfrm>
                 <a:off x="9476437" y="8369128"/>
-                <a:ext cx="2359229" cy="461665"/>
+                <a:ext cx="2359229" cy="507831"/>
               </a:xfrm>
               <a:prstGeom prst="rect">
                 <a:avLst/>
@@ -10765,7 +11015,7 @@
               <a:p>
                 <a:pPr algn="ctr"/>
                 <a:r>
-                  <a:rPr lang="en-US" sz="800" dirty="0">
+                  <a:rPr lang="en-US" sz="900" dirty="0">
                     <a:latin typeface="Helvetica" pitchFamily="2" charset="0"/>
                     <a:cs typeface="Times New Roman" panose="02020603050405020304" pitchFamily="18" charset="0"/>
                   </a:rPr>
@@ -10775,7 +11025,7 @@
               <a:p>
                 <a:pPr algn="ctr"/>
                 <a:r>
-                  <a:rPr lang="en-US" sz="800" dirty="0">
+                  <a:rPr lang="en-US" sz="900" dirty="0">
                     <a:latin typeface="Helvetica" pitchFamily="2" charset="0"/>
                     <a:cs typeface="Times New Roman" panose="02020603050405020304" pitchFamily="18" charset="0"/>
                   </a:rPr>
@@ -10785,7 +11035,7 @@
               <a:p>
                 <a:pPr algn="ctr"/>
                 <a:r>
-                  <a:rPr lang="en-US" sz="800" dirty="0">
+                  <a:rPr lang="en-US" sz="900" dirty="0">
                     <a:solidFill>
                       <a:schemeClr val="bg2">
                         <a:lumMod val="50000"/>
@@ -10816,8 +11066,8 @@
             </p:nvCxnSpPr>
             <p:spPr>
               <a:xfrm flipV="1">
-                <a:off x="10656052" y="8830793"/>
-                <a:ext cx="0" cy="229452"/>
+                <a:off x="10656052" y="8876959"/>
+                <a:ext cx="0" cy="183286"/>
               </a:xfrm>
               <a:prstGeom prst="straightConnector1">
                 <a:avLst/>
@@ -10863,8 +11113,8 @@
             </p:nvSpPr>
             <p:spPr>
               <a:xfrm>
-                <a:off x="10195828" y="9113254"/>
-                <a:ext cx="920445" cy="461665"/>
+                <a:off x="10153349" y="9113254"/>
+                <a:ext cx="1005403" cy="507831"/>
               </a:xfrm>
               <a:prstGeom prst="rect">
                 <a:avLst/>
@@ -10879,7 +11129,7 @@
               <a:p>
                 <a:pPr algn="ctr"/>
                 <a:r>
-                  <a:rPr lang="en-US" sz="800" dirty="0">
+                  <a:rPr lang="en-US" sz="900" dirty="0">
                     <a:latin typeface="Helvetica" pitchFamily="2" charset="0"/>
                     <a:cs typeface="Times New Roman" panose="02020603050405020304" pitchFamily="18" charset="0"/>
                   </a:rPr>
@@ -10889,20 +11139,20 @@
               <a:p>
                 <a:pPr algn="ctr"/>
                 <a:r>
-                  <a:rPr lang="en-US" sz="800" dirty="0">
+                  <a:rPr lang="en-US" sz="900" dirty="0">
                     <a:latin typeface="Helvetica" pitchFamily="2" charset="0"/>
                     <a:cs typeface="Times New Roman" panose="02020603050405020304" pitchFamily="18" charset="0"/>
                   </a:rPr>
                   <a:t>derived from &gt;1</a:t>
                 </a:r>
                 <a:br>
-                  <a:rPr lang="en-US" sz="800" dirty="0">
+                  <a:rPr lang="en-US" sz="900" dirty="0">
                     <a:latin typeface="Helvetica" pitchFamily="2" charset="0"/>
                     <a:cs typeface="Times New Roman" panose="02020603050405020304" pitchFamily="18" charset="0"/>
                   </a:rPr>
                 </a:br>
                 <a:r>
-                  <a:rPr lang="en-US" sz="800" dirty="0">
+                  <a:rPr lang="en-US" sz="900" dirty="0">
                     <a:latin typeface="Helvetica" pitchFamily="2" charset="0"/>
                     <a:cs typeface="Times New Roman" panose="02020603050405020304" pitchFamily="18" charset="0"/>
                   </a:rPr>
@@ -10928,8 +11178,8 @@
             </p:nvCxnSpPr>
             <p:spPr>
               <a:xfrm flipV="1">
-                <a:off x="9958242" y="9574919"/>
-                <a:ext cx="697809" cy="1111051"/>
+                <a:off x="9958242" y="9621085"/>
+                <a:ext cx="697809" cy="1064885"/>
               </a:xfrm>
               <a:prstGeom prst="straightConnector1">
                 <a:avLst/>
@@ -10976,7 +11226,7 @@
             <p:spPr>
               <a:xfrm>
                 <a:off x="9006956" y="9903038"/>
-                <a:ext cx="1430031" cy="338554"/>
+                <a:ext cx="1430031" cy="369332"/>
               </a:xfrm>
               <a:prstGeom prst="rect">
                 <a:avLst/>
@@ -10991,20 +11241,20 @@
               <a:p>
                 <a:pPr algn="ctr"/>
                 <a:r>
-                  <a:rPr lang="en-US" sz="800" dirty="0">
+                  <a:rPr lang="en-US" sz="900" dirty="0">
                     <a:latin typeface="Helvetica" pitchFamily="2" charset="0"/>
                     <a:cs typeface="Times New Roman" panose="02020603050405020304" pitchFamily="18" charset="0"/>
                   </a:rPr>
                   <a:t>3 combined features</a:t>
                 </a:r>
                 <a:br>
-                  <a:rPr lang="en-US" sz="800" dirty="0">
+                  <a:rPr lang="en-US" sz="900" dirty="0">
                     <a:latin typeface="Helvetica" pitchFamily="2" charset="0"/>
                     <a:cs typeface="Times New Roman" panose="02020603050405020304" pitchFamily="18" charset="0"/>
                   </a:rPr>
                 </a:br>
                 <a:r>
-                  <a:rPr lang="en-US" sz="800" dirty="0">
+                  <a:rPr lang="en-US" sz="900" dirty="0">
                     <a:solidFill>
                       <a:schemeClr val="bg2">
                         <a:lumMod val="50000"/>
@@ -11035,8 +11285,8 @@
             </p:nvCxnSpPr>
             <p:spPr>
               <a:xfrm flipH="1" flipV="1">
-                <a:off x="10656051" y="9574919"/>
-                <a:ext cx="725761" cy="1115914"/>
+                <a:off x="10656051" y="9621085"/>
+                <a:ext cx="725761" cy="1069748"/>
               </a:xfrm>
               <a:prstGeom prst="straightConnector1">
                 <a:avLst/>
@@ -11082,8 +11332,8 @@
             </p:nvSpPr>
             <p:spPr>
               <a:xfrm>
-                <a:off x="11018931" y="9841482"/>
-                <a:ext cx="1357493" cy="584775"/>
+                <a:off x="11036183" y="9841482"/>
+                <a:ext cx="1357493" cy="646331"/>
               </a:xfrm>
               <a:prstGeom prst="rect">
                 <a:avLst/>
@@ -11098,7 +11348,7 @@
               <a:p>
                 <a:pPr algn="ctr"/>
                 <a:r>
-                  <a:rPr lang="en-US" sz="800" dirty="0">
+                  <a:rPr lang="en-US" sz="900" dirty="0">
                     <a:latin typeface="Helvetica" pitchFamily="2" charset="0"/>
                     <a:cs typeface="Times New Roman" panose="02020603050405020304" pitchFamily="18" charset="0"/>
                   </a:rPr>
@@ -11108,7 +11358,7 @@
               <a:p>
                 <a:pPr algn="ctr"/>
                 <a:r>
-                  <a:rPr lang="en-US" sz="800" dirty="0">
+                  <a:rPr lang="en-US" sz="900" dirty="0">
                     <a:solidFill>
                       <a:schemeClr val="bg2">
                         <a:lumMod val="50000"/>

--- a/plots/Fig2 feature modification flowchart.pptx
+++ b/plots/Fig2 feature modification flowchart.pptx
@@ -197,7 +197,7 @@
           <a:p>
             <a:fld id="{7FBD6D00-5174-A449-9D44-84A3CC40E9AF}" type="datetimeFigureOut">
               <a:rPr lang="en-US" smtClean="0"/>
-              <a:t>6/26/24</a:t>
+              <a:t>11/6/24</a:t>
             </a:fld>
             <a:endParaRPr lang="en-US"/>
           </a:p>
@@ -680,7 +680,7 @@
           <a:p>
             <a:fld id="{A2BAE022-C88F-2B41-9F90-7F832352A141}" type="datetimeFigureOut">
               <a:rPr lang="en-US" smtClean="0"/>
-              <a:t>6/26/24</a:t>
+              <a:t>11/6/24</a:t>
             </a:fld>
             <a:endParaRPr lang="en-US"/>
           </a:p>
@@ -850,7 +850,7 @@
           <a:p>
             <a:fld id="{A2BAE022-C88F-2B41-9F90-7F832352A141}" type="datetimeFigureOut">
               <a:rPr lang="en-US" smtClean="0"/>
-              <a:t>6/26/24</a:t>
+              <a:t>11/6/24</a:t>
             </a:fld>
             <a:endParaRPr lang="en-US"/>
           </a:p>
@@ -1030,7 +1030,7 @@
           <a:p>
             <a:fld id="{A2BAE022-C88F-2B41-9F90-7F832352A141}" type="datetimeFigureOut">
               <a:rPr lang="en-US" smtClean="0"/>
-              <a:t>6/26/24</a:t>
+              <a:t>11/6/24</a:t>
             </a:fld>
             <a:endParaRPr lang="en-US"/>
           </a:p>
@@ -1200,7 +1200,7 @@
           <a:p>
             <a:fld id="{A2BAE022-C88F-2B41-9F90-7F832352A141}" type="datetimeFigureOut">
               <a:rPr lang="en-US" smtClean="0"/>
-              <a:t>6/26/24</a:t>
+              <a:t>11/6/24</a:t>
             </a:fld>
             <a:endParaRPr lang="en-US"/>
           </a:p>
@@ -1444,7 +1444,7 @@
           <a:p>
             <a:fld id="{A2BAE022-C88F-2B41-9F90-7F832352A141}" type="datetimeFigureOut">
               <a:rPr lang="en-US" smtClean="0"/>
-              <a:t>6/26/24</a:t>
+              <a:t>11/6/24</a:t>
             </a:fld>
             <a:endParaRPr lang="en-US"/>
           </a:p>
@@ -1676,7 +1676,7 @@
           <a:p>
             <a:fld id="{A2BAE022-C88F-2B41-9F90-7F832352A141}" type="datetimeFigureOut">
               <a:rPr lang="en-US" smtClean="0"/>
-              <a:t>6/26/24</a:t>
+              <a:t>11/6/24</a:t>
             </a:fld>
             <a:endParaRPr lang="en-US"/>
           </a:p>
@@ -2043,7 +2043,7 @@
           <a:p>
             <a:fld id="{A2BAE022-C88F-2B41-9F90-7F832352A141}" type="datetimeFigureOut">
               <a:rPr lang="en-US" smtClean="0"/>
-              <a:t>6/26/24</a:t>
+              <a:t>11/6/24</a:t>
             </a:fld>
             <a:endParaRPr lang="en-US"/>
           </a:p>
@@ -2161,7 +2161,7 @@
           <a:p>
             <a:fld id="{A2BAE022-C88F-2B41-9F90-7F832352A141}" type="datetimeFigureOut">
               <a:rPr lang="en-US" smtClean="0"/>
-              <a:t>6/26/24</a:t>
+              <a:t>11/6/24</a:t>
             </a:fld>
             <a:endParaRPr lang="en-US"/>
           </a:p>
@@ -2256,7 +2256,7 @@
           <a:p>
             <a:fld id="{A2BAE022-C88F-2B41-9F90-7F832352A141}" type="datetimeFigureOut">
               <a:rPr lang="en-US" smtClean="0"/>
-              <a:t>6/26/24</a:t>
+              <a:t>11/6/24</a:t>
             </a:fld>
             <a:endParaRPr lang="en-US"/>
           </a:p>
@@ -2533,7 +2533,7 @@
           <a:p>
             <a:fld id="{A2BAE022-C88F-2B41-9F90-7F832352A141}" type="datetimeFigureOut">
               <a:rPr lang="en-US" smtClean="0"/>
-              <a:t>6/26/24</a:t>
+              <a:t>11/6/24</a:t>
             </a:fld>
             <a:endParaRPr lang="en-US"/>
           </a:p>
@@ -2790,7 +2790,7 @@
           <a:p>
             <a:fld id="{A2BAE022-C88F-2B41-9F90-7F832352A141}" type="datetimeFigureOut">
               <a:rPr lang="en-US" smtClean="0"/>
-              <a:t>6/26/24</a:t>
+              <a:t>11/6/24</a:t>
             </a:fld>
             <a:endParaRPr lang="en-US"/>
           </a:p>
@@ -3003,7 +3003,7 @@
           <a:p>
             <a:fld id="{A2BAE022-C88F-2B41-9F90-7F832352A141}" type="datetimeFigureOut">
               <a:rPr lang="en-US" smtClean="0"/>
-              <a:t>6/26/24</a:t>
+              <a:t>11/6/24</a:t>
             </a:fld>
             <a:endParaRPr lang="en-US"/>
           </a:p>
@@ -3424,10 +3424,10 @@
         </p:nvGrpSpPr>
         <p:grpSpPr>
           <a:xfrm>
-            <a:off x="742331" y="833153"/>
-            <a:ext cx="13611015" cy="11502207"/>
-            <a:chOff x="-461904" y="394057"/>
-            <a:chExt cx="13611015" cy="11502207"/>
+            <a:off x="742331" y="665617"/>
+            <a:ext cx="13611015" cy="11669743"/>
+            <a:chOff x="-461904" y="226521"/>
+            <a:chExt cx="13611015" cy="11669743"/>
           </a:xfrm>
         </p:grpSpPr>
         <p:grpSp>
@@ -3446,10 +3446,10 @@
           </p:nvGrpSpPr>
           <p:grpSpPr>
             <a:xfrm>
-              <a:off x="-461904" y="415484"/>
-              <a:ext cx="8348218" cy="11480780"/>
-              <a:chOff x="-461904" y="415484"/>
-              <a:chExt cx="8348218" cy="11480780"/>
+              <a:off x="-461904" y="254354"/>
+              <a:ext cx="8348218" cy="11641910"/>
+              <a:chOff x="-461904" y="254354"/>
+              <a:chExt cx="8348218" cy="11641910"/>
             </a:xfrm>
           </p:grpSpPr>
           <p:sp>
@@ -3688,10 +3688,10 @@
             </p:nvGrpSpPr>
             <p:grpSpPr>
               <a:xfrm>
-                <a:off x="-461904" y="415484"/>
-                <a:ext cx="8183333" cy="11474715"/>
-                <a:chOff x="-461904" y="415484"/>
-                <a:chExt cx="8183333" cy="11474715"/>
+                <a:off x="-461904" y="254354"/>
+                <a:ext cx="8183333" cy="11635845"/>
+                <a:chOff x="-461904" y="254354"/>
+                <a:chExt cx="8183333" cy="11635845"/>
               </a:xfrm>
             </p:grpSpPr>
             <p:grpSp>
@@ -3710,10 +3710,10 @@
               </p:nvGrpSpPr>
               <p:grpSpPr>
                 <a:xfrm>
-                  <a:off x="-461904" y="415484"/>
-                  <a:ext cx="8183333" cy="11474715"/>
-                  <a:chOff x="-461904" y="415484"/>
-                  <a:chExt cx="8183333" cy="11474715"/>
+                  <a:off x="-461904" y="254354"/>
+                  <a:ext cx="8183333" cy="11635845"/>
+                  <a:chOff x="-461904" y="254354"/>
+                  <a:chExt cx="8183333" cy="11635845"/>
                 </a:xfrm>
               </p:grpSpPr>
               <p:grpSp>
@@ -3732,10 +3732,10 @@
                 </p:nvGrpSpPr>
                 <p:grpSpPr>
                   <a:xfrm>
-                    <a:off x="-461904" y="415484"/>
-                    <a:ext cx="8183333" cy="11474715"/>
-                    <a:chOff x="-461904" y="415484"/>
-                    <a:chExt cx="8183333" cy="11474715"/>
+                    <a:off x="-461904" y="254354"/>
+                    <a:ext cx="8183333" cy="11635845"/>
+                    <a:chOff x="-461904" y="254354"/>
+                    <a:chExt cx="8183333" cy="11635845"/>
                   </a:xfrm>
                 </p:grpSpPr>
                 <p:grpSp>
@@ -3754,10 +3754,10 @@
                   </p:nvGrpSpPr>
                   <p:grpSpPr>
                     <a:xfrm>
-                      <a:off x="-461904" y="415484"/>
-                      <a:ext cx="8183333" cy="11474715"/>
-                      <a:chOff x="-461904" y="415484"/>
-                      <a:chExt cx="8183333" cy="11474715"/>
+                      <a:off x="-461904" y="254354"/>
+                      <a:ext cx="8183333" cy="11635845"/>
+                      <a:chOff x="-461904" y="254354"/>
+                      <a:chExt cx="8183333" cy="11635845"/>
                     </a:xfrm>
                   </p:grpSpPr>
                   <p:grpSp>
@@ -3776,10 +3776,10 @@
                     </p:nvGrpSpPr>
                     <p:grpSpPr>
                       <a:xfrm>
-                        <a:off x="-461904" y="415484"/>
-                        <a:ext cx="8183333" cy="11474715"/>
-                        <a:chOff x="-461904" y="415484"/>
-                        <a:chExt cx="8183333" cy="11474715"/>
+                        <a:off x="-461904" y="254354"/>
+                        <a:ext cx="8183333" cy="11635845"/>
+                        <a:chOff x="-461904" y="254354"/>
+                        <a:chExt cx="8183333" cy="11635845"/>
                       </a:xfrm>
                     </p:grpSpPr>
                     <p:sp>
@@ -3935,10 +3935,10 @@
                       </p:nvGrpSpPr>
                       <p:grpSpPr>
                         <a:xfrm>
-                          <a:off x="-461904" y="415484"/>
-                          <a:ext cx="8183333" cy="11467540"/>
-                          <a:chOff x="-628159" y="290793"/>
-                          <a:chExt cx="8183333" cy="11467540"/>
+                          <a:off x="-461904" y="254354"/>
+                          <a:ext cx="8183333" cy="11628670"/>
+                          <a:chOff x="-628159" y="129663"/>
+                          <a:chExt cx="8183333" cy="11628670"/>
                         </a:xfrm>
                       </p:grpSpPr>
                       <p:sp>
@@ -4080,10 +4080,10 @@
                         </p:nvGrpSpPr>
                         <p:grpSpPr>
                           <a:xfrm>
-                            <a:off x="1588787" y="290793"/>
-                            <a:ext cx="3737723" cy="5936322"/>
-                            <a:chOff x="2492258" y="956392"/>
-                            <a:chExt cx="3737723" cy="5936322"/>
+                            <a:off x="1588787" y="129663"/>
+                            <a:ext cx="3737723" cy="6097452"/>
+                            <a:chOff x="2492258" y="795262"/>
+                            <a:chExt cx="3737723" cy="6097452"/>
                           </a:xfrm>
                         </p:grpSpPr>
                         <p:grpSp>
@@ -4102,10 +4102,10 @@
                           </p:nvGrpSpPr>
                           <p:grpSpPr>
                             <a:xfrm>
-                              <a:off x="2492258" y="956392"/>
-                              <a:ext cx="3737723" cy="3017021"/>
-                              <a:chOff x="-389800" y="928249"/>
-                              <a:chExt cx="3737722" cy="3017021"/>
+                              <a:off x="2492258" y="795262"/>
+                              <a:ext cx="3737723" cy="3178151"/>
+                              <a:chOff x="-389800" y="767119"/>
+                              <a:chExt cx="3737722" cy="3178151"/>
                             </a:xfrm>
                           </p:grpSpPr>
                           <p:grpSp>
@@ -4124,10 +4124,10 @@
                             </p:nvGrpSpPr>
                             <p:grpSpPr>
                               <a:xfrm>
-                                <a:off x="275480" y="928249"/>
-                                <a:ext cx="1507975" cy="3017021"/>
-                                <a:chOff x="210625" y="795146"/>
-                                <a:chExt cx="1507975" cy="3017021"/>
+                                <a:off x="275480" y="767119"/>
+                                <a:ext cx="1821599" cy="3178151"/>
+                                <a:chOff x="210625" y="634016"/>
+                                <a:chExt cx="1821599" cy="3178151"/>
                               </a:xfrm>
                             </p:grpSpPr>
                             <p:sp>
@@ -4187,8 +4187,8 @@
                               </p:nvSpPr>
                               <p:spPr>
                                 <a:xfrm>
-                                  <a:off x="751669" y="795146"/>
-                                  <a:ext cx="966931" cy="400110"/>
+                                  <a:off x="735074" y="634016"/>
+                                  <a:ext cx="1297150" cy="553998"/>
                                 </a:xfrm>
                                 <a:prstGeom prst="rect">
                                   <a:avLst/>
@@ -4202,11 +4202,11 @@
                                 <a:lstStyle/>
                                 <a:p>
                                   <a:r>
-                                    <a:rPr lang="en-US" sz="2000" b="1" dirty="0">
+                                    <a:rPr lang="en-US" sz="3000" b="1" dirty="0">
                                       <a:latin typeface="Helvetica" pitchFamily="2" charset="0"/>
                                       <a:cs typeface="Times New Roman" panose="02020603050405020304" pitchFamily="18" charset="0"/>
                                     </a:rPr>
-                                    <a:t>A. GBI</a:t>
+                                    <a:t>a. GBI</a:t>
                                   </a:r>
                                 </a:p>
                               </p:txBody>
@@ -5246,8 +5246,8 @@
                           </a:p>
                         </p:txBody>
                       </p:sp>
-                      <mc:AlternateContent xmlns:mc="http://schemas.openxmlformats.org/markup-compatibility/2006">
-                        <mc:Choice xmlns:a14="http://schemas.microsoft.com/office/drawing/2010/main" Requires="a14">
+                      <mc:AlternateContent xmlns:mc="http://schemas.openxmlformats.org/markup-compatibility/2006" xmlns:a14="http://schemas.microsoft.com/office/drawing/2010/main">
+                        <mc:Choice Requires="a14">
                           <p:sp>
                             <p:nvSpPr>
                               <p:cNvPr id="331" name="TextBox 330">
@@ -5495,7 +5495,7 @@
                             </p:txBody>
                           </p:sp>
                         </mc:Choice>
-                        <mc:Fallback>
+                        <mc:Fallback xmlns="">
                           <p:sp>
                             <p:nvSpPr>
                               <p:cNvPr id="331" name="TextBox 330">
@@ -7401,10 +7401,10 @@
           </p:nvGrpSpPr>
           <p:grpSpPr>
             <a:xfrm>
-              <a:off x="7779012" y="394057"/>
-              <a:ext cx="5294062" cy="11493854"/>
-              <a:chOff x="7779012" y="394057"/>
-              <a:chExt cx="5294062" cy="11493854"/>
+              <a:off x="7779012" y="226521"/>
+              <a:ext cx="5294062" cy="11661390"/>
+              <a:chOff x="7779012" y="226521"/>
+              <a:chExt cx="5294062" cy="11661390"/>
             </a:xfrm>
           </p:grpSpPr>
           <p:grpSp>
@@ -7423,10 +7423,10 @@
             </p:nvGrpSpPr>
             <p:grpSpPr>
               <a:xfrm>
-                <a:off x="7779012" y="394057"/>
-                <a:ext cx="5294062" cy="7158782"/>
-                <a:chOff x="7779012" y="394057"/>
-                <a:chExt cx="5294062" cy="7158782"/>
+                <a:off x="7779012" y="226521"/>
+                <a:ext cx="5294062" cy="7326318"/>
+                <a:chOff x="7779012" y="226521"/>
+                <a:chExt cx="5294062" cy="7326318"/>
               </a:xfrm>
             </p:grpSpPr>
             <p:grpSp>
@@ -7445,10 +7445,10 @@
               </p:nvGrpSpPr>
               <p:grpSpPr>
                 <a:xfrm>
-                  <a:off x="7779012" y="394057"/>
-                  <a:ext cx="5294062" cy="7158782"/>
-                  <a:chOff x="7779012" y="394057"/>
-                  <a:chExt cx="5294062" cy="7158782"/>
+                  <a:off x="7779012" y="226521"/>
+                  <a:ext cx="5294062" cy="7326318"/>
+                  <a:chOff x="7779012" y="226521"/>
+                  <a:chExt cx="5294062" cy="7326318"/>
                 </a:xfrm>
               </p:grpSpPr>
               <p:grpSp>
@@ -7467,10 +7467,10 @@
                 </p:nvGrpSpPr>
                 <p:grpSpPr>
                   <a:xfrm>
-                    <a:off x="7779012" y="394057"/>
-                    <a:ext cx="5294062" cy="7158782"/>
-                    <a:chOff x="8541474" y="481927"/>
-                    <a:chExt cx="5294062" cy="7158782"/>
+                    <a:off x="7779012" y="226521"/>
+                    <a:ext cx="5294062" cy="7326318"/>
+                    <a:chOff x="8541474" y="314391"/>
+                    <a:chExt cx="5294062" cy="7326318"/>
                   </a:xfrm>
                 </p:grpSpPr>
                 <p:grpSp>
@@ -7489,10 +7489,10 @@
                   </p:nvGrpSpPr>
                   <p:grpSpPr>
                     <a:xfrm>
-                      <a:off x="8541474" y="481927"/>
-                      <a:ext cx="5294062" cy="7158782"/>
-                      <a:chOff x="5116563" y="1494964"/>
-                      <a:chExt cx="5294060" cy="7158783"/>
+                      <a:off x="8541474" y="314391"/>
+                      <a:ext cx="5294062" cy="7326318"/>
+                      <a:chOff x="5116563" y="1327428"/>
+                      <a:chExt cx="5294060" cy="7326319"/>
                     </a:xfrm>
                   </p:grpSpPr>
                   <p:grpSp>
@@ -7511,10 +7511,10 @@
                     </p:nvGrpSpPr>
                     <p:grpSpPr>
                       <a:xfrm>
-                        <a:off x="5116563" y="1494964"/>
-                        <a:ext cx="5294060" cy="7158783"/>
-                        <a:chOff x="5304111" y="1490554"/>
-                        <a:chExt cx="5294060" cy="7158783"/>
+                        <a:off x="5116563" y="1327428"/>
+                        <a:ext cx="5294060" cy="7326319"/>
+                        <a:chOff x="5304111" y="1323018"/>
+                        <a:chExt cx="5294060" cy="7326319"/>
                       </a:xfrm>
                     </p:grpSpPr>
                     <p:grpSp>
@@ -7533,10 +7533,10 @@
                       </p:nvGrpSpPr>
                       <p:grpSpPr>
                         <a:xfrm>
-                          <a:off x="5304111" y="1490554"/>
-                          <a:ext cx="5287582" cy="7158783"/>
-                          <a:chOff x="577202" y="988984"/>
-                          <a:chExt cx="5287582" cy="7158783"/>
+                          <a:off x="5304111" y="1323018"/>
+                          <a:ext cx="5287582" cy="7326319"/>
+                          <a:chOff x="577202" y="821448"/>
+                          <a:chExt cx="5287582" cy="7326319"/>
                         </a:xfrm>
                       </p:grpSpPr>
                       <p:grpSp>
@@ -7555,10 +7555,10 @@
                         </p:nvGrpSpPr>
                         <p:grpSpPr>
                           <a:xfrm>
-                            <a:off x="577202" y="988984"/>
-                            <a:ext cx="5227901" cy="7158783"/>
-                            <a:chOff x="-2369710" y="827738"/>
-                            <a:chExt cx="5227901" cy="7158783"/>
+                            <a:off x="577202" y="821448"/>
+                            <a:ext cx="5227901" cy="7326319"/>
+                            <a:chOff x="-2369710" y="660202"/>
+                            <a:chExt cx="5227901" cy="7326319"/>
                           </a:xfrm>
                         </p:grpSpPr>
                         <p:grpSp>
@@ -7799,8 +7799,8 @@
                           </p:nvSpPr>
                           <p:spPr>
                             <a:xfrm>
-                              <a:off x="-150312" y="827738"/>
-                              <a:ext cx="896399" cy="400110"/>
+                              <a:off x="-174900" y="660202"/>
+                              <a:ext cx="1213794" cy="553998"/>
                             </a:xfrm>
                             <a:prstGeom prst="rect">
                               <a:avLst/>
@@ -7814,11 +7814,11 @@
                             <a:lstStyle/>
                             <a:p>
                               <a:r>
-                                <a:rPr lang="en-US" sz="2000" b="1" dirty="0">
+                                <a:rPr lang="en-US" sz="3000" b="1" dirty="0">
                                   <a:latin typeface="Helvetica" pitchFamily="2" charset="0"/>
                                   <a:cs typeface="Times New Roman" panose="02020603050405020304" pitchFamily="18" charset="0"/>
                                 </a:rPr>
-                                <a:t>B. TLI</a:t>
+                                <a:t>b. TLI</a:t>
                               </a:r>
                             </a:p>
                           </p:txBody>

--- a/plots/Fig2 feature modification flowchart.pptx
+++ b/plots/Fig2 feature modification flowchart.pptx
@@ -197,7 +197,7 @@
           <a:p>
             <a:fld id="{7FBD6D00-5174-A449-9D44-84A3CC40E9AF}" type="datetimeFigureOut">
               <a:rPr lang="en-US" smtClean="0"/>
-              <a:t>11/6/24</a:t>
+              <a:t>11/13/24</a:t>
             </a:fld>
             <a:endParaRPr lang="en-US"/>
           </a:p>
@@ -680,7 +680,7 @@
           <a:p>
             <a:fld id="{A2BAE022-C88F-2B41-9F90-7F832352A141}" type="datetimeFigureOut">
               <a:rPr lang="en-US" smtClean="0"/>
-              <a:t>11/6/24</a:t>
+              <a:t>11/13/24</a:t>
             </a:fld>
             <a:endParaRPr lang="en-US"/>
           </a:p>
@@ -850,7 +850,7 @@
           <a:p>
             <a:fld id="{A2BAE022-C88F-2B41-9F90-7F832352A141}" type="datetimeFigureOut">
               <a:rPr lang="en-US" smtClean="0"/>
-              <a:t>11/6/24</a:t>
+              <a:t>11/13/24</a:t>
             </a:fld>
             <a:endParaRPr lang="en-US"/>
           </a:p>
@@ -1030,7 +1030,7 @@
           <a:p>
             <a:fld id="{A2BAE022-C88F-2B41-9F90-7F832352A141}" type="datetimeFigureOut">
               <a:rPr lang="en-US" smtClean="0"/>
-              <a:t>11/6/24</a:t>
+              <a:t>11/13/24</a:t>
             </a:fld>
             <a:endParaRPr lang="en-US"/>
           </a:p>
@@ -1200,7 +1200,7 @@
           <a:p>
             <a:fld id="{A2BAE022-C88F-2B41-9F90-7F832352A141}" type="datetimeFigureOut">
               <a:rPr lang="en-US" smtClean="0"/>
-              <a:t>11/6/24</a:t>
+              <a:t>11/13/24</a:t>
             </a:fld>
             <a:endParaRPr lang="en-US"/>
           </a:p>
@@ -1444,7 +1444,7 @@
           <a:p>
             <a:fld id="{A2BAE022-C88F-2B41-9F90-7F832352A141}" type="datetimeFigureOut">
               <a:rPr lang="en-US" smtClean="0"/>
-              <a:t>11/6/24</a:t>
+              <a:t>11/13/24</a:t>
             </a:fld>
             <a:endParaRPr lang="en-US"/>
           </a:p>
@@ -1676,7 +1676,7 @@
           <a:p>
             <a:fld id="{A2BAE022-C88F-2B41-9F90-7F832352A141}" type="datetimeFigureOut">
               <a:rPr lang="en-US" smtClean="0"/>
-              <a:t>11/6/24</a:t>
+              <a:t>11/13/24</a:t>
             </a:fld>
             <a:endParaRPr lang="en-US"/>
           </a:p>
@@ -2043,7 +2043,7 @@
           <a:p>
             <a:fld id="{A2BAE022-C88F-2B41-9F90-7F832352A141}" type="datetimeFigureOut">
               <a:rPr lang="en-US" smtClean="0"/>
-              <a:t>11/6/24</a:t>
+              <a:t>11/13/24</a:t>
             </a:fld>
             <a:endParaRPr lang="en-US"/>
           </a:p>
@@ -2161,7 +2161,7 @@
           <a:p>
             <a:fld id="{A2BAE022-C88F-2B41-9F90-7F832352A141}" type="datetimeFigureOut">
               <a:rPr lang="en-US" smtClean="0"/>
-              <a:t>11/6/24</a:t>
+              <a:t>11/13/24</a:t>
             </a:fld>
             <a:endParaRPr lang="en-US"/>
           </a:p>
@@ -2256,7 +2256,7 @@
           <a:p>
             <a:fld id="{A2BAE022-C88F-2B41-9F90-7F832352A141}" type="datetimeFigureOut">
               <a:rPr lang="en-US" smtClean="0"/>
-              <a:t>11/6/24</a:t>
+              <a:t>11/13/24</a:t>
             </a:fld>
             <a:endParaRPr lang="en-US"/>
           </a:p>
@@ -2533,7 +2533,7 @@
           <a:p>
             <a:fld id="{A2BAE022-C88F-2B41-9F90-7F832352A141}" type="datetimeFigureOut">
               <a:rPr lang="en-US" smtClean="0"/>
-              <a:t>11/6/24</a:t>
+              <a:t>11/13/24</a:t>
             </a:fld>
             <a:endParaRPr lang="en-US"/>
           </a:p>
@@ -2790,7 +2790,7 @@
           <a:p>
             <a:fld id="{A2BAE022-C88F-2B41-9F90-7F832352A141}" type="datetimeFigureOut">
               <a:rPr lang="en-US" smtClean="0"/>
-              <a:t>11/6/24</a:t>
+              <a:t>11/13/24</a:t>
             </a:fld>
             <a:endParaRPr lang="en-US"/>
           </a:p>
@@ -3003,7 +3003,7 @@
           <a:p>
             <a:fld id="{A2BAE022-C88F-2B41-9F90-7F832352A141}" type="datetimeFigureOut">
               <a:rPr lang="en-US" smtClean="0"/>
-              <a:t>11/6/24</a:t>
+              <a:t>11/13/24</a:t>
             </a:fld>
             <a:endParaRPr lang="en-US"/>
           </a:p>
@@ -3424,10 +3424,10 @@
         </p:nvGrpSpPr>
         <p:grpSpPr>
           <a:xfrm>
-            <a:off x="742331" y="665617"/>
-            <a:ext cx="13611015" cy="11669743"/>
-            <a:chOff x="-461904" y="226521"/>
-            <a:chExt cx="13611015" cy="11669743"/>
+            <a:off x="742331" y="674778"/>
+            <a:ext cx="13611015" cy="11660582"/>
+            <a:chOff x="-461904" y="235682"/>
+            <a:chExt cx="13611015" cy="11660582"/>
           </a:xfrm>
         </p:grpSpPr>
         <p:grpSp>
@@ -3446,10 +3446,10 @@
           </p:nvGrpSpPr>
           <p:grpSpPr>
             <a:xfrm>
-              <a:off x="-461904" y="254354"/>
-              <a:ext cx="8348218" cy="11641910"/>
-              <a:chOff x="-461904" y="254354"/>
-              <a:chExt cx="8348218" cy="11641910"/>
+              <a:off x="-461904" y="242979"/>
+              <a:ext cx="8348218" cy="11653285"/>
+              <a:chOff x="-461904" y="242979"/>
+              <a:chExt cx="8348218" cy="11653285"/>
             </a:xfrm>
           </p:grpSpPr>
           <p:sp>
@@ -3688,10 +3688,10 @@
             </p:nvGrpSpPr>
             <p:grpSpPr>
               <a:xfrm>
-                <a:off x="-461904" y="254354"/>
-                <a:ext cx="8183333" cy="11635845"/>
-                <a:chOff x="-461904" y="254354"/>
-                <a:chExt cx="8183333" cy="11635845"/>
+                <a:off x="-461904" y="242979"/>
+                <a:ext cx="8183333" cy="11647220"/>
+                <a:chOff x="-461904" y="242979"/>
+                <a:chExt cx="8183333" cy="11647220"/>
               </a:xfrm>
             </p:grpSpPr>
             <p:grpSp>
@@ -3710,10 +3710,10 @@
               </p:nvGrpSpPr>
               <p:grpSpPr>
                 <a:xfrm>
-                  <a:off x="-461904" y="254354"/>
-                  <a:ext cx="8183333" cy="11635845"/>
-                  <a:chOff x="-461904" y="254354"/>
-                  <a:chExt cx="8183333" cy="11635845"/>
+                  <a:off x="-461904" y="242979"/>
+                  <a:ext cx="8183333" cy="11647220"/>
+                  <a:chOff x="-461904" y="242979"/>
+                  <a:chExt cx="8183333" cy="11647220"/>
                 </a:xfrm>
               </p:grpSpPr>
               <p:grpSp>
@@ -3732,10 +3732,10 @@
                 </p:nvGrpSpPr>
                 <p:grpSpPr>
                   <a:xfrm>
-                    <a:off x="-461904" y="254354"/>
-                    <a:ext cx="8183333" cy="11635845"/>
-                    <a:chOff x="-461904" y="254354"/>
-                    <a:chExt cx="8183333" cy="11635845"/>
+                    <a:off x="-461904" y="242979"/>
+                    <a:ext cx="8183333" cy="11647220"/>
+                    <a:chOff x="-461904" y="242979"/>
+                    <a:chExt cx="8183333" cy="11647220"/>
                   </a:xfrm>
                 </p:grpSpPr>
                 <p:grpSp>
@@ -3754,10 +3754,10 @@
                   </p:nvGrpSpPr>
                   <p:grpSpPr>
                     <a:xfrm>
-                      <a:off x="-461904" y="254354"/>
-                      <a:ext cx="8183333" cy="11635845"/>
-                      <a:chOff x="-461904" y="254354"/>
-                      <a:chExt cx="8183333" cy="11635845"/>
+                      <a:off x="-461904" y="242979"/>
+                      <a:ext cx="8183333" cy="11647220"/>
+                      <a:chOff x="-461904" y="242979"/>
+                      <a:chExt cx="8183333" cy="11647220"/>
                     </a:xfrm>
                   </p:grpSpPr>
                   <p:grpSp>
@@ -3776,10 +3776,10 @@
                     </p:nvGrpSpPr>
                     <p:grpSpPr>
                       <a:xfrm>
-                        <a:off x="-461904" y="254354"/>
-                        <a:ext cx="8183333" cy="11635845"/>
-                        <a:chOff x="-461904" y="254354"/>
-                        <a:chExt cx="8183333" cy="11635845"/>
+                        <a:off x="-461904" y="242979"/>
+                        <a:ext cx="8183333" cy="11647220"/>
+                        <a:chOff x="-461904" y="242979"/>
+                        <a:chExt cx="8183333" cy="11647220"/>
                       </a:xfrm>
                     </p:grpSpPr>
                     <p:sp>
@@ -3935,10 +3935,10 @@
                       </p:nvGrpSpPr>
                       <p:grpSpPr>
                         <a:xfrm>
-                          <a:off x="-461904" y="254354"/>
-                          <a:ext cx="8183333" cy="11628670"/>
-                          <a:chOff x="-628159" y="129663"/>
-                          <a:chExt cx="8183333" cy="11628670"/>
+                          <a:off x="-461904" y="242979"/>
+                          <a:ext cx="8183333" cy="11640045"/>
+                          <a:chOff x="-628159" y="118288"/>
+                          <a:chExt cx="8183333" cy="11640045"/>
                         </a:xfrm>
                       </p:grpSpPr>
                       <p:sp>
@@ -4080,10 +4080,10 @@
                         </p:nvGrpSpPr>
                         <p:grpSpPr>
                           <a:xfrm>
-                            <a:off x="1588787" y="129663"/>
-                            <a:ext cx="3737723" cy="6097452"/>
-                            <a:chOff x="2492258" y="795262"/>
-                            <a:chExt cx="3737723" cy="6097452"/>
+                            <a:off x="1588787" y="118288"/>
+                            <a:ext cx="3737723" cy="6108827"/>
+                            <a:chOff x="2492258" y="783887"/>
+                            <a:chExt cx="3737723" cy="6108827"/>
                           </a:xfrm>
                         </p:grpSpPr>
                         <p:grpSp>
@@ -4102,10 +4102,10 @@
                           </p:nvGrpSpPr>
                           <p:grpSpPr>
                             <a:xfrm>
-                              <a:off x="2492258" y="795262"/>
-                              <a:ext cx="3737723" cy="3178151"/>
-                              <a:chOff x="-389800" y="767119"/>
-                              <a:chExt cx="3737722" cy="3178151"/>
+                              <a:off x="2492258" y="783887"/>
+                              <a:ext cx="3737723" cy="3189526"/>
+                              <a:chOff x="-389800" y="755744"/>
+                              <a:chExt cx="3737722" cy="3189526"/>
                             </a:xfrm>
                           </p:grpSpPr>
                           <p:grpSp>
@@ -4124,10 +4124,10 @@
                             </p:nvGrpSpPr>
                             <p:grpSpPr>
                               <a:xfrm>
-                                <a:off x="275480" y="767119"/>
-                                <a:ext cx="1821599" cy="3178151"/>
-                                <a:chOff x="210625" y="634016"/>
-                                <a:chExt cx="1821599" cy="3178151"/>
+                                <a:off x="275480" y="755744"/>
+                                <a:ext cx="1425657" cy="3189526"/>
+                                <a:chOff x="210625" y="622641"/>
+                                <a:chExt cx="1425657" cy="3189526"/>
                               </a:xfrm>
                             </p:grpSpPr>
                             <p:sp>
@@ -4187,8 +4187,8 @@
                               </p:nvSpPr>
                               <p:spPr>
                                 <a:xfrm>
-                                  <a:off x="735074" y="634016"/>
-                                  <a:ext cx="1297150" cy="553998"/>
+                                  <a:off x="1131015" y="622641"/>
+                                  <a:ext cx="505267" cy="553998"/>
                                 </a:xfrm>
                                 <a:prstGeom prst="rect">
                                   <a:avLst/>
@@ -4206,7 +4206,7 @@
                                       <a:latin typeface="Helvetica" pitchFamily="2" charset="0"/>
                                       <a:cs typeface="Times New Roman" panose="02020603050405020304" pitchFamily="18" charset="0"/>
                                     </a:rPr>
-                                    <a:t>a. GBI</a:t>
+                                    <a:t>a.</a:t>
                                   </a:r>
                                 </a:p>
                               </p:txBody>
@@ -7401,10 +7401,10 @@
           </p:nvGrpSpPr>
           <p:grpSpPr>
             <a:xfrm>
-              <a:off x="7779012" y="226521"/>
-              <a:ext cx="5294062" cy="11661390"/>
-              <a:chOff x="7779012" y="226521"/>
-              <a:chExt cx="5294062" cy="11661390"/>
+              <a:off x="7779012" y="235682"/>
+              <a:ext cx="5294062" cy="11652229"/>
+              <a:chOff x="7779012" y="235682"/>
+              <a:chExt cx="5294062" cy="11652229"/>
             </a:xfrm>
           </p:grpSpPr>
           <p:grpSp>
@@ -7423,10 +7423,10 @@
             </p:nvGrpSpPr>
             <p:grpSpPr>
               <a:xfrm>
-                <a:off x="7779012" y="226521"/>
-                <a:ext cx="5294062" cy="7326318"/>
-                <a:chOff x="7779012" y="226521"/>
-                <a:chExt cx="5294062" cy="7326318"/>
+                <a:off x="7779012" y="235682"/>
+                <a:ext cx="5294062" cy="7317157"/>
+                <a:chOff x="7779012" y="235682"/>
+                <a:chExt cx="5294062" cy="7317157"/>
               </a:xfrm>
             </p:grpSpPr>
             <p:grpSp>
@@ -7445,10 +7445,10 @@
               </p:nvGrpSpPr>
               <p:grpSpPr>
                 <a:xfrm>
-                  <a:off x="7779012" y="226521"/>
-                  <a:ext cx="5294062" cy="7326318"/>
-                  <a:chOff x="7779012" y="226521"/>
-                  <a:chExt cx="5294062" cy="7326318"/>
+                  <a:off x="7779012" y="235682"/>
+                  <a:ext cx="5294062" cy="7317157"/>
+                  <a:chOff x="7779012" y="235682"/>
+                  <a:chExt cx="5294062" cy="7317157"/>
                 </a:xfrm>
               </p:grpSpPr>
               <p:grpSp>
@@ -7467,10 +7467,10 @@
                 </p:nvGrpSpPr>
                 <p:grpSpPr>
                   <a:xfrm>
-                    <a:off x="7779012" y="226521"/>
-                    <a:ext cx="5294062" cy="7326318"/>
-                    <a:chOff x="8541474" y="314391"/>
-                    <a:chExt cx="5294062" cy="7326318"/>
+                    <a:off x="7779012" y="235682"/>
+                    <a:ext cx="5294062" cy="7317157"/>
+                    <a:chOff x="8541474" y="323552"/>
+                    <a:chExt cx="5294062" cy="7317157"/>
                   </a:xfrm>
                 </p:grpSpPr>
                 <p:grpSp>
@@ -7489,10 +7489,10 @@
                   </p:nvGrpSpPr>
                   <p:grpSpPr>
                     <a:xfrm>
-                      <a:off x="8541474" y="314391"/>
-                      <a:ext cx="5294062" cy="7326318"/>
-                      <a:chOff x="5116563" y="1327428"/>
-                      <a:chExt cx="5294060" cy="7326319"/>
+                      <a:off x="8541474" y="323552"/>
+                      <a:ext cx="5294062" cy="7317157"/>
+                      <a:chOff x="5116563" y="1336589"/>
+                      <a:chExt cx="5294060" cy="7317158"/>
                     </a:xfrm>
                   </p:grpSpPr>
                   <p:grpSp>
@@ -7511,10 +7511,10 @@
                     </p:nvGrpSpPr>
                     <p:grpSpPr>
                       <a:xfrm>
-                        <a:off x="5116563" y="1327428"/>
-                        <a:ext cx="5294060" cy="7326319"/>
-                        <a:chOff x="5304111" y="1323018"/>
-                        <a:chExt cx="5294060" cy="7326319"/>
+                        <a:off x="5116563" y="1336589"/>
+                        <a:ext cx="5294060" cy="7317158"/>
+                        <a:chOff x="5304111" y="1332179"/>
+                        <a:chExt cx="5294060" cy="7317158"/>
                       </a:xfrm>
                     </p:grpSpPr>
                     <p:grpSp>
@@ -7533,10 +7533,10 @@
                       </p:nvGrpSpPr>
                       <p:grpSpPr>
                         <a:xfrm>
-                          <a:off x="5304111" y="1323018"/>
-                          <a:ext cx="5287582" cy="7326319"/>
-                          <a:chOff x="577202" y="821448"/>
-                          <a:chExt cx="5287582" cy="7326319"/>
+                          <a:off x="5304111" y="1332179"/>
+                          <a:ext cx="5287582" cy="7317158"/>
+                          <a:chOff x="577202" y="830609"/>
+                          <a:chExt cx="5287582" cy="7317158"/>
                         </a:xfrm>
                       </p:grpSpPr>
                       <p:grpSp>
@@ -7555,10 +7555,10 @@
                         </p:nvGrpSpPr>
                         <p:grpSpPr>
                           <a:xfrm>
-                            <a:off x="577202" y="821448"/>
-                            <a:ext cx="5227901" cy="7326319"/>
-                            <a:chOff x="-2369710" y="660202"/>
-                            <a:chExt cx="5227901" cy="7326319"/>
+                            <a:off x="577202" y="830609"/>
+                            <a:ext cx="5227901" cy="7317158"/>
+                            <a:chOff x="-2369710" y="669363"/>
+                            <a:chExt cx="5227901" cy="7317158"/>
                           </a:xfrm>
                         </p:grpSpPr>
                         <p:grpSp>
@@ -7799,8 +7799,8 @@
                           </p:nvSpPr>
                           <p:spPr>
                             <a:xfrm>
-                              <a:off x="-174900" y="660202"/>
-                              <a:ext cx="1213794" cy="553998"/>
+                              <a:off x="34033" y="669363"/>
+                              <a:ext cx="527709" cy="553998"/>
                             </a:xfrm>
                             <a:prstGeom prst="rect">
                               <a:avLst/>
@@ -7818,7 +7818,7 @@
                                   <a:latin typeface="Helvetica" pitchFamily="2" charset="0"/>
                                   <a:cs typeface="Times New Roman" panose="02020603050405020304" pitchFamily="18" charset="0"/>
                                 </a:rPr>
-                                <a:t>b. TLI</a:t>
+                                <a:t>b.</a:t>
                               </a:r>
                             </a:p>
                           </p:txBody>

--- a/plots/Fig2 feature modification flowchart.pptx
+++ b/plots/Fig2 feature modification flowchart.pptx
@@ -197,7 +197,7 @@
           <a:p>
             <a:fld id="{7FBD6D00-5174-A449-9D44-84A3CC40E9AF}" type="datetimeFigureOut">
               <a:rPr lang="en-US" smtClean="0"/>
-              <a:t>11/13/24</a:t>
+              <a:t>1/2/25</a:t>
             </a:fld>
             <a:endParaRPr lang="en-US"/>
           </a:p>
@@ -680,7 +680,7 @@
           <a:p>
             <a:fld id="{A2BAE022-C88F-2B41-9F90-7F832352A141}" type="datetimeFigureOut">
               <a:rPr lang="en-US" smtClean="0"/>
-              <a:t>11/13/24</a:t>
+              <a:t>1/2/25</a:t>
             </a:fld>
             <a:endParaRPr lang="en-US"/>
           </a:p>
@@ -850,7 +850,7 @@
           <a:p>
             <a:fld id="{A2BAE022-C88F-2B41-9F90-7F832352A141}" type="datetimeFigureOut">
               <a:rPr lang="en-US" smtClean="0"/>
-              <a:t>11/13/24</a:t>
+              <a:t>1/2/25</a:t>
             </a:fld>
             <a:endParaRPr lang="en-US"/>
           </a:p>
@@ -1030,7 +1030,7 @@
           <a:p>
             <a:fld id="{A2BAE022-C88F-2B41-9F90-7F832352A141}" type="datetimeFigureOut">
               <a:rPr lang="en-US" smtClean="0"/>
-              <a:t>11/13/24</a:t>
+              <a:t>1/2/25</a:t>
             </a:fld>
             <a:endParaRPr lang="en-US"/>
           </a:p>
@@ -1200,7 +1200,7 @@
           <a:p>
             <a:fld id="{A2BAE022-C88F-2B41-9F90-7F832352A141}" type="datetimeFigureOut">
               <a:rPr lang="en-US" smtClean="0"/>
-              <a:t>11/13/24</a:t>
+              <a:t>1/2/25</a:t>
             </a:fld>
             <a:endParaRPr lang="en-US"/>
           </a:p>
@@ -1444,7 +1444,7 @@
           <a:p>
             <a:fld id="{A2BAE022-C88F-2B41-9F90-7F832352A141}" type="datetimeFigureOut">
               <a:rPr lang="en-US" smtClean="0"/>
-              <a:t>11/13/24</a:t>
+              <a:t>1/2/25</a:t>
             </a:fld>
             <a:endParaRPr lang="en-US"/>
           </a:p>
@@ -1676,7 +1676,7 @@
           <a:p>
             <a:fld id="{A2BAE022-C88F-2B41-9F90-7F832352A141}" type="datetimeFigureOut">
               <a:rPr lang="en-US" smtClean="0"/>
-              <a:t>11/13/24</a:t>
+              <a:t>1/2/25</a:t>
             </a:fld>
             <a:endParaRPr lang="en-US"/>
           </a:p>
@@ -2043,7 +2043,7 @@
           <a:p>
             <a:fld id="{A2BAE022-C88F-2B41-9F90-7F832352A141}" type="datetimeFigureOut">
               <a:rPr lang="en-US" smtClean="0"/>
-              <a:t>11/13/24</a:t>
+              <a:t>1/2/25</a:t>
             </a:fld>
             <a:endParaRPr lang="en-US"/>
           </a:p>
@@ -2161,7 +2161,7 @@
           <a:p>
             <a:fld id="{A2BAE022-C88F-2B41-9F90-7F832352A141}" type="datetimeFigureOut">
               <a:rPr lang="en-US" smtClean="0"/>
-              <a:t>11/13/24</a:t>
+              <a:t>1/2/25</a:t>
             </a:fld>
             <a:endParaRPr lang="en-US"/>
           </a:p>
@@ -2256,7 +2256,7 @@
           <a:p>
             <a:fld id="{A2BAE022-C88F-2B41-9F90-7F832352A141}" type="datetimeFigureOut">
               <a:rPr lang="en-US" smtClean="0"/>
-              <a:t>11/13/24</a:t>
+              <a:t>1/2/25</a:t>
             </a:fld>
             <a:endParaRPr lang="en-US"/>
           </a:p>
@@ -2533,7 +2533,7 @@
           <a:p>
             <a:fld id="{A2BAE022-C88F-2B41-9F90-7F832352A141}" type="datetimeFigureOut">
               <a:rPr lang="en-US" smtClean="0"/>
-              <a:t>11/13/24</a:t>
+              <a:t>1/2/25</a:t>
             </a:fld>
             <a:endParaRPr lang="en-US"/>
           </a:p>
@@ -2790,7 +2790,7 @@
           <a:p>
             <a:fld id="{A2BAE022-C88F-2B41-9F90-7F832352A141}" type="datetimeFigureOut">
               <a:rPr lang="en-US" smtClean="0"/>
-              <a:t>11/13/24</a:t>
+              <a:t>1/2/25</a:t>
             </a:fld>
             <a:endParaRPr lang="en-US"/>
           </a:p>
@@ -3003,7 +3003,7 @@
           <a:p>
             <a:fld id="{A2BAE022-C88F-2B41-9F90-7F832352A141}" type="datetimeFigureOut">
               <a:rPr lang="en-US" smtClean="0"/>
-              <a:t>11/13/24</a:t>
+              <a:t>1/2/25</a:t>
             </a:fld>
             <a:endParaRPr lang="en-US"/>
           </a:p>
@@ -5990,14 +5990,15 @@
                           </p:cNvPr>
                           <p:cNvCxnSpPr>
                             <a:cxnSpLocks/>
+                            <a:stCxn id="342" idx="0"/>
                             <a:endCxn id="340" idx="2"/>
                           </p:cNvCxnSpPr>
                           <p:nvPr/>
                         </p:nvCxnSpPr>
                         <p:spPr>
-                          <a:xfrm flipV="1">
-                            <a:off x="4157142" y="8771266"/>
-                            <a:ext cx="7644" cy="256676"/>
+                          <a:xfrm flipH="1" flipV="1">
+                            <a:off x="4164786" y="8771266"/>
+                            <a:ext cx="6118" cy="258791"/>
                           </a:xfrm>
                           <a:prstGeom prst="straightConnector1">
                             <a:avLst/>
@@ -6102,13 +6103,14 @@
                           </p:cNvPr>
                           <p:cNvCxnSpPr>
                             <a:cxnSpLocks/>
+                            <a:endCxn id="342" idx="2"/>
                           </p:cNvCxnSpPr>
                           <p:nvPr/>
                         </p:nvCxnSpPr>
                         <p:spPr>
                           <a:xfrm flipV="1">
-                            <a:off x="3704365" y="9451444"/>
-                            <a:ext cx="489090" cy="1114698"/>
+                            <a:off x="3704365" y="9537888"/>
+                            <a:ext cx="466539" cy="1028254"/>
                           </a:xfrm>
                           <a:prstGeom prst="straightConnector1">
                             <a:avLst/>
@@ -6190,13 +6192,14 @@
                           </p:cNvPr>
                           <p:cNvCxnSpPr>
                             <a:cxnSpLocks/>
+                            <a:endCxn id="342" idx="2"/>
                           </p:cNvCxnSpPr>
                           <p:nvPr/>
                         </p:nvCxnSpPr>
                         <p:spPr>
-                          <a:xfrm flipH="1" flipV="1">
-                            <a:off x="4193456" y="9414060"/>
-                            <a:ext cx="7631" cy="1152082"/>
+                          <a:xfrm flipV="1">
+                            <a:off x="4170904" y="9537888"/>
+                            <a:ext cx="0" cy="1017103"/>
                           </a:xfrm>
                           <a:prstGeom prst="straightConnector1">
                             <a:avLst/>

--- a/plots/Fig2 feature modification flowchart.pptx
+++ b/plots/Fig2 feature modification flowchart.pptx
@@ -197,7 +197,7 @@
           <a:p>
             <a:fld id="{7FBD6D00-5174-A449-9D44-84A3CC40E9AF}" type="datetimeFigureOut">
               <a:rPr lang="en-US" smtClean="0"/>
-              <a:t>1/2/25</a:t>
+              <a:t>1/6/25</a:t>
             </a:fld>
             <a:endParaRPr lang="en-US"/>
           </a:p>
@@ -680,7 +680,7 @@
           <a:p>
             <a:fld id="{A2BAE022-C88F-2B41-9F90-7F832352A141}" type="datetimeFigureOut">
               <a:rPr lang="en-US" smtClean="0"/>
-              <a:t>1/2/25</a:t>
+              <a:t>1/6/25</a:t>
             </a:fld>
             <a:endParaRPr lang="en-US"/>
           </a:p>
@@ -850,7 +850,7 @@
           <a:p>
             <a:fld id="{A2BAE022-C88F-2B41-9F90-7F832352A141}" type="datetimeFigureOut">
               <a:rPr lang="en-US" smtClean="0"/>
-              <a:t>1/2/25</a:t>
+              <a:t>1/6/25</a:t>
             </a:fld>
             <a:endParaRPr lang="en-US"/>
           </a:p>
@@ -1030,7 +1030,7 @@
           <a:p>
             <a:fld id="{A2BAE022-C88F-2B41-9F90-7F832352A141}" type="datetimeFigureOut">
               <a:rPr lang="en-US" smtClean="0"/>
-              <a:t>1/2/25</a:t>
+              <a:t>1/6/25</a:t>
             </a:fld>
             <a:endParaRPr lang="en-US"/>
           </a:p>
@@ -1200,7 +1200,7 @@
           <a:p>
             <a:fld id="{A2BAE022-C88F-2B41-9F90-7F832352A141}" type="datetimeFigureOut">
               <a:rPr lang="en-US" smtClean="0"/>
-              <a:t>1/2/25</a:t>
+              <a:t>1/6/25</a:t>
             </a:fld>
             <a:endParaRPr lang="en-US"/>
           </a:p>
@@ -1444,7 +1444,7 @@
           <a:p>
             <a:fld id="{A2BAE022-C88F-2B41-9F90-7F832352A141}" type="datetimeFigureOut">
               <a:rPr lang="en-US" smtClean="0"/>
-              <a:t>1/2/25</a:t>
+              <a:t>1/6/25</a:t>
             </a:fld>
             <a:endParaRPr lang="en-US"/>
           </a:p>
@@ -1676,7 +1676,7 @@
           <a:p>
             <a:fld id="{A2BAE022-C88F-2B41-9F90-7F832352A141}" type="datetimeFigureOut">
               <a:rPr lang="en-US" smtClean="0"/>
-              <a:t>1/2/25</a:t>
+              <a:t>1/6/25</a:t>
             </a:fld>
             <a:endParaRPr lang="en-US"/>
           </a:p>
@@ -2043,7 +2043,7 @@
           <a:p>
             <a:fld id="{A2BAE022-C88F-2B41-9F90-7F832352A141}" type="datetimeFigureOut">
               <a:rPr lang="en-US" smtClean="0"/>
-              <a:t>1/2/25</a:t>
+              <a:t>1/6/25</a:t>
             </a:fld>
             <a:endParaRPr lang="en-US"/>
           </a:p>
@@ -2161,7 +2161,7 @@
           <a:p>
             <a:fld id="{A2BAE022-C88F-2B41-9F90-7F832352A141}" type="datetimeFigureOut">
               <a:rPr lang="en-US" smtClean="0"/>
-              <a:t>1/2/25</a:t>
+              <a:t>1/6/25</a:t>
             </a:fld>
             <a:endParaRPr lang="en-US"/>
           </a:p>
@@ -2256,7 +2256,7 @@
           <a:p>
             <a:fld id="{A2BAE022-C88F-2B41-9F90-7F832352A141}" type="datetimeFigureOut">
               <a:rPr lang="en-US" smtClean="0"/>
-              <a:t>1/2/25</a:t>
+              <a:t>1/6/25</a:t>
             </a:fld>
             <a:endParaRPr lang="en-US"/>
           </a:p>
@@ -2533,7 +2533,7 @@
           <a:p>
             <a:fld id="{A2BAE022-C88F-2B41-9F90-7F832352A141}" type="datetimeFigureOut">
               <a:rPr lang="en-US" smtClean="0"/>
-              <a:t>1/2/25</a:t>
+              <a:t>1/6/25</a:t>
             </a:fld>
             <a:endParaRPr lang="en-US"/>
           </a:p>
@@ -2790,7 +2790,7 @@
           <a:p>
             <a:fld id="{A2BAE022-C88F-2B41-9F90-7F832352A141}" type="datetimeFigureOut">
               <a:rPr lang="en-US" smtClean="0"/>
-              <a:t>1/2/25</a:t>
+              <a:t>1/6/25</a:t>
             </a:fld>
             <a:endParaRPr lang="en-US"/>
           </a:p>
@@ -3003,7 +3003,7 @@
           <a:p>
             <a:fld id="{A2BAE022-C88F-2B41-9F90-7F832352A141}" type="datetimeFigureOut">
               <a:rPr lang="en-US" smtClean="0"/>
-              <a:t>1/2/25</a:t>
+              <a:t>1/6/25</a:t>
             </a:fld>
             <a:endParaRPr lang="en-US"/>
           </a:p>
@@ -6610,8 +6610,19 @@
                                 <a:latin typeface="Helvetica" pitchFamily="2" charset="0"/>
                                 <a:cs typeface="Times New Roman" panose="02020603050405020304" pitchFamily="18" charset="0"/>
                               </a:rPr>
-                              <a:t> = T</a:t>
+                              <a:t> </a:t>
                             </a:r>
+                            <a:r>
+                              <a:rPr lang="en-US" sz="900">
+                                <a:latin typeface="Helvetica" pitchFamily="2" charset="0"/>
+                                <a:cs typeface="Times New Roman" panose="02020603050405020304" pitchFamily="18" charset="0"/>
+                              </a:rPr>
+                              <a:t>= TRUE</a:t>
+                            </a:r>
+                            <a:endParaRPr lang="en-US" sz="900" dirty="0">
+                              <a:latin typeface="Helvetica" pitchFamily="2" charset="0"/>
+                              <a:cs typeface="Times New Roman" panose="02020603050405020304" pitchFamily="18" charset="0"/>
+                            </a:endParaRPr>
                           </a:p>
                         </p:txBody>
                       </p:sp>
